--- a/lectures/DJ-10-Login.pptx
+++ b/lectures/DJ-10-Login.pptx
@@ -222,7 +222,7 @@
           <a:p>
             <a:fld id="{C97B56FC-7D2E-F343-9D09-0D14B00AA564}" type="datetimeFigureOut">
               <a:rPr lang="en-US" smtClean="0"/>
-              <a:t>1/20/20</a:t>
+              <a:t>2/14/20</a:t>
             </a:fld>
             <a:endParaRPr lang="en-US"/>
           </a:p>
@@ -619,7 +619,7 @@
           <a:p>
             <a:fld id="{EEE7C04C-7AF8-1445-A186-502B631B934F}" type="datetimeFigureOut">
               <a:rPr lang="en-US" smtClean="0"/>
-              <a:t>1/20/20</a:t>
+              <a:t>2/14/20</a:t>
             </a:fld>
             <a:endParaRPr lang="en-US"/>
           </a:p>
@@ -784,7 +784,7 @@
           <a:p>
             <a:fld id="{EEE7C04C-7AF8-1445-A186-502B631B934F}" type="datetimeFigureOut">
               <a:rPr lang="en-US" smtClean="0"/>
-              <a:t>1/20/20</a:t>
+              <a:t>2/14/20</a:t>
             </a:fld>
             <a:endParaRPr lang="en-US"/>
           </a:p>
@@ -959,7 +959,7 @@
           <a:p>
             <a:fld id="{EEE7C04C-7AF8-1445-A186-502B631B934F}" type="datetimeFigureOut">
               <a:rPr lang="en-US" smtClean="0"/>
-              <a:t>1/20/20</a:t>
+              <a:t>2/14/20</a:t>
             </a:fld>
             <a:endParaRPr lang="en-US"/>
           </a:p>
@@ -1124,7 +1124,7 @@
           <a:p>
             <a:fld id="{EEE7C04C-7AF8-1445-A186-502B631B934F}" type="datetimeFigureOut">
               <a:rPr lang="en-US" smtClean="0"/>
-              <a:t>1/20/20</a:t>
+              <a:t>2/14/20</a:t>
             </a:fld>
             <a:endParaRPr lang="en-US"/>
           </a:p>
@@ -1365,7 +1365,7 @@
           <a:p>
             <a:fld id="{EEE7C04C-7AF8-1445-A186-502B631B934F}" type="datetimeFigureOut">
               <a:rPr lang="en-US" smtClean="0"/>
-              <a:t>1/20/20</a:t>
+              <a:t>2/14/20</a:t>
             </a:fld>
             <a:endParaRPr lang="en-US"/>
           </a:p>
@@ -1592,7 +1592,7 @@
           <a:p>
             <a:fld id="{EEE7C04C-7AF8-1445-A186-502B631B934F}" type="datetimeFigureOut">
               <a:rPr lang="en-US" smtClean="0"/>
-              <a:t>1/20/20</a:t>
+              <a:t>2/14/20</a:t>
             </a:fld>
             <a:endParaRPr lang="en-US"/>
           </a:p>
@@ -1954,7 +1954,7 @@
           <a:p>
             <a:fld id="{EEE7C04C-7AF8-1445-A186-502B631B934F}" type="datetimeFigureOut">
               <a:rPr lang="en-US" smtClean="0"/>
-              <a:t>1/20/20</a:t>
+              <a:t>2/14/20</a:t>
             </a:fld>
             <a:endParaRPr lang="en-US"/>
           </a:p>
@@ -2067,7 +2067,7 @@
           <a:p>
             <a:fld id="{EEE7C04C-7AF8-1445-A186-502B631B934F}" type="datetimeFigureOut">
               <a:rPr lang="en-US" smtClean="0"/>
-              <a:t>1/20/20</a:t>
+              <a:t>2/14/20</a:t>
             </a:fld>
             <a:endParaRPr lang="en-US"/>
           </a:p>
@@ -2157,7 +2157,7 @@
           <a:p>
             <a:fld id="{EEE7C04C-7AF8-1445-A186-502B631B934F}" type="datetimeFigureOut">
               <a:rPr lang="en-US" smtClean="0"/>
-              <a:t>1/20/20</a:t>
+              <a:t>2/14/20</a:t>
             </a:fld>
             <a:endParaRPr lang="en-US"/>
           </a:p>
@@ -2429,7 +2429,7 @@
           <a:p>
             <a:fld id="{EEE7C04C-7AF8-1445-A186-502B631B934F}" type="datetimeFigureOut">
               <a:rPr lang="en-US" smtClean="0"/>
-              <a:t>1/20/20</a:t>
+              <a:t>2/14/20</a:t>
             </a:fld>
             <a:endParaRPr lang="en-US"/>
           </a:p>
@@ -2681,7 +2681,7 @@
           <a:p>
             <a:fld id="{EEE7C04C-7AF8-1445-A186-502B631B934F}" type="datetimeFigureOut">
               <a:rPr lang="en-US" smtClean="0"/>
-              <a:t>1/20/20</a:t>
+              <a:t>2/14/20</a:t>
             </a:fld>
             <a:endParaRPr lang="en-US"/>
           </a:p>
@@ -2888,7 +2888,7 @@
           <a:p>
             <a:fld id="{EEE7C04C-7AF8-1445-A186-502B631B934F}" type="datetimeFigureOut">
               <a:rPr lang="en-US" smtClean="0"/>
-              <a:t>1/20/20</a:t>
+              <a:t>2/14/20</a:t>
             </a:fld>
             <a:endParaRPr lang="en-US"/>
           </a:p>
@@ -16140,7 +16140,7 @@
         <p:spPr>
           <a:xfrm>
             <a:off x="760130" y="1338675"/>
-            <a:ext cx="10544783" cy="3970318"/>
+            <a:ext cx="11055633" cy="4247317"/>
           </a:xfrm>
           <a:prstGeom prst="rect">
             <a:avLst/>
@@ -16367,7 +16367,7 @@
               <a:t>        </a:t>
             </a:r>
             <a:r>
-              <a:rPr lang="en-US" dirty="0">
+              <a:rPr lang="en-US">
                 <a:solidFill>
                   <a:srgbClr val="C1651C"/>
                 </a:solidFill>
@@ -16378,7 +16378,7 @@
               <a:t>if</a:t>
             </a:r>
             <a:r>
-              <a:rPr lang="en-US" dirty="0">
+              <a:rPr lang="en-US">
                 <a:solidFill>
                   <a:srgbClr val="000000"/>
                 </a:solidFill>
@@ -16389,6 +16389,140 @@
               <a:t> </a:t>
             </a:r>
             <a:r>
+              <a:rPr lang="en-US" smtClean="0">
+                <a:solidFill>
+                  <a:srgbClr val="000000"/>
+                </a:solidFill>
+                <a:latin typeface="Courier" charset="0"/>
+                <a:ea typeface="Courier" charset="0"/>
+                <a:cs typeface="Courier" charset="0"/>
+              </a:rPr>
+              <a:t>not </a:t>
+            </a:r>
+            <a:r>
+              <a:rPr lang="en-US" smtClean="0">
+                <a:solidFill>
+                  <a:srgbClr val="000000"/>
+                </a:solidFill>
+                <a:latin typeface="Courier" charset="0"/>
+                <a:ea typeface="Courier" charset="0"/>
+                <a:cs typeface="Courier" charset="0"/>
+              </a:rPr>
+              <a:t>request.user.is_authenticated</a:t>
+            </a:r>
+            <a:r>
+              <a:rPr lang="en-US" dirty="0" smtClean="0">
+                <a:solidFill>
+                  <a:srgbClr val="000000"/>
+                </a:solidFill>
+                <a:latin typeface="Courier" charset="0"/>
+                <a:ea typeface="Courier" charset="0"/>
+                <a:cs typeface="Courier" charset="0"/>
+              </a:rPr>
+              <a:t> </a:t>
+            </a:r>
+            <a:r>
+              <a:rPr lang="en-US" dirty="0">
+                <a:solidFill>
+                  <a:srgbClr val="000000"/>
+                </a:solidFill>
+                <a:latin typeface="Courier" charset="0"/>
+                <a:ea typeface="Courier" charset="0"/>
+                <a:cs typeface="Courier" charset="0"/>
+              </a:rPr>
+              <a:t>:</a:t>
+            </a:r>
+          </a:p>
+          <a:p>
+            <a:r>
+              <a:rPr lang="en-US" dirty="0" smtClean="0">
+                <a:solidFill>
+                  <a:srgbClr val="000000"/>
+                </a:solidFill>
+                <a:latin typeface="Courier" charset="0"/>
+                <a:ea typeface="Courier" charset="0"/>
+                <a:cs typeface="Courier" charset="0"/>
+              </a:rPr>
+              <a:t>            </a:t>
+            </a:r>
+            <a:r>
+              <a:rPr lang="en-US" dirty="0" err="1" smtClean="0">
+                <a:solidFill>
+                  <a:srgbClr val="000000"/>
+                </a:solidFill>
+                <a:latin typeface="Courier" charset="0"/>
+                <a:ea typeface="Courier" charset="0"/>
+                <a:cs typeface="Courier" charset="0"/>
+              </a:rPr>
+              <a:t>loginurl</a:t>
+            </a:r>
+            <a:r>
+              <a:rPr lang="en-US" dirty="0" smtClean="0">
+                <a:solidFill>
+                  <a:srgbClr val="000000"/>
+                </a:solidFill>
+                <a:latin typeface="Courier" charset="0"/>
+                <a:ea typeface="Courier" charset="0"/>
+                <a:cs typeface="Courier" charset="0"/>
+              </a:rPr>
+              <a:t> </a:t>
+            </a:r>
+            <a:r>
+              <a:rPr lang="en-US" dirty="0">
+                <a:solidFill>
+                  <a:srgbClr val="000000"/>
+                </a:solidFill>
+                <a:latin typeface="Courier" charset="0"/>
+                <a:ea typeface="Courier" charset="0"/>
+                <a:cs typeface="Courier" charset="0"/>
+              </a:rPr>
+              <a:t>= reverse(</a:t>
+            </a:r>
+            <a:r>
+              <a:rPr lang="en-US" dirty="0">
+                <a:solidFill>
+                  <a:srgbClr val="B42419"/>
+                </a:solidFill>
+                <a:latin typeface="Courier" charset="0"/>
+                <a:ea typeface="Courier" charset="0"/>
+                <a:cs typeface="Courier" charset="0"/>
+              </a:rPr>
+              <a:t>'login'</a:t>
+            </a:r>
+            <a:r>
+              <a:rPr lang="en-US" dirty="0">
+                <a:solidFill>
+                  <a:srgbClr val="000000"/>
+                </a:solidFill>
+                <a:latin typeface="Courier" charset="0"/>
+                <a:ea typeface="Courier" charset="0"/>
+                <a:cs typeface="Courier" charset="0"/>
+              </a:rPr>
+              <a:t>)+</a:t>
+            </a:r>
+            <a:r>
+              <a:rPr lang="en-US" dirty="0">
+                <a:solidFill>
+                  <a:srgbClr val="B42419"/>
+                </a:solidFill>
+                <a:latin typeface="Courier" charset="0"/>
+                <a:ea typeface="Courier" charset="0"/>
+                <a:cs typeface="Courier" charset="0"/>
+              </a:rPr>
+              <a:t>'?'</a:t>
+            </a:r>
+            <a:r>
+              <a:rPr lang="en-US" dirty="0">
+                <a:solidFill>
+                  <a:srgbClr val="000000"/>
+                </a:solidFill>
+                <a:latin typeface="Courier" charset="0"/>
+                <a:ea typeface="Courier" charset="0"/>
+                <a:cs typeface="Courier" charset="0"/>
+              </a:rPr>
+              <a:t>+</a:t>
+            </a:r>
+            <a:r>
               <a:rPr lang="en-US" dirty="0" err="1">
                 <a:solidFill>
                   <a:srgbClr val="000000"/>
@@ -16397,34 +16531,89 @@
                 <a:ea typeface="Courier" charset="0"/>
                 <a:cs typeface="Courier" charset="0"/>
               </a:rPr>
-              <a:t>request.user.is_authenticated</a:t>
-            </a:r>
-            <a:r>
-              <a:rPr lang="en-US" dirty="0">
-                <a:solidFill>
-                  <a:srgbClr val="000000"/>
-                </a:solidFill>
-                <a:latin typeface="Courier" charset="0"/>
-                <a:ea typeface="Courier" charset="0"/>
-                <a:cs typeface="Courier" charset="0"/>
-              </a:rPr>
-              <a:t> :</a:t>
-            </a:r>
-          </a:p>
-          <a:p>
-            <a:r>
-              <a:rPr lang="en-US" dirty="0">
-                <a:solidFill>
-                  <a:srgbClr val="000000"/>
-                </a:solidFill>
-                <a:latin typeface="Courier" charset="0"/>
-                <a:ea typeface="Courier" charset="0"/>
-                <a:cs typeface="Courier" charset="0"/>
-              </a:rPr>
-              <a:t>            </a:t>
-            </a:r>
-            <a:r>
-              <a:rPr lang="en-US" dirty="0">
+              <a:t>urlencode</a:t>
+            </a:r>
+            <a:r>
+              <a:rPr lang="en-US" dirty="0">
+                <a:solidFill>
+                  <a:srgbClr val="000000"/>
+                </a:solidFill>
+                <a:latin typeface="Courier" charset="0"/>
+                <a:ea typeface="Courier" charset="0"/>
+                <a:cs typeface="Courier" charset="0"/>
+              </a:rPr>
+              <a:t>({</a:t>
+            </a:r>
+            <a:r>
+              <a:rPr lang="en-US" dirty="0">
+                <a:solidFill>
+                  <a:srgbClr val="B42419"/>
+                </a:solidFill>
+                <a:latin typeface="Courier" charset="0"/>
+                <a:ea typeface="Courier" charset="0"/>
+                <a:cs typeface="Courier" charset="0"/>
+              </a:rPr>
+              <a:t>'next'</a:t>
+            </a:r>
+            <a:r>
+              <a:rPr lang="en-US" dirty="0">
+                <a:solidFill>
+                  <a:srgbClr val="000000"/>
+                </a:solidFill>
+                <a:latin typeface="Courier" charset="0"/>
+                <a:ea typeface="Courier" charset="0"/>
+                <a:cs typeface="Courier" charset="0"/>
+              </a:rPr>
+              <a:t>: </a:t>
+            </a:r>
+            <a:r>
+              <a:rPr lang="en-US" dirty="0" err="1">
+                <a:solidFill>
+                  <a:srgbClr val="000000"/>
+                </a:solidFill>
+                <a:latin typeface="Courier" charset="0"/>
+                <a:ea typeface="Courier" charset="0"/>
+                <a:cs typeface="Courier" charset="0"/>
+              </a:rPr>
+              <a:t>request.path</a:t>
+            </a:r>
+            <a:r>
+              <a:rPr lang="en-US" dirty="0">
+                <a:solidFill>
+                  <a:srgbClr val="000000"/>
+                </a:solidFill>
+                <a:latin typeface="Courier" charset="0"/>
+                <a:ea typeface="Courier" charset="0"/>
+                <a:cs typeface="Courier" charset="0"/>
+              </a:rPr>
+              <a:t>})</a:t>
+            </a:r>
+          </a:p>
+          <a:p>
+            <a:r>
+              <a:rPr lang="en-US" dirty="0">
+                <a:solidFill>
+                  <a:srgbClr val="000000"/>
+                </a:solidFill>
+                <a:latin typeface="Courier" charset="0"/>
+                <a:ea typeface="Courier" charset="0"/>
+                <a:cs typeface="Courier" charset="0"/>
+              </a:rPr>
+              <a:t>        </a:t>
+            </a:r>
+            <a:r>
+              <a:rPr lang="en-US" dirty="0" smtClean="0">
+                <a:solidFill>
+                  <a:srgbClr val="000000"/>
+                </a:solidFill>
+                <a:latin typeface="Courier" charset="0"/>
+                <a:ea typeface="Courier" charset="0"/>
+                <a:cs typeface="Courier" charset="0"/>
+              </a:rPr>
+              <a:t>    </a:t>
+            </a:r>
+            <a:r>
+              <a:rPr lang="en-US" dirty="0" smtClean="0">
                 <a:solidFill>
                   <a:srgbClr val="C1651C"/>
                 </a:solidFill>
@@ -16435,15 +16624,94 @@
               <a:t>return</a:t>
             </a:r>
             <a:r>
-              <a:rPr lang="en-US" dirty="0">
-                <a:solidFill>
-                  <a:srgbClr val="000000"/>
-                </a:solidFill>
-                <a:latin typeface="Courier" charset="0"/>
-                <a:ea typeface="Courier" charset="0"/>
-                <a:cs typeface="Courier" charset="0"/>
-              </a:rPr>
-              <a:t> render(request, </a:t>
+              <a:rPr lang="en-US" dirty="0" smtClean="0">
+                <a:solidFill>
+                  <a:srgbClr val="000000"/>
+                </a:solidFill>
+                <a:latin typeface="Courier" charset="0"/>
+                <a:ea typeface="Courier" charset="0"/>
+                <a:cs typeface="Courier" charset="0"/>
+              </a:rPr>
+              <a:t> </a:t>
+            </a:r>
+            <a:r>
+              <a:rPr lang="en-US" dirty="0">
+                <a:solidFill>
+                  <a:srgbClr val="000000"/>
+                </a:solidFill>
+                <a:latin typeface="Courier" charset="0"/>
+                <a:ea typeface="Courier" charset="0"/>
+                <a:cs typeface="Courier" charset="0"/>
+              </a:rPr>
+              <a:t>redirect(</a:t>
+            </a:r>
+            <a:r>
+              <a:rPr lang="en-US" dirty="0" err="1">
+                <a:solidFill>
+                  <a:srgbClr val="000000"/>
+                </a:solidFill>
+                <a:latin typeface="Courier" charset="0"/>
+                <a:ea typeface="Courier" charset="0"/>
+                <a:cs typeface="Courier" charset="0"/>
+              </a:rPr>
+              <a:t>loginurl</a:t>
+            </a:r>
+            <a:r>
+              <a:rPr lang="en-US" dirty="0" smtClean="0">
+                <a:solidFill>
+                  <a:srgbClr val="000000"/>
+                </a:solidFill>
+                <a:latin typeface="Courier" charset="0"/>
+                <a:ea typeface="Courier" charset="0"/>
+                <a:cs typeface="Courier" charset="0"/>
+              </a:rPr>
+              <a:t>)</a:t>
+            </a:r>
+          </a:p>
+          <a:p>
+            <a:r>
+              <a:rPr lang="en-US" dirty="0">
+                <a:solidFill>
+                  <a:srgbClr val="C1651C"/>
+                </a:solidFill>
+                <a:latin typeface="Courier" charset="0"/>
+                <a:ea typeface="Courier" charset="0"/>
+                <a:cs typeface="Courier" charset="0"/>
+              </a:rPr>
+              <a:t> </a:t>
+            </a:r>
+            <a:r>
+              <a:rPr lang="en-US" dirty="0" smtClean="0">
+                <a:solidFill>
+                  <a:srgbClr val="C1651C"/>
+                </a:solidFill>
+                <a:latin typeface="Courier" charset="0"/>
+                <a:ea typeface="Courier" charset="0"/>
+                <a:cs typeface="Courier" charset="0"/>
+              </a:rPr>
+              <a:t>       return</a:t>
+            </a:r>
+            <a:r>
+              <a:rPr lang="en-US" dirty="0" smtClean="0">
+                <a:solidFill>
+                  <a:srgbClr val="000000"/>
+                </a:solidFill>
+                <a:latin typeface="Courier" charset="0"/>
+                <a:ea typeface="Courier" charset="0"/>
+                <a:cs typeface="Courier" charset="0"/>
+              </a:rPr>
+              <a:t> </a:t>
+            </a:r>
+            <a:r>
+              <a:rPr lang="en-US" dirty="0">
+                <a:solidFill>
+                  <a:srgbClr val="000000"/>
+                </a:solidFill>
+                <a:latin typeface="Courier" charset="0"/>
+                <a:ea typeface="Courier" charset="0"/>
+                <a:cs typeface="Courier" charset="0"/>
+              </a:rPr>
+              <a:t>render(request, </a:t>
             </a:r>
             <a:r>
               <a:rPr lang="en-US" dirty="0">
@@ -16513,206 +16781,14 @@
             </a:r>
           </a:p>
           <a:p>
-            <a:r>
-              <a:rPr lang="en-US" dirty="0">
-                <a:solidFill>
-                  <a:srgbClr val="000000"/>
-                </a:solidFill>
-                <a:latin typeface="Courier" charset="0"/>
-                <a:ea typeface="Courier" charset="0"/>
-                <a:cs typeface="Courier" charset="0"/>
-              </a:rPr>
-              <a:t>        </a:t>
-            </a:r>
-            <a:r>
-              <a:rPr lang="en-US" dirty="0" err="1">
-                <a:solidFill>
-                  <a:srgbClr val="000000"/>
-                </a:solidFill>
-                <a:latin typeface="Courier" charset="0"/>
-                <a:ea typeface="Courier" charset="0"/>
-                <a:cs typeface="Courier" charset="0"/>
-              </a:rPr>
-              <a:t>loginurl</a:t>
-            </a:r>
-            <a:r>
-              <a:rPr lang="en-US" dirty="0">
-                <a:solidFill>
-                  <a:srgbClr val="000000"/>
-                </a:solidFill>
-                <a:latin typeface="Courier" charset="0"/>
-                <a:ea typeface="Courier" charset="0"/>
-                <a:cs typeface="Courier" charset="0"/>
-              </a:rPr>
-              <a:t> = reverse(</a:t>
-            </a:r>
-            <a:r>
-              <a:rPr lang="en-US" dirty="0">
-                <a:solidFill>
-                  <a:srgbClr val="B42419"/>
-                </a:solidFill>
-                <a:latin typeface="Courier" charset="0"/>
-                <a:ea typeface="Courier" charset="0"/>
-                <a:cs typeface="Courier" charset="0"/>
-              </a:rPr>
-              <a:t>'login'</a:t>
-            </a:r>
-            <a:r>
-              <a:rPr lang="en-US" dirty="0">
-                <a:solidFill>
-                  <a:srgbClr val="000000"/>
-                </a:solidFill>
-                <a:latin typeface="Courier" charset="0"/>
-                <a:ea typeface="Courier" charset="0"/>
-                <a:cs typeface="Courier" charset="0"/>
-              </a:rPr>
-              <a:t>)+</a:t>
-            </a:r>
-            <a:r>
-              <a:rPr lang="en-US" dirty="0">
-                <a:solidFill>
-                  <a:srgbClr val="B42419"/>
-                </a:solidFill>
-                <a:latin typeface="Courier" charset="0"/>
-                <a:ea typeface="Courier" charset="0"/>
-                <a:cs typeface="Courier" charset="0"/>
-              </a:rPr>
-              <a:t>'?'</a:t>
-            </a:r>
-            <a:r>
-              <a:rPr lang="en-US" dirty="0">
-                <a:solidFill>
-                  <a:srgbClr val="000000"/>
-                </a:solidFill>
-                <a:latin typeface="Courier" charset="0"/>
-                <a:ea typeface="Courier" charset="0"/>
-                <a:cs typeface="Courier" charset="0"/>
-              </a:rPr>
-              <a:t>+</a:t>
-            </a:r>
-            <a:r>
-              <a:rPr lang="en-US" dirty="0" err="1">
-                <a:solidFill>
-                  <a:srgbClr val="000000"/>
-                </a:solidFill>
-                <a:latin typeface="Courier" charset="0"/>
-                <a:ea typeface="Courier" charset="0"/>
-                <a:cs typeface="Courier" charset="0"/>
-              </a:rPr>
-              <a:t>urlencode</a:t>
-            </a:r>
-            <a:r>
-              <a:rPr lang="en-US" dirty="0">
-                <a:solidFill>
-                  <a:srgbClr val="000000"/>
-                </a:solidFill>
-                <a:latin typeface="Courier" charset="0"/>
-                <a:ea typeface="Courier" charset="0"/>
-                <a:cs typeface="Courier" charset="0"/>
-              </a:rPr>
-              <a:t>({</a:t>
-            </a:r>
-            <a:r>
-              <a:rPr lang="en-US" dirty="0">
-                <a:solidFill>
-                  <a:srgbClr val="B42419"/>
-                </a:solidFill>
-                <a:latin typeface="Courier" charset="0"/>
-                <a:ea typeface="Courier" charset="0"/>
-                <a:cs typeface="Courier" charset="0"/>
-              </a:rPr>
-              <a:t>'next'</a:t>
-            </a:r>
-            <a:r>
-              <a:rPr lang="en-US" dirty="0">
-                <a:solidFill>
-                  <a:srgbClr val="000000"/>
-                </a:solidFill>
-                <a:latin typeface="Courier" charset="0"/>
-                <a:ea typeface="Courier" charset="0"/>
-                <a:cs typeface="Courier" charset="0"/>
-              </a:rPr>
-              <a:t>: </a:t>
-            </a:r>
-            <a:r>
-              <a:rPr lang="en-US" dirty="0" err="1">
-                <a:solidFill>
-                  <a:srgbClr val="000000"/>
-                </a:solidFill>
-                <a:latin typeface="Courier" charset="0"/>
-                <a:ea typeface="Courier" charset="0"/>
-                <a:cs typeface="Courier" charset="0"/>
-              </a:rPr>
-              <a:t>request.path</a:t>
-            </a:r>
-            <a:r>
-              <a:rPr lang="en-US" dirty="0">
-                <a:solidFill>
-                  <a:srgbClr val="000000"/>
-                </a:solidFill>
-                <a:latin typeface="Courier" charset="0"/>
-                <a:ea typeface="Courier" charset="0"/>
-                <a:cs typeface="Courier" charset="0"/>
-              </a:rPr>
-              <a:t>})</a:t>
-            </a:r>
-          </a:p>
-          <a:p>
-            <a:r>
-              <a:rPr lang="en-US" dirty="0">
-                <a:solidFill>
-                  <a:srgbClr val="000000"/>
-                </a:solidFill>
-                <a:latin typeface="Courier" charset="0"/>
-                <a:ea typeface="Courier" charset="0"/>
-                <a:cs typeface="Courier" charset="0"/>
-              </a:rPr>
-              <a:t>        </a:t>
-            </a:r>
-            <a:r>
-              <a:rPr lang="en-US" dirty="0">
-                <a:solidFill>
-                  <a:srgbClr val="C1651C"/>
-                </a:solidFill>
-                <a:latin typeface="Courier" charset="0"/>
-                <a:ea typeface="Courier" charset="0"/>
-                <a:cs typeface="Courier" charset="0"/>
-              </a:rPr>
-              <a:t>return</a:t>
-            </a:r>
-            <a:r>
-              <a:rPr lang="en-US" dirty="0">
-                <a:solidFill>
-                  <a:srgbClr val="000000"/>
-                </a:solidFill>
-                <a:latin typeface="Courier" charset="0"/>
-                <a:ea typeface="Courier" charset="0"/>
-                <a:cs typeface="Courier" charset="0"/>
-              </a:rPr>
-              <a:t> redirect(</a:t>
-            </a:r>
-            <a:r>
-              <a:rPr lang="en-US" dirty="0" err="1">
-                <a:solidFill>
-                  <a:srgbClr val="000000"/>
-                </a:solidFill>
-                <a:latin typeface="Courier" charset="0"/>
-                <a:ea typeface="Courier" charset="0"/>
-                <a:cs typeface="Courier" charset="0"/>
-              </a:rPr>
-              <a:t>loginurl</a:t>
-            </a:r>
-            <a:r>
-              <a:rPr lang="en-US" dirty="0" smtClean="0">
-                <a:solidFill>
-                  <a:srgbClr val="000000"/>
-                </a:solidFill>
-                <a:latin typeface="Courier" charset="0"/>
-                <a:ea typeface="Courier" charset="0"/>
-                <a:cs typeface="Courier" charset="0"/>
-              </a:rPr>
-              <a:t>)</a:t>
-            </a:r>
+            <a:endParaRPr lang="en-US" dirty="0" smtClean="0">
+              <a:solidFill>
+                <a:srgbClr val="000000"/>
+              </a:solidFill>
+              <a:latin typeface="Courier" charset="0"/>
+              <a:ea typeface="Courier" charset="0"/>
+              <a:cs typeface="Courier" charset="0"/>
+            </a:endParaRPr>
           </a:p>
           <a:p>
             <a:endParaRPr lang="en-US" dirty="0">

--- a/lectures/DJ-10-Login.pptx
+++ b/lectures/DJ-10-Login.pptx
@@ -222,7 +222,7 @@
           <a:p>
             <a:fld id="{C97B56FC-7D2E-F343-9D09-0D14B00AA564}" type="datetimeFigureOut">
               <a:rPr lang="en-US" smtClean="0"/>
-              <a:t>2/14/20</a:t>
+              <a:t>9/16/22</a:t>
             </a:fld>
             <a:endParaRPr lang="en-US"/>
           </a:p>
@@ -619,7 +619,7 @@
           <a:p>
             <a:fld id="{EEE7C04C-7AF8-1445-A186-502B631B934F}" type="datetimeFigureOut">
               <a:rPr lang="en-US" smtClean="0"/>
-              <a:t>2/14/20</a:t>
+              <a:t>9/16/22</a:t>
             </a:fld>
             <a:endParaRPr lang="en-US"/>
           </a:p>
@@ -784,7 +784,7 @@
           <a:p>
             <a:fld id="{EEE7C04C-7AF8-1445-A186-502B631B934F}" type="datetimeFigureOut">
               <a:rPr lang="en-US" smtClean="0"/>
-              <a:t>2/14/20</a:t>
+              <a:t>9/16/22</a:t>
             </a:fld>
             <a:endParaRPr lang="en-US"/>
           </a:p>
@@ -959,7 +959,7 @@
           <a:p>
             <a:fld id="{EEE7C04C-7AF8-1445-A186-502B631B934F}" type="datetimeFigureOut">
               <a:rPr lang="en-US" smtClean="0"/>
-              <a:t>2/14/20</a:t>
+              <a:t>9/16/22</a:t>
             </a:fld>
             <a:endParaRPr lang="en-US"/>
           </a:p>
@@ -1124,7 +1124,7 @@
           <a:p>
             <a:fld id="{EEE7C04C-7AF8-1445-A186-502B631B934F}" type="datetimeFigureOut">
               <a:rPr lang="en-US" smtClean="0"/>
-              <a:t>2/14/20</a:t>
+              <a:t>9/16/22</a:t>
             </a:fld>
             <a:endParaRPr lang="en-US"/>
           </a:p>
@@ -1365,7 +1365,7 @@
           <a:p>
             <a:fld id="{EEE7C04C-7AF8-1445-A186-502B631B934F}" type="datetimeFigureOut">
               <a:rPr lang="en-US" smtClean="0"/>
-              <a:t>2/14/20</a:t>
+              <a:t>9/16/22</a:t>
             </a:fld>
             <a:endParaRPr lang="en-US"/>
           </a:p>
@@ -1592,7 +1592,7 @@
           <a:p>
             <a:fld id="{EEE7C04C-7AF8-1445-A186-502B631B934F}" type="datetimeFigureOut">
               <a:rPr lang="en-US" smtClean="0"/>
-              <a:t>2/14/20</a:t>
+              <a:t>9/16/22</a:t>
             </a:fld>
             <a:endParaRPr lang="en-US"/>
           </a:p>
@@ -1954,7 +1954,7 @@
           <a:p>
             <a:fld id="{EEE7C04C-7AF8-1445-A186-502B631B934F}" type="datetimeFigureOut">
               <a:rPr lang="en-US" smtClean="0"/>
-              <a:t>2/14/20</a:t>
+              <a:t>9/16/22</a:t>
             </a:fld>
             <a:endParaRPr lang="en-US"/>
           </a:p>
@@ -2067,7 +2067,7 @@
           <a:p>
             <a:fld id="{EEE7C04C-7AF8-1445-A186-502B631B934F}" type="datetimeFigureOut">
               <a:rPr lang="en-US" smtClean="0"/>
-              <a:t>2/14/20</a:t>
+              <a:t>9/16/22</a:t>
             </a:fld>
             <a:endParaRPr lang="en-US"/>
           </a:p>
@@ -2157,7 +2157,7 @@
           <a:p>
             <a:fld id="{EEE7C04C-7AF8-1445-A186-502B631B934F}" type="datetimeFigureOut">
               <a:rPr lang="en-US" smtClean="0"/>
-              <a:t>2/14/20</a:t>
+              <a:t>9/16/22</a:t>
             </a:fld>
             <a:endParaRPr lang="en-US"/>
           </a:p>
@@ -2429,7 +2429,7 @@
           <a:p>
             <a:fld id="{EEE7C04C-7AF8-1445-A186-502B631B934F}" type="datetimeFigureOut">
               <a:rPr lang="en-US" smtClean="0"/>
-              <a:t>2/14/20</a:t>
+              <a:t>9/16/22</a:t>
             </a:fld>
             <a:endParaRPr lang="en-US"/>
           </a:p>
@@ -2681,7 +2681,7 @@
           <a:p>
             <a:fld id="{EEE7C04C-7AF8-1445-A186-502B631B934F}" type="datetimeFigureOut">
               <a:rPr lang="en-US" smtClean="0"/>
-              <a:t>2/14/20</a:t>
+              <a:t>9/16/22</a:t>
             </a:fld>
             <a:endParaRPr lang="en-US"/>
           </a:p>
@@ -2888,7 +2888,7 @@
           <a:p>
             <a:fld id="{EEE7C04C-7AF8-1445-A186-502B631B934F}" type="datetimeFigureOut">
               <a:rPr lang="en-US" smtClean="0"/>
-              <a:t>2/14/20</a:t>
+              <a:t>9/16/22</a:t>
             </a:fld>
             <a:endParaRPr lang="en-US"/>
           </a:p>
@@ -3306,10 +3306,10 @@
           <p:cNvPr id="10" name="Rectangle 9">
             <a:extLst>
               <a:ext uri="{FF2B5EF4-FFF2-40B4-BE49-F238E27FC236}">
-                <a16:creationId xmlns="" xmlns:a16="http://schemas.microsoft.com/office/drawing/2014/main" id="{E20EB187-900F-4AF5-813B-101456D9FD39}"/>
+                <a16:creationId xmlns:a16="http://schemas.microsoft.com/office/drawing/2014/main" id="{E20EB187-900F-4AF5-813B-101456D9FD39}"/>
               </a:ext>
               <a:ext uri="{C183D7F6-B498-43B3-948B-1728B52AA6E4}">
-                <adec:decorative xmlns="" xmlns:adec="http://schemas.microsoft.com/office/drawing/2017/decorative" val="1"/>
+                <adec:decorative xmlns:adec="http://schemas.microsoft.com/office/drawing/2017/decorative" val="1"/>
               </a:ext>
             </a:extLst>
           </p:cNvPr>
@@ -3388,10 +3388,9 @@
           <a:p>
             <a:pPr algn="l"/>
             <a:r>
-              <a:rPr lang="en-US" sz="8000" dirty="0" smtClean="0"/>
+              <a:rPr lang="en-US" sz="8000" dirty="0"/>
               <a:t>Login and Logout</a:t>
             </a:r>
-            <a:endParaRPr lang="en-US" sz="8000" dirty="0"/>
           </a:p>
         </p:txBody>
       </p:sp>
@@ -3453,10 +3452,10 @@
           <p:cNvPr id="12" name="Straight Connector 11">
             <a:extLst>
               <a:ext uri="{FF2B5EF4-FFF2-40B4-BE49-F238E27FC236}">
-                <a16:creationId xmlns="" xmlns:a16="http://schemas.microsoft.com/office/drawing/2014/main" id="{624D17C8-E9C2-48A4-AA36-D7048A6CCC41}"/>
+                <a16:creationId xmlns:a16="http://schemas.microsoft.com/office/drawing/2014/main" id="{624D17C8-E9C2-48A4-AA36-D7048A6CCC41}"/>
               </a:ext>
               <a:ext uri="{C183D7F6-B498-43B3-948B-1728B52AA6E4}">
-                <adec:decorative xmlns="" xmlns:adec="http://schemas.microsoft.com/office/drawing/2017/decorative" val="1"/>
+                <adec:decorative xmlns:adec="http://schemas.microsoft.com/office/drawing/2017/decorative" val="1"/>
               </a:ext>
             </a:extLst>
           </p:cNvPr>
@@ -3589,7 +3588,7 @@
               <a:t>authz</a:t>
             </a:r>
             <a:r>
-              <a:rPr lang="en-US" dirty="0" smtClean="0"/>
+              <a:rPr lang="en-US" dirty="0"/>
               <a:t>/</a:t>
             </a:r>
           </a:p>
@@ -3598,12 +3597,8 @@
           </a:p>
           <a:p>
             <a:r>
-              <a:rPr lang="en-US" dirty="0" smtClean="0"/>
-              <a:t>https</a:t>
-            </a:r>
-            <a:r>
               <a:rPr lang="en-US" dirty="0"/>
-              <a:t>://</a:t>
+              <a:t>https://</a:t>
             </a:r>
             <a:r>
               <a:rPr lang="en-US" dirty="0" err="1"/>
@@ -3631,13 +3626,6 @@
   <p:clrMapOvr>
     <a:masterClrMapping/>
   </p:clrMapOvr>
-  <p:timing>
-    <p:tnLst>
-      <p:par>
-        <p:cTn id="1" dur="indefinite" restart="never" nodeType="tmRoot"/>
-      </p:par>
-    </p:tnLst>
-  </p:timing>
 </p:sld>
 </file>
 
@@ -3750,7 +3738,7 @@
             </a:r>
           </a:p>
           <a:p>
-            <a:endParaRPr lang="en-US" dirty="0" smtClean="0">
+            <a:endParaRPr lang="en-US" dirty="0">
               <a:solidFill>
                 <a:srgbClr val="C1651C"/>
               </a:solidFill>
@@ -3761,7 +3749,7 @@
           </a:p>
           <a:p>
             <a:r>
-              <a:rPr lang="en-US" dirty="0" smtClean="0">
+              <a:rPr lang="en-US" dirty="0">
                 <a:solidFill>
                   <a:srgbClr val="C1651C"/>
                 </a:solidFill>
@@ -3772,7 +3760,7 @@
               <a:t>class</a:t>
             </a:r>
             <a:r>
-              <a:rPr lang="en-US" dirty="0" smtClean="0">
+              <a:rPr lang="en-US" dirty="0">
                 <a:solidFill>
                   <a:srgbClr val="000000"/>
                 </a:solidFill>
@@ -4313,7 +4301,7 @@
           <a:lstStyle/>
           <a:p>
             <a:r>
-              <a:rPr lang="en-US" dirty="0" smtClean="0">
+              <a:rPr lang="en-US" dirty="0">
                 <a:solidFill>
                   <a:srgbClr val="FFFF00"/>
                 </a:solidFill>
@@ -4324,7 +4312,7 @@
               <a:t>dj4e-samples/</a:t>
             </a:r>
             <a:r>
-              <a:rPr lang="en-US" dirty="0" err="1" smtClean="0">
+              <a:rPr lang="en-US" dirty="0" err="1">
                 <a:solidFill>
                   <a:srgbClr val="FFFF00"/>
                 </a:solidFill>
@@ -4335,7 +4323,7 @@
               <a:t>authz</a:t>
             </a:r>
             <a:r>
-              <a:rPr lang="en-US" dirty="0" smtClean="0">
+              <a:rPr lang="en-US" dirty="0">
                 <a:solidFill>
                   <a:srgbClr val="FFFF00"/>
                 </a:solidFill>
@@ -4346,7 +4334,7 @@
               <a:t>/</a:t>
             </a:r>
             <a:r>
-              <a:rPr lang="en-US" dirty="0" err="1" smtClean="0">
+              <a:rPr lang="en-US" dirty="0" err="1">
                 <a:solidFill>
                   <a:srgbClr val="FFFF00"/>
                 </a:solidFill>
@@ -4391,18 +4379,17 @@
           <a:lstStyle/>
           <a:p>
             <a:r>
-              <a:rPr lang="en-US" dirty="0" smtClean="0"/>
+              <a:rPr lang="en-US" dirty="0"/>
               <a:t>You can get the login and logout </a:t>
             </a:r>
             <a:r>
-              <a:rPr lang="en-US" dirty="0" err="1" smtClean="0"/>
+              <a:rPr lang="en-US" dirty="0" err="1"/>
               <a:t>urls</a:t>
             </a:r>
             <a:r>
-              <a:rPr lang="en-US" dirty="0" smtClean="0"/>
+              <a:rPr lang="en-US" dirty="0"/>
               <a:t> using reverse()</a:t>
             </a:r>
-            <a:endParaRPr lang="en-US" dirty="0"/>
           </a:p>
         </p:txBody>
       </p:sp>
@@ -4441,15 +4428,6 @@
             </a:r>
           </a:p>
           <a:p>
-            <a:r>
-              <a:rPr lang="en-US" dirty="0">
-                <a:solidFill>
-                  <a:srgbClr val="000000"/>
-                </a:solidFill>
-                <a:latin typeface="Courier" charset="0"/>
-              </a:rPr>
-              <a:t/>
-            </a:r>
             <a:br>
               <a:rPr lang="en-US" dirty="0">
                 <a:solidFill>
@@ -4554,7 +4532,7 @@
           <a:lstStyle/>
           <a:p>
             <a:r>
-              <a:rPr lang="en-US" dirty="0" smtClean="0">
+              <a:rPr lang="en-US" dirty="0">
                 <a:solidFill>
                   <a:srgbClr val="FFFF00"/>
                 </a:solidFill>
@@ -4565,7 +4543,7 @@
               <a:t>https://samples.dj4e.com/</a:t>
             </a:r>
             <a:r>
-              <a:rPr lang="en-US" dirty="0" err="1" smtClean="0">
+              <a:rPr lang="en-US" dirty="0" err="1">
                 <a:solidFill>
                   <a:srgbClr val="FFFF00"/>
                 </a:solidFill>
@@ -4576,7 +4554,7 @@
               <a:t>authz</a:t>
             </a:r>
             <a:r>
-              <a:rPr lang="en-US" dirty="0" smtClean="0">
+              <a:rPr lang="en-US" dirty="0">
                 <a:solidFill>
                   <a:srgbClr val="FFFF00"/>
                 </a:solidFill>
@@ -4608,13 +4586,6 @@
   <p:clrMapOvr>
     <a:masterClrMapping/>
   </p:clrMapOvr>
-  <p:timing>
-    <p:tnLst>
-      <p:par>
-        <p:cTn id="1" dur="indefinite" restart="never" nodeType="tmRoot"/>
-      </p:par>
-    </p:tnLst>
-  </p:timing>
 </p:sld>
 </file>
 
@@ -4651,18 +4622,9 @@
           <a:lstStyle/>
           <a:p>
             <a:r>
-              <a:rPr lang="en-US" dirty="0" smtClean="0"/>
-              <a:t>Where to go after </a:t>
-            </a:r>
-            <a:r>
               <a:rPr lang="en-US" dirty="0"/>
-              <a:t>l</a:t>
-            </a:r>
-            <a:r>
-              <a:rPr lang="en-US" dirty="0" smtClean="0"/>
-              <a:t>ogin / logout completion</a:t>
-            </a:r>
-            <a:endParaRPr lang="en-US" dirty="0"/>
+              <a:t>Where to go after login / logout completion</a:t>
+            </a:r>
           </a:p>
         </p:txBody>
       </p:sp>
@@ -4687,17 +4649,17 @@
           <a:lstStyle/>
           <a:p>
             <a:r>
-              <a:rPr lang="en-US" dirty="0" smtClean="0"/>
+              <a:rPr lang="en-US" dirty="0"/>
               <a:t>We want to transfer the user to a login page from many pages in our application and when they successfully log in, we want to bring them back to our page or some other page</a:t>
             </a:r>
           </a:p>
           <a:p>
             <a:r>
-              <a:rPr lang="en-US" dirty="0" smtClean="0"/>
+              <a:rPr lang="en-US" dirty="0"/>
               <a:t>The "next=" parameter tells login or logout  where to </a:t>
             </a:r>
             <a:r>
-              <a:rPr lang="en-US" i="1" dirty="0" smtClean="0">
+              <a:rPr lang="en-US" i="1" dirty="0">
                 <a:solidFill>
                   <a:srgbClr val="FFFF00"/>
                 </a:solidFill>
@@ -4705,7 +4667,7 @@
               <a:t>redirect</a:t>
             </a:r>
             <a:r>
-              <a:rPr lang="en-US" dirty="0" smtClean="0">
+              <a:rPr lang="en-US" dirty="0">
                 <a:solidFill>
                   <a:srgbClr val="FFFF00"/>
                 </a:solidFill>
@@ -4713,10 +4675,9 @@
               <a:t> </a:t>
             </a:r>
             <a:r>
-              <a:rPr lang="en-US" dirty="0" smtClean="0"/>
+              <a:rPr lang="en-US" dirty="0"/>
               <a:t>the user after login</a:t>
             </a:r>
-            <a:endParaRPr lang="en-US" dirty="0"/>
           </a:p>
         </p:txBody>
       </p:sp>
@@ -4730,13 +4691,6 @@
   <p:clrMapOvr>
     <a:masterClrMapping/>
   </p:clrMapOvr>
-  <p:timing>
-    <p:tnLst>
-      <p:par>
-        <p:cTn id="1" dur="indefinite" restart="never" nodeType="tmRoot"/>
-      </p:par>
-    </p:tnLst>
-  </p:timing>
 </p:sld>
 </file>
 
@@ -5430,7 +5384,7 @@
           <a:lstStyle/>
           <a:p>
             <a:r>
-              <a:rPr lang="en-US" dirty="0" smtClean="0">
+              <a:rPr lang="en-US" dirty="0">
                 <a:solidFill>
                   <a:srgbClr val="FFFF00"/>
                 </a:solidFill>
@@ -5441,7 +5395,7 @@
               <a:t>dj4e-samples/</a:t>
             </a:r>
             <a:r>
-              <a:rPr lang="en-US" dirty="0" err="1" smtClean="0">
+              <a:rPr lang="en-US" dirty="0" err="1">
                 <a:solidFill>
                   <a:srgbClr val="FFFF00"/>
                 </a:solidFill>
@@ -5452,7 +5406,7 @@
               <a:t>authz</a:t>
             </a:r>
             <a:r>
-              <a:rPr lang="en-US" dirty="0" smtClean="0">
+              <a:rPr lang="en-US" dirty="0">
                 <a:solidFill>
                   <a:srgbClr val="FFFF00"/>
                 </a:solidFill>
@@ -5463,7 +5417,7 @@
               <a:t>/</a:t>
             </a:r>
             <a:r>
-              <a:rPr lang="en-US" dirty="0" err="1" smtClean="0">
+              <a:rPr lang="en-US" dirty="0" err="1">
                 <a:solidFill>
                   <a:srgbClr val="FFFF00"/>
                 </a:solidFill>
@@ -5495,13 +5449,6 @@
   <p:clrMapOvr>
     <a:masterClrMapping/>
   </p:clrMapOvr>
-  <p:timing>
-    <p:tnLst>
-      <p:par>
-        <p:cTn id="1" dur="indefinite" restart="never" nodeType="tmRoot"/>
-      </p:par>
-    </p:tnLst>
-  </p:timing>
 </p:sld>
 </file>
 
@@ -5547,7 +5494,7 @@
           <a:lstStyle/>
           <a:p>
             <a:r>
-              <a:rPr lang="mr-IN" sz="1600" dirty="0" smtClean="0">
+              <a:rPr lang="mr-IN" sz="1600" dirty="0">
                 <a:solidFill>
                   <a:srgbClr val="2EAEBB"/>
                 </a:solidFill>
@@ -7578,7 +7525,7 @@
               <a:t>li</a:t>
             </a:r>
             <a:r>
-              <a:rPr lang="mr-IN" sz="1600" dirty="0" smtClean="0">
+              <a:rPr lang="mr-IN" sz="1600" dirty="0">
                 <a:solidFill>
                   <a:srgbClr val="2EAEBB"/>
                 </a:solidFill>
@@ -7621,7 +7568,7 @@
           <a:lstStyle/>
           <a:p>
             <a:r>
-              <a:rPr lang="en-US" dirty="0" smtClean="0">
+              <a:rPr lang="en-US" dirty="0">
                 <a:solidFill>
                   <a:srgbClr val="FFFF00"/>
                 </a:solidFill>
@@ -7632,7 +7579,7 @@
               <a:t>dj4e-samples/</a:t>
             </a:r>
             <a:r>
-              <a:rPr lang="en-US" dirty="0" err="1" smtClean="0">
+              <a:rPr lang="en-US" dirty="0" err="1">
                 <a:solidFill>
                   <a:srgbClr val="FFFF00"/>
                 </a:solidFill>
@@ -7643,7 +7590,7 @@
               <a:t>authz</a:t>
             </a:r>
             <a:r>
-              <a:rPr lang="en-US" dirty="0" smtClean="0">
+              <a:rPr lang="en-US" dirty="0">
                 <a:solidFill>
                   <a:srgbClr val="FFFF00"/>
                 </a:solidFill>
@@ -7654,7 +7601,7 @@
               <a:t>/templates/</a:t>
             </a:r>
             <a:r>
-              <a:rPr lang="en-US" dirty="0" err="1" smtClean="0">
+              <a:rPr lang="en-US" dirty="0" err="1">
                 <a:solidFill>
                   <a:srgbClr val="FFFF00"/>
                 </a:solidFill>
@@ -7665,7 +7612,7 @@
               <a:t>authz</a:t>
             </a:r>
             <a:r>
-              <a:rPr lang="en-US" dirty="0" smtClean="0">
+              <a:rPr lang="en-US" dirty="0">
                 <a:solidFill>
                   <a:srgbClr val="FFFF00"/>
                 </a:solidFill>
@@ -7676,7 +7623,7 @@
               <a:t>/</a:t>
             </a:r>
             <a:r>
-              <a:rPr lang="en-US" dirty="0" err="1" smtClean="0">
+              <a:rPr lang="en-US" dirty="0" err="1">
                 <a:solidFill>
                   <a:srgbClr val="FFFF00"/>
                 </a:solidFill>
@@ -7708,13 +7655,6 @@
   <p:clrMapOvr>
     <a:masterClrMapping/>
   </p:clrMapOvr>
-  <p:timing>
-    <p:tnLst>
-      <p:par>
-        <p:cTn id="1" dur="indefinite" restart="never" nodeType="tmRoot"/>
-      </p:par>
-    </p:tnLst>
-  </p:timing>
 </p:sld>
 </file>
 
@@ -8371,7 +8311,7 @@
               <a:t>authz:open</a:t>
             </a:r>
             <a:r>
-              <a:rPr lang="en-US" dirty="0" smtClean="0">
+              <a:rPr lang="en-US" dirty="0">
                 <a:solidFill>
                   <a:srgbClr val="B42419"/>
                 </a:solidFill>
@@ -8382,7 +8322,7 @@
               <a:t>' %}"</a:t>
             </a:r>
             <a:r>
-              <a:rPr lang="en-US" dirty="0" smtClean="0">
+              <a:rPr lang="en-US" dirty="0">
                 <a:solidFill>
                   <a:srgbClr val="2EAEBB"/>
                 </a:solidFill>
@@ -8889,7 +8829,7 @@
           <a:lstStyle/>
           <a:p>
             <a:r>
-              <a:rPr lang="en-US" dirty="0" smtClean="0">
+              <a:rPr lang="en-US" dirty="0">
                 <a:solidFill>
                   <a:srgbClr val="FFFF00"/>
                 </a:solidFill>
@@ -8900,7 +8840,7 @@
               <a:t>dj4e-samples/</a:t>
             </a:r>
             <a:r>
-              <a:rPr lang="en-US" dirty="0" err="1" smtClean="0">
+              <a:rPr lang="en-US" dirty="0" err="1">
                 <a:solidFill>
                   <a:srgbClr val="FFFF00"/>
                 </a:solidFill>
@@ -8911,7 +8851,7 @@
               <a:t>authz</a:t>
             </a:r>
             <a:r>
-              <a:rPr lang="en-US" dirty="0" smtClean="0">
+              <a:rPr lang="en-US" dirty="0">
                 <a:solidFill>
                   <a:srgbClr val="FFFF00"/>
                 </a:solidFill>
@@ -8922,7 +8862,7 @@
               <a:t>/templates/</a:t>
             </a:r>
             <a:r>
-              <a:rPr lang="en-US" dirty="0" err="1" smtClean="0">
+              <a:rPr lang="en-US" dirty="0" err="1">
                 <a:solidFill>
                   <a:srgbClr val="FFFF00"/>
                 </a:solidFill>
@@ -8933,7 +8873,7 @@
               <a:t>authz</a:t>
             </a:r>
             <a:r>
-              <a:rPr lang="en-US" dirty="0" smtClean="0">
+              <a:rPr lang="en-US" dirty="0">
                 <a:solidFill>
                   <a:srgbClr val="FFFF00"/>
                 </a:solidFill>
@@ -8944,7 +8884,7 @@
               <a:t>/</a:t>
             </a:r>
             <a:r>
-              <a:rPr lang="en-US" dirty="0" err="1" smtClean="0">
+              <a:rPr lang="en-US" dirty="0" err="1">
                 <a:solidFill>
                   <a:srgbClr val="FFFF00"/>
                 </a:solidFill>
@@ -8976,13 +8916,6 @@
   <p:clrMapOvr>
     <a:masterClrMapping/>
   </p:clrMapOvr>
-  <p:timing>
-    <p:tnLst>
-      <p:par>
-        <p:cTn id="1" dur="indefinite" restart="never" nodeType="tmRoot"/>
-      </p:par>
-    </p:tnLst>
-  </p:timing>
 </p:sld>
 </file>
 
@@ -9151,30 +9084,21 @@
                 </a:solidFill>
                 <a:latin typeface="Menlo-Regular" charset="0"/>
               </a:rPr>
-              <a:t> </a:t>
-            </a:r>
-            <a:r>
-              <a:rPr lang="en-US" sz="2000" dirty="0" smtClean="0">
-                <a:solidFill>
-                  <a:srgbClr val="B42419"/>
+              <a:t> }}"</a:t>
+            </a:r>
+            <a:r>
+              <a:rPr lang="en-US" sz="2000" dirty="0">
+                <a:solidFill>
+                  <a:srgbClr val="2EAEBB"/>
                 </a:solidFill>
                 <a:latin typeface="Menlo-Regular" charset="0"/>
               </a:rPr>
-              <a:t>}}"</a:t>
-            </a:r>
-            <a:r>
-              <a:rPr lang="en-US" sz="2000" dirty="0" smtClean="0">
-                <a:solidFill>
-                  <a:srgbClr val="2EAEBB"/>
-                </a:solidFill>
-                <a:latin typeface="Menlo-Regular" charset="0"/>
-              </a:rPr>
               <a:t>&gt;</a:t>
             </a:r>
           </a:p>
           <a:p>
             <a:r>
-              <a:rPr lang="en-US" sz="2000" u="sng" dirty="0" smtClean="0">
+              <a:rPr lang="en-US" sz="2000" u="sng" dirty="0">
                 <a:solidFill>
                   <a:srgbClr val="C814C9"/>
                 </a:solidFill>
@@ -9832,7 +9756,7 @@
           <a:lstStyle/>
           <a:p>
             <a:r>
-              <a:rPr lang="en-US" dirty="0" smtClean="0">
+              <a:rPr lang="en-US" dirty="0">
                 <a:solidFill>
                   <a:srgbClr val="FFFF00"/>
                 </a:solidFill>
@@ -9843,7 +9767,7 @@
               <a:t>https://samples.dj4e.com/</a:t>
             </a:r>
             <a:r>
-              <a:rPr lang="en-US" dirty="0" err="1" smtClean="0">
+              <a:rPr lang="en-US" dirty="0" err="1">
                 <a:solidFill>
                   <a:srgbClr val="FFFF00"/>
                 </a:solidFill>
@@ -9854,7 +9778,7 @@
               <a:t>authz</a:t>
             </a:r>
             <a:r>
-              <a:rPr lang="en-US" dirty="0" smtClean="0">
+              <a:rPr lang="en-US" dirty="0">
                 <a:solidFill>
                   <a:srgbClr val="FFFF00"/>
                 </a:solidFill>
@@ -9886,13 +9810,6 @@
   <p:clrMapOvr>
     <a:masterClrMapping/>
   </p:clrMapOvr>
-  <p:timing>
-    <p:tnLst>
-      <p:par>
-        <p:cTn id="1" dur="indefinite" restart="never" nodeType="tmRoot"/>
-      </p:par>
-    </p:tnLst>
-  </p:timing>
 </p:sld>
 </file>
 
@@ -10079,30 +9996,21 @@
                 </a:solidFill>
                 <a:latin typeface="Menlo-Regular" charset="0"/>
               </a:rPr>
-              <a:t>' </a:t>
-            </a:r>
-            <a:r>
-              <a:rPr lang="en-US" sz="2000" dirty="0" smtClean="0">
-                <a:solidFill>
-                  <a:srgbClr val="B42419"/>
+              <a:t>' %}"</a:t>
+            </a:r>
+            <a:r>
+              <a:rPr lang="en-US" sz="2000" dirty="0">
+                <a:solidFill>
+                  <a:srgbClr val="2EAEBB"/>
                 </a:solidFill>
                 <a:latin typeface="Menlo-Regular" charset="0"/>
               </a:rPr>
-              <a:t>%}"</a:t>
-            </a:r>
-            <a:r>
-              <a:rPr lang="en-US" sz="2000" dirty="0" smtClean="0">
-                <a:solidFill>
-                  <a:srgbClr val="2EAEBB"/>
-                </a:solidFill>
-                <a:latin typeface="Menlo-Regular" charset="0"/>
-              </a:rPr>
               <a:t>&gt;</a:t>
             </a:r>
           </a:p>
           <a:p>
             <a:r>
-              <a:rPr lang="en-US" sz="2000" u="sng" dirty="0" smtClean="0">
+              <a:rPr lang="en-US" sz="2000" u="sng" dirty="0">
                 <a:solidFill>
                   <a:srgbClr val="C814C9"/>
                 </a:solidFill>
@@ -10202,7 +10110,7 @@
               <a:t>href</a:t>
             </a:r>
             <a:r>
-              <a:rPr lang="en-US" dirty="0" smtClean="0">
+              <a:rPr lang="en-US" dirty="0">
                 <a:latin typeface="Courier" charset="0"/>
                 <a:ea typeface="Courier" charset="0"/>
                 <a:cs typeface="Courier" charset="0"/>
@@ -10210,7 +10118,7 @@
               <a:t>="</a:t>
             </a:r>
             <a:r>
-              <a:rPr lang="en-US" dirty="0" smtClean="0">
+              <a:rPr lang="en-US" dirty="0">
                 <a:solidFill>
                   <a:srgbClr val="00FDFF"/>
                 </a:solidFill>
@@ -10218,10 +10126,10 @@
                 <a:ea typeface="Courier" charset="0"/>
                 <a:cs typeface="Courier" charset="0"/>
               </a:rPr>
-              <a:t>/</a:t>
-            </a:r>
-            <a:r>
-              <a:rPr lang="en-US" dirty="0">
+              <a:t>/accounts/logout/?next=/</a:t>
+            </a:r>
+            <a:r>
+              <a:rPr lang="en-US" dirty="0" err="1">
                 <a:solidFill>
                   <a:srgbClr val="00FDFF"/>
                 </a:solidFill>
@@ -10229,10 +10137,10 @@
                 <a:ea typeface="Courier" charset="0"/>
                 <a:cs typeface="Courier" charset="0"/>
               </a:rPr>
-              <a:t>accounts/logout/?next=/</a:t>
-            </a:r>
-            <a:r>
-              <a:rPr lang="en-US" dirty="0" err="1" smtClean="0">
+              <a:t>authz</a:t>
+            </a:r>
+            <a:r>
+              <a:rPr lang="en-US" dirty="0">
                 <a:solidFill>
                   <a:srgbClr val="00FDFF"/>
                 </a:solidFill>
@@ -10240,21 +10148,10 @@
                 <a:ea typeface="Courier" charset="0"/>
                 <a:cs typeface="Courier" charset="0"/>
               </a:rPr>
-              <a:t>authz</a:t>
-            </a:r>
-            <a:r>
-              <a:rPr lang="en-US" dirty="0" smtClean="0">
-                <a:solidFill>
-                  <a:srgbClr val="00FDFF"/>
-                </a:solidFill>
-                <a:latin typeface="Courier" charset="0"/>
-                <a:ea typeface="Courier" charset="0"/>
-                <a:cs typeface="Courier" charset="0"/>
-              </a:rPr>
               <a:t>/open</a:t>
             </a:r>
             <a:r>
-              <a:rPr lang="en-US" dirty="0" smtClean="0">
+              <a:rPr lang="en-US" dirty="0">
                 <a:latin typeface="Courier" charset="0"/>
                 <a:ea typeface="Courier" charset="0"/>
                 <a:cs typeface="Courier" charset="0"/>
@@ -10306,26 +10203,25 @@
           <a:lstStyle/>
           <a:p>
             <a:r>
-              <a:rPr lang="en-US" i="1" dirty="0" smtClean="0"/>
+              <a:rPr lang="en-US" i="1" dirty="0"/>
               <a:t>When logging out, make sure to set next to a </a:t>
             </a:r>
             <a:r>
-              <a:rPr lang="en-US" i="1" dirty="0" err="1" smtClean="0"/>
+              <a:rPr lang="en-US" i="1" dirty="0" err="1"/>
               <a:t>url</a:t>
             </a:r>
             <a:r>
-              <a:rPr lang="en-US" i="1" dirty="0" smtClean="0"/>
+              <a:rPr lang="en-US" i="1" dirty="0"/>
               <a:t> that does not require login. If you do </a:t>
             </a:r>
             <a:r>
-              <a:rPr lang="mr-IN" i="1" dirty="0" smtClean="0"/>
+              <a:rPr lang="mr-IN" i="1" dirty="0"/>
               <a:t>–</a:t>
             </a:r>
             <a:r>
-              <a:rPr lang="en-US" i="1" dirty="0" smtClean="0"/>
+              <a:rPr lang="en-US" i="1" dirty="0"/>
               <a:t> the user will be in a frustrating logout / login loop.</a:t>
             </a:r>
-            <a:endParaRPr lang="en-US" i="1" dirty="0"/>
           </a:p>
         </p:txBody>
       </p:sp>
@@ -10799,13 +10695,6 @@
   <p:clrMapOvr>
     <a:masterClrMapping/>
   </p:clrMapOvr>
-  <p:timing>
-    <p:tnLst>
-      <p:par>
-        <p:cTn id="1" dur="indefinite" restart="never" nodeType="tmRoot"/>
-      </p:par>
-    </p:tnLst>
-  </p:timing>
 </p:sld>
 </file>
 
@@ -10842,10 +10731,9 @@
           <a:lstStyle/>
           <a:p>
             <a:r>
-              <a:rPr lang="en-US" dirty="0" smtClean="0"/>
+              <a:rPr lang="en-US" dirty="0"/>
               <a:t>The Login Page</a:t>
             </a:r>
-            <a:endParaRPr lang="en-US" dirty="0"/>
           </a:p>
         </p:txBody>
       </p:sp>
@@ -10878,13 +10766,6 @@
   <p:clrMapOvr>
     <a:masterClrMapping/>
   </p:clrMapOvr>
-  <p:timing>
-    <p:tnLst>
-      <p:par>
-        <p:cTn id="1" dur="indefinite" restart="never" nodeType="tmRoot"/>
-      </p:par>
-    </p:tnLst>
-  </p:timing>
 </p:sld>
 </file>
 
@@ -10921,10 +10802,9 @@
           <a:lstStyle/>
           <a:p>
             <a:r>
-              <a:rPr lang="en-US" dirty="0" smtClean="0"/>
+              <a:rPr lang="en-US" dirty="0"/>
               <a:t>Look and Feel - Login Template</a:t>
             </a:r>
-            <a:endParaRPr lang="en-US" dirty="0"/>
           </a:p>
         </p:txBody>
       </p:sp>
@@ -10954,15 +10834,15 @@
               </a:spcBef>
             </a:pPr>
             <a:r>
-              <a:rPr lang="en-US" dirty="0" smtClean="0"/>
+              <a:rPr lang="en-US" dirty="0"/>
               <a:t>To allow us to control the look and feel of the login page we must provide a template called "registration/</a:t>
             </a:r>
             <a:r>
-              <a:rPr lang="en-US" dirty="0" err="1" smtClean="0"/>
+              <a:rPr lang="en-US" dirty="0" err="1"/>
               <a:t>login.html</a:t>
             </a:r>
             <a:r>
-              <a:rPr lang="en-US" dirty="0" smtClean="0"/>
+              <a:rPr lang="en-US" dirty="0"/>
               <a:t>"</a:t>
             </a:r>
           </a:p>
@@ -10973,7 +10853,7 @@
               </a:spcBef>
             </a:pPr>
             <a:r>
-              <a:rPr lang="en-US" dirty="0" smtClean="0"/>
+              <a:rPr lang="en-US" dirty="0"/>
               <a:t>Django describes what needs to be in this template</a:t>
             </a:r>
           </a:p>
@@ -10984,7 +10864,7 @@
               </a:spcBef>
             </a:pPr>
             <a:r>
-              <a:rPr lang="en-US" dirty="0" smtClean="0"/>
+              <a:rPr lang="en-US" dirty="0"/>
               <a:t>We can put this in any of our application templates folders</a:t>
             </a:r>
           </a:p>
@@ -11016,40 +10896,20 @@
               <a:t>https://</a:t>
             </a:r>
             <a:r>
-              <a:rPr lang="en-US" dirty="0" err="1" smtClean="0"/>
+              <a:rPr lang="en-US" dirty="0" err="1"/>
               <a:t>docs.djangoproject.com</a:t>
             </a:r>
             <a:r>
-              <a:rPr lang="en-US" dirty="0" smtClean="0"/>
+              <a:rPr lang="en-US" dirty="0"/>
               <a:t>/</a:t>
             </a:r>
             <a:r>
-              <a:rPr lang="en-US" dirty="0" err="1" smtClean="0"/>
+              <a:rPr lang="en-US" dirty="0" err="1"/>
               <a:t>en</a:t>
             </a:r>
             <a:r>
-              <a:rPr lang="en-US" dirty="0" smtClean="0"/>
-              <a:t>/</a:t>
-            </a:r>
-            <a:r>
-              <a:rPr lang="hr-HR" dirty="0" smtClean="0"/>
-              <a:t>3.0</a:t>
-            </a:r>
-            <a:r>
-              <a:rPr lang="en-US" dirty="0" smtClean="0"/>
-              <a:t>/topics/</a:t>
-            </a:r>
-            <a:r>
-              <a:rPr lang="en-US" dirty="0" err="1" smtClean="0"/>
-              <a:t>auth</a:t>
-            </a:r>
-            <a:r>
-              <a:rPr lang="en-US" dirty="0" smtClean="0"/>
-              <a:t>/default</a:t>
-            </a:r>
-            <a:r>
               <a:rPr lang="en-US" dirty="0"/>
-              <a:t>/#</a:t>
+              <a:t>/4.0/topics/auth/default/#</a:t>
             </a:r>
             <a:r>
               <a:rPr lang="en-US" dirty="0" err="1"/>
@@ -11113,7 +10973,7 @@
           <a:lstStyle/>
           <a:p>
             <a:r>
-              <a:rPr lang="en-US" dirty="0" smtClean="0">
+              <a:rPr lang="en-US" dirty="0">
                 <a:solidFill>
                   <a:srgbClr val="FFFF00"/>
                 </a:solidFill>
@@ -11145,13 +11005,6 @@
   <p:clrMapOvr>
     <a:masterClrMapping/>
   </p:clrMapOvr>
-  <p:timing>
-    <p:tnLst>
-      <p:par>
-        <p:cTn id="1" dur="indefinite" restart="never" nodeType="tmRoot"/>
-      </p:par>
-    </p:tnLst>
-  </p:timing>
 </p:sld>
 </file>
 
@@ -11403,7 +11256,7 @@
               <a:t>body</a:t>
             </a:r>
             <a:r>
-              <a:rPr lang="en-US" dirty="0" smtClean="0">
+              <a:rPr lang="en-US" dirty="0">
                 <a:solidFill>
                   <a:srgbClr val="2EAEBB"/>
                 </a:solidFill>
@@ -12177,7 +12030,7 @@
           <a:lstStyle/>
           <a:p>
             <a:r>
-              <a:rPr lang="en-US" smtClean="0">
+              <a:rPr lang="en-US">
                 <a:solidFill>
                   <a:srgbClr val="FFFF00"/>
                 </a:solidFill>
@@ -12188,7 +12041,7 @@
               <a:t>dj4e-samples/home/templates/registration/</a:t>
             </a:r>
             <a:r>
-              <a:rPr lang="en-US" dirty="0" err="1" smtClean="0">
+              <a:rPr lang="en-US" dirty="0" err="1">
                 <a:solidFill>
                   <a:srgbClr val="FFFF00"/>
                 </a:solidFill>
@@ -12232,7 +12085,7 @@
           <a:lstStyle/>
           <a:p>
             <a:r>
-              <a:rPr lang="en-US" dirty="0" smtClean="0">
+              <a:rPr lang="en-US" dirty="0">
                 <a:solidFill>
                   <a:srgbClr val="FFFF00"/>
                 </a:solidFill>
@@ -12264,13 +12117,6 @@
   <p:clrMapOvr>
     <a:masterClrMapping/>
   </p:clrMapOvr>
-  <p:timing>
-    <p:tnLst>
-      <p:par>
-        <p:cTn id="1" dur="indefinite" restart="never" nodeType="tmRoot"/>
-      </p:par>
-    </p:tnLst>
-  </p:timing>
 </p:sld>
 </file>
 
@@ -12308,13 +12154,8 @@
           <a:p>
             <a:r>
               <a:rPr lang="en-US" dirty="0"/>
-              <a:t>User authentication in </a:t>
-            </a:r>
-            <a:r>
-              <a:rPr lang="en-US" dirty="0" smtClean="0"/>
-              <a:t>Django</a:t>
-            </a:r>
-            <a:endParaRPr lang="en-US" dirty="0"/>
+              <a:t>User authentication in Django</a:t>
+            </a:r>
           </a:p>
         </p:txBody>
       </p:sp>
@@ -12343,44 +12184,12 @@
           <a:lstStyle/>
           <a:p>
             <a:r>
-              <a:rPr lang="en-US" sz="2000" dirty="0" smtClean="0">
+              <a:rPr lang="en-US" sz="2000" dirty="0">
                 <a:solidFill>
                   <a:srgbClr val="084429"/>
                 </a:solidFill>
               </a:rPr>
-              <a:t>Django </a:t>
-            </a:r>
-            <a:r>
-              <a:rPr lang="en-US" sz="2000" dirty="0">
-                <a:solidFill>
-                  <a:srgbClr val="084429"/>
-                </a:solidFill>
-              </a:rPr>
-              <a:t>comes with a user authentication system. It handles user accounts, groups, permissions and cookie-based user sessions</a:t>
-            </a:r>
-            <a:r>
-              <a:rPr lang="en-US" sz="2000" dirty="0" smtClean="0">
-                <a:solidFill>
-                  <a:srgbClr val="084429"/>
-                </a:solidFill>
-              </a:rPr>
-              <a:t>.  The authentication </a:t>
-            </a:r>
-            <a:r>
-              <a:rPr lang="en-US" sz="2000" dirty="0">
-                <a:solidFill>
-                  <a:srgbClr val="084429"/>
-                </a:solidFill>
-              </a:rPr>
-              <a:t>system consists of</a:t>
-            </a:r>
-            <a:r>
-              <a:rPr lang="en-US" sz="2000" dirty="0" smtClean="0">
-                <a:solidFill>
-                  <a:srgbClr val="084429"/>
-                </a:solidFill>
-              </a:rPr>
-              <a:t>:</a:t>
+              <a:t>Django comes with a user authentication system. It handles user accounts, groups, permissions and cookie-based user sessions.  The authentication system consists of:</a:t>
             </a:r>
           </a:p>
           <a:p>
@@ -12471,19 +12280,11 @@
                   <a:srgbClr val="084429"/>
                 </a:solidFill>
               </a:rPr>
-              <a:t>A pluggable backend </a:t>
-            </a:r>
-            <a:r>
-              <a:rPr lang="en-US" sz="2000" dirty="0" smtClean="0">
-                <a:solidFill>
-                  <a:srgbClr val="084429"/>
-                </a:solidFill>
-              </a:rPr>
-              <a:t>system</a:t>
-            </a:r>
-          </a:p>
-          <a:p>
-            <a:endParaRPr lang="en-US" sz="2000" dirty="0" smtClean="0">
+              <a:t>A pluggable backend system</a:t>
+            </a:r>
+          </a:p>
+          <a:p>
+            <a:endParaRPr lang="en-US" sz="2000" dirty="0">
               <a:solidFill>
                 <a:srgbClr val="084429"/>
               </a:solidFill>
@@ -12491,12 +12292,20 @@
           </a:p>
           <a:p>
             <a:r>
-              <a:rPr lang="en-US" sz="2000" dirty="0" smtClean="0">
+              <a:rPr lang="en-US" sz="2000" dirty="0">
                 <a:solidFill>
                   <a:srgbClr val="084429"/>
                 </a:solidFill>
               </a:rPr>
-              <a:t>Authentication </a:t>
+              <a:t>Authentication support is bundled as a Django </a:t>
+            </a:r>
+            <a:r>
+              <a:rPr lang="en-US" sz="2000" b="1" dirty="0" err="1">
+                <a:solidFill>
+                  <a:srgbClr val="084429"/>
+                </a:solidFill>
+              </a:rPr>
+              <a:t>contrib</a:t>
             </a:r>
             <a:r>
               <a:rPr lang="en-US" sz="2000" dirty="0">
@@ -12504,7 +12313,7 @@
                   <a:srgbClr val="084429"/>
                 </a:solidFill>
               </a:rPr>
-              <a:t>support is bundled as a Django </a:t>
+              <a:t> module in </a:t>
             </a:r>
             <a:r>
               <a:rPr lang="en-US" sz="2000" b="1" dirty="0" err="1">
@@ -12512,7 +12321,7 @@
                   <a:srgbClr val="084429"/>
                 </a:solidFill>
               </a:rPr>
-              <a:t>contrib</a:t>
+              <a:t>django.contrib.auth</a:t>
             </a:r>
             <a:r>
               <a:rPr lang="en-US" sz="2000" dirty="0">
@@ -12520,7 +12329,7 @@
                   <a:srgbClr val="084429"/>
                 </a:solidFill>
               </a:rPr>
-              <a:t> module in </a:t>
+              <a:t>. By default, the required configuration is already included in </a:t>
             </a:r>
             <a:r>
               <a:rPr lang="en-US" sz="2000" b="1" dirty="0" err="1">
@@ -12528,7 +12337,7 @@
                   <a:srgbClr val="084429"/>
                 </a:solidFill>
               </a:rPr>
-              <a:t>django.contrib.auth</a:t>
+              <a:t>settings.py</a:t>
             </a:r>
             <a:r>
               <a:rPr lang="en-US" sz="2000" dirty="0">
@@ -12536,29 +12345,8 @@
                   <a:srgbClr val="084429"/>
                 </a:solidFill>
               </a:rPr>
-              <a:t>. By default, the required configuration is already included in </a:t>
-            </a:r>
-            <a:r>
-              <a:rPr lang="en-US" sz="2000" b="1" dirty="0" err="1" smtClean="0">
-                <a:solidFill>
-                  <a:srgbClr val="084429"/>
-                </a:solidFill>
-              </a:rPr>
-              <a:t>settings.py</a:t>
-            </a:r>
-            <a:r>
-              <a:rPr lang="en-US" sz="2000" dirty="0">
-                <a:solidFill>
-                  <a:srgbClr val="084429"/>
-                </a:solidFill>
-              </a:rPr>
               <a:t>.</a:t>
             </a:r>
-            <a:endParaRPr lang="en-US" sz="2000" dirty="0" smtClean="0">
-              <a:solidFill>
-                <a:srgbClr val="084429"/>
-              </a:solidFill>
-            </a:endParaRPr>
           </a:p>
         </p:txBody>
       </p:sp>
@@ -12588,36 +12376,20 @@
               <a:t>https://</a:t>
             </a:r>
             <a:r>
-              <a:rPr lang="en-US" dirty="0" err="1" smtClean="0"/>
+              <a:rPr lang="en-US" dirty="0" err="1"/>
               <a:t>docs.djangoproject.com</a:t>
-            </a:r>
-            <a:r>
-              <a:rPr lang="en-US" dirty="0" smtClean="0"/>
-              <a:t>/</a:t>
-            </a:r>
-            <a:r>
-              <a:rPr lang="en-US" dirty="0" err="1" smtClean="0"/>
-              <a:t>en</a:t>
-            </a:r>
-            <a:r>
-              <a:rPr lang="en-US" dirty="0" smtClean="0"/>
-              <a:t>/</a:t>
-            </a:r>
-            <a:r>
-              <a:rPr lang="hr-HR" dirty="0" smtClean="0"/>
-              <a:t>3.0</a:t>
-            </a:r>
-            <a:r>
-              <a:rPr lang="en-US" dirty="0" smtClean="0"/>
-              <a:t>/topics/</a:t>
-            </a:r>
-            <a:r>
-              <a:rPr lang="en-US" dirty="0" err="1" smtClean="0"/>
-              <a:t>auth</a:t>
             </a:r>
             <a:r>
               <a:rPr lang="en-US" dirty="0"/>
               <a:t>/</a:t>
+            </a:r>
+            <a:r>
+              <a:rPr lang="en-US" dirty="0" err="1"/>
+              <a:t>en</a:t>
+            </a:r>
+            <a:r>
+              <a:rPr lang="en-US" dirty="0"/>
+              <a:t>/4.0/topics/auth/</a:t>
             </a:r>
           </a:p>
         </p:txBody>
@@ -12632,13 +12404,6 @@
   <p:clrMapOvr>
     <a:masterClrMapping/>
   </p:clrMapOvr>
-  <p:timing>
-    <p:tnLst>
-      <p:par>
-        <p:cTn id="1" dur="indefinite" restart="never" nodeType="tmRoot"/>
-      </p:par>
-    </p:tnLst>
-  </p:timing>
 </p:sld>
 </file>
 
@@ -12675,10 +12440,9 @@
           <a:lstStyle/>
           <a:p>
             <a:r>
-              <a:rPr lang="en-US" dirty="0" smtClean="0"/>
+              <a:rPr lang="en-US" dirty="0"/>
               <a:t>Data for the logged in user</a:t>
             </a:r>
-            <a:endParaRPr lang="en-US" dirty="0"/>
           </a:p>
         </p:txBody>
       </p:sp>
@@ -13022,26 +12786,15 @@
           </a:p>
           <a:p>
             <a:r>
-              <a:rPr lang="en-US" dirty="0" smtClean="0">
-                <a:solidFill>
-                  <a:srgbClr val="000000"/>
-                </a:solidFill>
-                <a:latin typeface="Courier" charset="0"/>
-                <a:ea typeface="Courier" charset="0"/>
-                <a:cs typeface="Courier" charset="0"/>
-              </a:rPr>
-              <a:t>{% </a:t>
-            </a:r>
-            <a:r>
-              <a:rPr lang="en-US" dirty="0">
-                <a:solidFill>
-                  <a:srgbClr val="000000"/>
-                </a:solidFill>
-                <a:latin typeface="Courier" charset="0"/>
-                <a:ea typeface="Courier" charset="0"/>
-                <a:cs typeface="Courier" charset="0"/>
-              </a:rPr>
-              <a:t>else %}</a:t>
+              <a:rPr lang="en-US" dirty="0">
+                <a:solidFill>
+                  <a:srgbClr val="000000"/>
+                </a:solidFill>
+                <a:latin typeface="Courier" charset="0"/>
+                <a:ea typeface="Courier" charset="0"/>
+                <a:cs typeface="Courier" charset="0"/>
+              </a:rPr>
+              <a:t>{% else %}</a:t>
             </a:r>
           </a:p>
           <a:p>
@@ -13133,7 +12886,7 @@
           </a:p>
           <a:p>
             <a:r>
-              <a:rPr lang="mr-IN" dirty="0" smtClean="0">
+              <a:rPr lang="mr-IN" dirty="0">
                 <a:solidFill>
                   <a:srgbClr val="000000"/>
                 </a:solidFill>
@@ -13659,16 +13412,7 @@
                 </a:solidFill>
                 <a:latin typeface="Times" charset="0"/>
               </a:rPr>
-              <a:t> data in python </a:t>
-            </a:r>
-            <a:r>
-              <a:rPr lang="en-US" dirty="0" smtClean="0">
-                <a:solidFill>
-                  <a:srgbClr val="000000"/>
-                </a:solidFill>
-                <a:latin typeface="Times" charset="0"/>
-              </a:rPr>
-              <a:t> </a:t>
+              <a:t> data in python  </a:t>
             </a:r>
             <a:endParaRPr lang="en-US" dirty="0">
               <a:solidFill>
@@ -13756,13 +13500,6 @@
   <p:clrMapOvr>
     <a:masterClrMapping/>
   </p:clrMapOvr>
-  <p:timing>
-    <p:tnLst>
-      <p:par>
-        <p:cTn id="1" dur="indefinite" restart="never" nodeType="tmRoot"/>
-      </p:par>
-    </p:tnLst>
-  </p:timing>
 </p:sld>
 </file>
 
@@ -13804,14 +13541,13 @@
           <a:lstStyle/>
           <a:p>
             <a:r>
-              <a:rPr lang="en-US" smtClean="0"/>
+              <a:rPr lang="en-US"/>
               <a:t>Accessing user </a:t>
             </a:r>
             <a:r>
-              <a:rPr lang="en-US" dirty="0" smtClean="0"/>
+              <a:rPr lang="en-US" dirty="0"/>
               <a:t>data in Python</a:t>
             </a:r>
-            <a:endParaRPr lang="en-US" dirty="0"/>
           </a:p>
         </p:txBody>
       </p:sp>
@@ -13840,7 +13576,7 @@
           <a:lstStyle/>
           <a:p>
             <a:r>
-              <a:rPr lang="en-US" sz="1400" dirty="0" smtClean="0">
+              <a:rPr lang="en-US" sz="1400" dirty="0">
                 <a:solidFill>
                   <a:srgbClr val="C1651C"/>
                 </a:solidFill>
@@ -13851,7 +13587,7 @@
               <a:t>class</a:t>
             </a:r>
             <a:r>
-              <a:rPr lang="en-US" sz="1400" dirty="0" smtClean="0">
+              <a:rPr lang="en-US" sz="1400" dirty="0">
                 <a:solidFill>
                   <a:srgbClr val="000000"/>
                 </a:solidFill>
@@ -13862,7 +13598,7 @@
               <a:t> </a:t>
             </a:r>
             <a:r>
-              <a:rPr lang="en-US" sz="1400" dirty="0" err="1" smtClean="0">
+              <a:rPr lang="en-US" sz="1400" dirty="0" err="1">
                 <a:solidFill>
                   <a:srgbClr val="2EAEBB"/>
                 </a:solidFill>
@@ -13873,7 +13609,7 @@
               <a:t>DumpPython</a:t>
             </a:r>
             <a:r>
-              <a:rPr lang="en-US" sz="1400" dirty="0" smtClean="0">
+              <a:rPr lang="en-US" sz="1400" dirty="0">
                 <a:solidFill>
                   <a:srgbClr val="000000"/>
                 </a:solidFill>
@@ -13886,7 +13622,7 @@
           </a:p>
           <a:p>
             <a:r>
-              <a:rPr lang="en-US" sz="1400" dirty="0" smtClean="0">
+              <a:rPr lang="en-US" sz="1400" dirty="0">
                 <a:solidFill>
                   <a:srgbClr val="000000"/>
                 </a:solidFill>
@@ -13897,7 +13633,7 @@
               <a:t>    </a:t>
             </a:r>
             <a:r>
-              <a:rPr lang="en-US" sz="1400" dirty="0" err="1" smtClean="0">
+              <a:rPr lang="en-US" sz="1400" dirty="0" err="1">
                 <a:solidFill>
                   <a:srgbClr val="C1651C"/>
                 </a:solidFill>
@@ -13908,7 +13644,7 @@
               <a:t>def</a:t>
             </a:r>
             <a:r>
-              <a:rPr lang="en-US" sz="1400" dirty="0" smtClean="0">
+              <a:rPr lang="en-US" sz="1400" dirty="0">
                 <a:solidFill>
                   <a:srgbClr val="000000"/>
                 </a:solidFill>
@@ -13919,7 +13655,7 @@
               <a:t> </a:t>
             </a:r>
             <a:r>
-              <a:rPr lang="en-US" sz="1400" dirty="0" smtClean="0">
+              <a:rPr lang="en-US" sz="1400" dirty="0">
                 <a:solidFill>
                   <a:srgbClr val="2EAEBB"/>
                 </a:solidFill>
@@ -13930,7 +13666,7 @@
               <a:t>get</a:t>
             </a:r>
             <a:r>
-              <a:rPr lang="en-US" sz="1400" dirty="0" smtClean="0">
+              <a:rPr lang="en-US" sz="1400" dirty="0">
                 <a:solidFill>
                   <a:srgbClr val="000000"/>
                 </a:solidFill>
@@ -13941,7 +13677,7 @@
               <a:t>(self, </a:t>
             </a:r>
             <a:r>
-              <a:rPr lang="en-US" sz="1400" dirty="0" err="1" smtClean="0">
+              <a:rPr lang="en-US" sz="1400" dirty="0" err="1">
                 <a:solidFill>
                   <a:srgbClr val="000000"/>
                 </a:solidFill>
@@ -13952,7 +13688,7 @@
               <a:t>req</a:t>
             </a:r>
             <a:r>
-              <a:rPr lang="en-US" sz="1400" dirty="0" smtClean="0">
+              <a:rPr lang="en-US" sz="1400" dirty="0">
                 <a:solidFill>
                   <a:srgbClr val="000000"/>
                 </a:solidFill>
@@ -13965,7 +13701,7 @@
           </a:p>
           <a:p>
             <a:r>
-              <a:rPr lang="en-US" sz="1400" dirty="0" smtClean="0">
+              <a:rPr lang="en-US" sz="1400" dirty="0">
                 <a:solidFill>
                   <a:srgbClr val="000000"/>
                 </a:solidFill>
@@ -13976,7 +13712,7 @@
               <a:t>        </a:t>
             </a:r>
             <a:r>
-              <a:rPr lang="en-US" sz="1400" dirty="0" err="1" smtClean="0">
+              <a:rPr lang="en-US" sz="1400" dirty="0" err="1">
                 <a:solidFill>
                   <a:srgbClr val="000000"/>
                 </a:solidFill>
@@ -13987,7 +13723,7 @@
               <a:t>resp</a:t>
             </a:r>
             <a:r>
-              <a:rPr lang="en-US" sz="1400" dirty="0" smtClean="0">
+              <a:rPr lang="en-US" sz="1400" dirty="0">
                 <a:solidFill>
                   <a:srgbClr val="000000"/>
                 </a:solidFill>
@@ -13998,7 +13734,7 @@
               <a:t> = </a:t>
             </a:r>
             <a:r>
-              <a:rPr lang="en-US" sz="1400" dirty="0" smtClean="0">
+              <a:rPr lang="en-US" sz="1400" dirty="0">
                 <a:solidFill>
                   <a:srgbClr val="B42419"/>
                 </a:solidFill>
@@ -14009,7 +13745,7 @@
               <a:t>"&lt;pre&gt;</a:t>
             </a:r>
             <a:r>
-              <a:rPr lang="en-US" sz="1400" dirty="0" smtClean="0">
+              <a:rPr lang="en-US" sz="1400" dirty="0">
                 <a:solidFill>
                   <a:srgbClr val="C814C9"/>
                 </a:solidFill>
@@ -14020,7 +13756,7 @@
               <a:t>\</a:t>
             </a:r>
             <a:r>
-              <a:rPr lang="en-US" sz="1400" dirty="0" err="1" smtClean="0">
+              <a:rPr lang="en-US" sz="1400" dirty="0" err="1">
                 <a:solidFill>
                   <a:srgbClr val="C814C9"/>
                 </a:solidFill>
@@ -14031,7 +13767,7 @@
               <a:t>n</a:t>
             </a:r>
             <a:r>
-              <a:rPr lang="en-US" sz="1400" dirty="0" err="1" smtClean="0">
+              <a:rPr lang="en-US" sz="1400" dirty="0" err="1">
                 <a:solidFill>
                   <a:srgbClr val="B42419"/>
                 </a:solidFill>
@@ -14042,7 +13778,7 @@
               <a:t>User</a:t>
             </a:r>
             <a:r>
-              <a:rPr lang="en-US" sz="1400" dirty="0" smtClean="0">
+              <a:rPr lang="en-US" sz="1400" dirty="0">
                 <a:solidFill>
                   <a:srgbClr val="B42419"/>
                 </a:solidFill>
@@ -14053,7 +13789,7 @@
               <a:t> Data in Python:</a:t>
             </a:r>
             <a:r>
-              <a:rPr lang="en-US" sz="1400" dirty="0" smtClean="0">
+              <a:rPr lang="en-US" sz="1400" dirty="0">
                 <a:solidFill>
                   <a:srgbClr val="C814C9"/>
                 </a:solidFill>
@@ -14064,7 +13800,7 @@
               <a:t>\n\n</a:t>
             </a:r>
             <a:r>
-              <a:rPr lang="en-US" sz="1400" dirty="0" smtClean="0">
+              <a:rPr lang="en-US" sz="1400" dirty="0">
                 <a:solidFill>
                   <a:srgbClr val="B42419"/>
                 </a:solidFill>
@@ -14074,7 +13810,7 @@
               </a:rPr>
               <a:t>"</a:t>
             </a:r>
-            <a:endParaRPr lang="en-US" sz="1400" dirty="0" smtClean="0">
+            <a:endParaRPr lang="en-US" sz="1400" dirty="0">
               <a:solidFill>
                 <a:srgbClr val="000000"/>
               </a:solidFill>
@@ -14085,7 +13821,7 @@
           </a:p>
           <a:p>
             <a:r>
-              <a:rPr lang="mr-IN" sz="1400" dirty="0" smtClean="0">
+              <a:rPr lang="mr-IN" sz="1400" dirty="0">
                 <a:solidFill>
                   <a:srgbClr val="000000"/>
                 </a:solidFill>
@@ -14096,7 +13832,7 @@
               <a:t>        </a:t>
             </a:r>
             <a:r>
-              <a:rPr lang="mr-IN" sz="1400" dirty="0" err="1" smtClean="0">
+              <a:rPr lang="mr-IN" sz="1400" dirty="0" err="1">
                 <a:solidFill>
                   <a:srgbClr val="000000"/>
                 </a:solidFill>
@@ -14107,7 +13843,7 @@
               <a:t>resp</a:t>
             </a:r>
             <a:r>
-              <a:rPr lang="mr-IN" sz="1400" dirty="0" smtClean="0">
+              <a:rPr lang="mr-IN" sz="1400" dirty="0">
                 <a:solidFill>
                   <a:srgbClr val="000000"/>
                 </a:solidFill>
@@ -14118,7 +13854,7 @@
               <a:t> += </a:t>
             </a:r>
             <a:r>
-              <a:rPr lang="mr-IN" sz="1400" dirty="0" smtClean="0">
+              <a:rPr lang="mr-IN" sz="1400" dirty="0">
                 <a:solidFill>
                   <a:srgbClr val="B42419"/>
                 </a:solidFill>
@@ -14129,7 +13865,7 @@
               <a:t>"</a:t>
             </a:r>
             <a:r>
-              <a:rPr lang="mr-IN" sz="1400" dirty="0" err="1" smtClean="0">
+              <a:rPr lang="mr-IN" sz="1400" dirty="0" err="1">
                 <a:solidFill>
                   <a:srgbClr val="B42419"/>
                 </a:solidFill>
@@ -14140,7 +13876,7 @@
               <a:t>Login</a:t>
             </a:r>
             <a:r>
-              <a:rPr lang="mr-IN" sz="1400" dirty="0" smtClean="0">
+              <a:rPr lang="mr-IN" sz="1400" dirty="0">
                 <a:solidFill>
                   <a:srgbClr val="B42419"/>
                 </a:solidFill>
@@ -14151,7 +13887,7 @@
               <a:t> </a:t>
             </a:r>
             <a:r>
-              <a:rPr lang="mr-IN" sz="1400" dirty="0" err="1" smtClean="0">
+              <a:rPr lang="mr-IN" sz="1400" dirty="0" err="1">
                 <a:solidFill>
                   <a:srgbClr val="B42419"/>
                 </a:solidFill>
@@ -14162,7 +13898,7 @@
               <a:t>url</a:t>
             </a:r>
             <a:r>
-              <a:rPr lang="mr-IN" sz="1400" dirty="0" smtClean="0">
+              <a:rPr lang="mr-IN" sz="1400" dirty="0">
                 <a:solidFill>
                   <a:srgbClr val="B42419"/>
                 </a:solidFill>
@@ -14173,7 +13909,7 @@
               <a:t>: "</a:t>
             </a:r>
             <a:r>
-              <a:rPr lang="mr-IN" sz="1400" dirty="0" smtClean="0">
+              <a:rPr lang="mr-IN" sz="1400" dirty="0">
                 <a:solidFill>
                   <a:srgbClr val="000000"/>
                 </a:solidFill>
@@ -14184,7 +13920,7 @@
               <a:t> + </a:t>
             </a:r>
             <a:r>
-              <a:rPr lang="mr-IN" sz="1400" dirty="0" err="1" smtClean="0">
+              <a:rPr lang="mr-IN" sz="1400" dirty="0" err="1">
                 <a:solidFill>
                   <a:srgbClr val="000000"/>
                 </a:solidFill>
@@ -14195,7 +13931,7 @@
               <a:t>reverse</a:t>
             </a:r>
             <a:r>
-              <a:rPr lang="mr-IN" sz="1400" dirty="0" smtClean="0">
+              <a:rPr lang="mr-IN" sz="1400" dirty="0">
                 <a:solidFill>
                   <a:srgbClr val="000000"/>
                 </a:solidFill>
@@ -14206,7 +13942,7 @@
               <a:t>(</a:t>
             </a:r>
             <a:r>
-              <a:rPr lang="mr-IN" sz="1400" dirty="0" smtClean="0">
+              <a:rPr lang="mr-IN" sz="1400" dirty="0">
                 <a:solidFill>
                   <a:srgbClr val="B42419"/>
                 </a:solidFill>
@@ -14217,7 +13953,7 @@
               <a:t>'</a:t>
             </a:r>
             <a:r>
-              <a:rPr lang="mr-IN" sz="1400" dirty="0" err="1" smtClean="0">
+              <a:rPr lang="mr-IN" sz="1400" dirty="0" err="1">
                 <a:solidFill>
                   <a:srgbClr val="B42419"/>
                 </a:solidFill>
@@ -14228,7 +13964,7 @@
               <a:t>login</a:t>
             </a:r>
             <a:r>
-              <a:rPr lang="mr-IN" sz="1400" dirty="0" smtClean="0">
+              <a:rPr lang="mr-IN" sz="1400" dirty="0">
                 <a:solidFill>
                   <a:srgbClr val="B42419"/>
                 </a:solidFill>
@@ -14239,7 +13975,7 @@
               <a:t>'</a:t>
             </a:r>
             <a:r>
-              <a:rPr lang="mr-IN" sz="1400" dirty="0" smtClean="0">
+              <a:rPr lang="mr-IN" sz="1400" dirty="0">
                 <a:solidFill>
                   <a:srgbClr val="000000"/>
                 </a:solidFill>
@@ -14250,7 +13986,7 @@
               <a:t>) + </a:t>
             </a:r>
             <a:r>
-              <a:rPr lang="mr-IN" sz="1400" dirty="0" smtClean="0">
+              <a:rPr lang="mr-IN" sz="1400" dirty="0">
                 <a:solidFill>
                   <a:srgbClr val="B42419"/>
                 </a:solidFill>
@@ -14261,7 +13997,7 @@
               <a:t>"</a:t>
             </a:r>
             <a:r>
-              <a:rPr lang="mr-IN" sz="1400" dirty="0" smtClean="0">
+              <a:rPr lang="mr-IN" sz="1400" dirty="0">
                 <a:solidFill>
                   <a:srgbClr val="C814C9"/>
                 </a:solidFill>
@@ -14272,7 +14008,7 @@
               <a:t>\</a:t>
             </a:r>
             <a:r>
-              <a:rPr lang="mr-IN" sz="1400" dirty="0" err="1" smtClean="0">
+              <a:rPr lang="mr-IN" sz="1400" dirty="0" err="1">
                 <a:solidFill>
                   <a:srgbClr val="C814C9"/>
                 </a:solidFill>
@@ -14283,7 +14019,7 @@
               <a:t>n</a:t>
             </a:r>
             <a:r>
-              <a:rPr lang="mr-IN" sz="1400" dirty="0" smtClean="0">
+              <a:rPr lang="mr-IN" sz="1400" dirty="0">
                 <a:solidFill>
                   <a:srgbClr val="B42419"/>
                 </a:solidFill>
@@ -14293,7 +14029,7 @@
               </a:rPr>
               <a:t>"</a:t>
             </a:r>
-            <a:endParaRPr lang="mr-IN" sz="1400" dirty="0" smtClean="0">
+            <a:endParaRPr lang="mr-IN" sz="1400" dirty="0">
               <a:solidFill>
                 <a:srgbClr val="000000"/>
               </a:solidFill>
@@ -14304,7 +14040,7 @@
           </a:p>
           <a:p>
             <a:r>
-              <a:rPr lang="mr-IN" sz="1400" dirty="0" smtClean="0">
+              <a:rPr lang="mr-IN" sz="1400" dirty="0">
                 <a:solidFill>
                   <a:srgbClr val="000000"/>
                 </a:solidFill>
@@ -14315,7 +14051,7 @@
               <a:t>        </a:t>
             </a:r>
             <a:r>
-              <a:rPr lang="mr-IN" sz="1400" dirty="0" err="1" smtClean="0">
+              <a:rPr lang="mr-IN" sz="1400" dirty="0" err="1">
                 <a:solidFill>
                   <a:srgbClr val="000000"/>
                 </a:solidFill>
@@ -14326,7 +14062,7 @@
               <a:t>resp</a:t>
             </a:r>
             <a:r>
-              <a:rPr lang="mr-IN" sz="1400" dirty="0" smtClean="0">
+              <a:rPr lang="mr-IN" sz="1400" dirty="0">
                 <a:solidFill>
                   <a:srgbClr val="000000"/>
                 </a:solidFill>
@@ -14337,7 +14073,7 @@
               <a:t> += </a:t>
             </a:r>
             <a:r>
-              <a:rPr lang="mr-IN" sz="1400" dirty="0" smtClean="0">
+              <a:rPr lang="mr-IN" sz="1400" dirty="0">
                 <a:solidFill>
                   <a:srgbClr val="B42419"/>
                 </a:solidFill>
@@ -14348,7 +14084,7 @@
               <a:t>"</a:t>
             </a:r>
             <a:r>
-              <a:rPr lang="mr-IN" sz="1400" dirty="0" err="1" smtClean="0">
+              <a:rPr lang="mr-IN" sz="1400" dirty="0" err="1">
                 <a:solidFill>
                   <a:srgbClr val="B42419"/>
                 </a:solidFill>
@@ -14359,7 +14095,7 @@
               <a:t>Logout</a:t>
             </a:r>
             <a:r>
-              <a:rPr lang="mr-IN" sz="1400" dirty="0" smtClean="0">
+              <a:rPr lang="mr-IN" sz="1400" dirty="0">
                 <a:solidFill>
                   <a:srgbClr val="B42419"/>
                 </a:solidFill>
@@ -14370,7 +14106,7 @@
               <a:t> </a:t>
             </a:r>
             <a:r>
-              <a:rPr lang="mr-IN" sz="1400" dirty="0" err="1" smtClean="0">
+              <a:rPr lang="mr-IN" sz="1400" dirty="0" err="1">
                 <a:solidFill>
                   <a:srgbClr val="B42419"/>
                 </a:solidFill>
@@ -14381,7 +14117,7 @@
               <a:t>url</a:t>
             </a:r>
             <a:r>
-              <a:rPr lang="mr-IN" sz="1400" dirty="0" smtClean="0">
+              <a:rPr lang="mr-IN" sz="1400" dirty="0">
                 <a:solidFill>
                   <a:srgbClr val="B42419"/>
                 </a:solidFill>
@@ -14392,7 +14128,7 @@
               <a:t>: "</a:t>
             </a:r>
             <a:r>
-              <a:rPr lang="mr-IN" sz="1400" dirty="0" smtClean="0">
+              <a:rPr lang="mr-IN" sz="1400" dirty="0">
                 <a:solidFill>
                   <a:srgbClr val="000000"/>
                 </a:solidFill>
@@ -14403,7 +14139,7 @@
               <a:t> + </a:t>
             </a:r>
             <a:r>
-              <a:rPr lang="mr-IN" sz="1400" dirty="0" err="1" smtClean="0">
+              <a:rPr lang="mr-IN" sz="1400" dirty="0" err="1">
                 <a:solidFill>
                   <a:srgbClr val="000000"/>
                 </a:solidFill>
@@ -14414,7 +14150,7 @@
               <a:t>reverse</a:t>
             </a:r>
             <a:r>
-              <a:rPr lang="mr-IN" sz="1400" dirty="0" smtClean="0">
+              <a:rPr lang="mr-IN" sz="1400" dirty="0">
                 <a:solidFill>
                   <a:srgbClr val="000000"/>
                 </a:solidFill>
@@ -14425,7 +14161,7 @@
               <a:t>(</a:t>
             </a:r>
             <a:r>
-              <a:rPr lang="mr-IN" sz="1400" dirty="0" smtClean="0">
+              <a:rPr lang="mr-IN" sz="1400" dirty="0">
                 <a:solidFill>
                   <a:srgbClr val="B42419"/>
                 </a:solidFill>
@@ -14436,7 +14172,7 @@
               <a:t>'</a:t>
             </a:r>
             <a:r>
-              <a:rPr lang="mr-IN" sz="1400" dirty="0" err="1" smtClean="0">
+              <a:rPr lang="mr-IN" sz="1400" dirty="0" err="1">
                 <a:solidFill>
                   <a:srgbClr val="B42419"/>
                 </a:solidFill>
@@ -14447,7 +14183,7 @@
               <a:t>logout</a:t>
             </a:r>
             <a:r>
-              <a:rPr lang="mr-IN" sz="1400" dirty="0" smtClean="0">
+              <a:rPr lang="mr-IN" sz="1400" dirty="0">
                 <a:solidFill>
                   <a:srgbClr val="B42419"/>
                 </a:solidFill>
@@ -14458,7 +14194,7 @@
               <a:t>'</a:t>
             </a:r>
             <a:r>
-              <a:rPr lang="mr-IN" sz="1400" dirty="0" smtClean="0">
+              <a:rPr lang="mr-IN" sz="1400" dirty="0">
                 <a:solidFill>
                   <a:srgbClr val="000000"/>
                 </a:solidFill>
@@ -14469,7 +14205,7 @@
               <a:t>) + </a:t>
             </a:r>
             <a:r>
-              <a:rPr lang="mr-IN" sz="1400" dirty="0" smtClean="0">
+              <a:rPr lang="mr-IN" sz="1400" dirty="0">
                 <a:solidFill>
                   <a:srgbClr val="B42419"/>
                 </a:solidFill>
@@ -14480,7 +14216,7 @@
               <a:t>"</a:t>
             </a:r>
             <a:r>
-              <a:rPr lang="mr-IN" sz="1400" dirty="0" smtClean="0">
+              <a:rPr lang="mr-IN" sz="1400" dirty="0">
                 <a:solidFill>
                   <a:srgbClr val="C814C9"/>
                 </a:solidFill>
@@ -14491,7 +14227,7 @@
               <a:t>\</a:t>
             </a:r>
             <a:r>
-              <a:rPr lang="mr-IN" sz="1400" dirty="0" err="1" smtClean="0">
+              <a:rPr lang="mr-IN" sz="1400" dirty="0" err="1">
                 <a:solidFill>
                   <a:srgbClr val="C814C9"/>
                 </a:solidFill>
@@ -14502,7 +14238,7 @@
               <a:t>n</a:t>
             </a:r>
             <a:r>
-              <a:rPr lang="mr-IN" sz="1400" dirty="0" smtClean="0">
+              <a:rPr lang="mr-IN" sz="1400" dirty="0">
                 <a:solidFill>
                   <a:srgbClr val="C814C9"/>
                 </a:solidFill>
@@ -14513,7 +14249,7 @@
               <a:t>\</a:t>
             </a:r>
             <a:r>
-              <a:rPr lang="mr-IN" sz="1400" dirty="0" err="1" smtClean="0">
+              <a:rPr lang="mr-IN" sz="1400" dirty="0" err="1">
                 <a:solidFill>
                   <a:srgbClr val="C814C9"/>
                 </a:solidFill>
@@ -14524,7 +14260,7 @@
               <a:t>n</a:t>
             </a:r>
             <a:r>
-              <a:rPr lang="mr-IN" sz="1400" dirty="0" smtClean="0">
+              <a:rPr lang="mr-IN" sz="1400" dirty="0">
                 <a:solidFill>
                   <a:srgbClr val="B42419"/>
                 </a:solidFill>
@@ -14534,7 +14270,7 @@
               </a:rPr>
               <a:t>"</a:t>
             </a:r>
-            <a:endParaRPr lang="mr-IN" sz="1400" dirty="0" smtClean="0">
+            <a:endParaRPr lang="mr-IN" sz="1400" dirty="0">
               <a:solidFill>
                 <a:srgbClr val="000000"/>
               </a:solidFill>
@@ -14545,7 +14281,7 @@
           </a:p>
           <a:p>
             <a:r>
-              <a:rPr lang="en-US" sz="1400" dirty="0" smtClean="0">
+              <a:rPr lang="en-US" sz="1400" dirty="0">
                 <a:solidFill>
                   <a:srgbClr val="000000"/>
                 </a:solidFill>
@@ -14556,7 +14292,7 @@
               <a:t>        </a:t>
             </a:r>
             <a:r>
-              <a:rPr lang="en-US" sz="1400" dirty="0" smtClean="0">
+              <a:rPr lang="en-US" sz="1400" dirty="0">
                 <a:solidFill>
                   <a:srgbClr val="C1651C"/>
                 </a:solidFill>
@@ -14567,7 +14303,7 @@
               <a:t>if</a:t>
             </a:r>
             <a:r>
-              <a:rPr lang="en-US" sz="1400" dirty="0" smtClean="0">
+              <a:rPr lang="en-US" sz="1400" dirty="0">
                 <a:solidFill>
                   <a:srgbClr val="000000"/>
                 </a:solidFill>
@@ -14578,7 +14314,7 @@
               <a:t> </a:t>
             </a:r>
             <a:r>
-              <a:rPr lang="en-US" sz="1400" dirty="0" err="1" smtClean="0">
+              <a:rPr lang="en-US" sz="1400" dirty="0" err="1">
                 <a:solidFill>
                   <a:srgbClr val="000000"/>
                 </a:solidFill>
@@ -14589,7 +14325,7 @@
               <a:t>req.user.is_authenticated</a:t>
             </a:r>
             <a:r>
-              <a:rPr lang="en-US" sz="1400" dirty="0" smtClean="0">
+              <a:rPr lang="en-US" sz="1400" dirty="0">
                 <a:solidFill>
                   <a:srgbClr val="000000"/>
                 </a:solidFill>
@@ -14602,7 +14338,7 @@
           </a:p>
           <a:p>
             <a:r>
-              <a:rPr lang="mr-IN" sz="1400" dirty="0" smtClean="0">
+              <a:rPr lang="mr-IN" sz="1400" dirty="0">
                 <a:solidFill>
                   <a:srgbClr val="000000"/>
                 </a:solidFill>
@@ -14613,7 +14349,7 @@
               <a:t>            </a:t>
             </a:r>
             <a:r>
-              <a:rPr lang="mr-IN" sz="1400" dirty="0" err="1" smtClean="0">
+              <a:rPr lang="mr-IN" sz="1400" dirty="0" err="1">
                 <a:solidFill>
                   <a:srgbClr val="000000"/>
                 </a:solidFill>
@@ -14624,7 +14360,7 @@
               <a:t>resp</a:t>
             </a:r>
             <a:r>
-              <a:rPr lang="mr-IN" sz="1400" dirty="0" smtClean="0">
+              <a:rPr lang="mr-IN" sz="1400" dirty="0">
                 <a:solidFill>
                   <a:srgbClr val="000000"/>
                 </a:solidFill>
@@ -14635,7 +14371,7 @@
               <a:t> += </a:t>
             </a:r>
             <a:r>
-              <a:rPr lang="mr-IN" sz="1400" dirty="0" smtClean="0">
+              <a:rPr lang="mr-IN" sz="1400" dirty="0">
                 <a:solidFill>
                   <a:srgbClr val="B42419"/>
                 </a:solidFill>
@@ -14646,7 +14382,7 @@
               <a:t>"</a:t>
             </a:r>
             <a:r>
-              <a:rPr lang="mr-IN" sz="1400" dirty="0" err="1" smtClean="0">
+              <a:rPr lang="mr-IN" sz="1400" dirty="0" err="1">
                 <a:solidFill>
                   <a:srgbClr val="B42419"/>
                 </a:solidFill>
@@ -14657,7 +14393,7 @@
               <a:t>User</a:t>
             </a:r>
             <a:r>
-              <a:rPr lang="mr-IN" sz="1400" dirty="0" smtClean="0">
+              <a:rPr lang="mr-IN" sz="1400" dirty="0">
                 <a:solidFill>
                   <a:srgbClr val="B42419"/>
                 </a:solidFill>
@@ -14668,7 +14404,7 @@
               <a:t>: "</a:t>
             </a:r>
             <a:r>
-              <a:rPr lang="mr-IN" sz="1400" dirty="0" smtClean="0">
+              <a:rPr lang="mr-IN" sz="1400" dirty="0">
                 <a:solidFill>
                   <a:srgbClr val="000000"/>
                 </a:solidFill>
@@ -14679,7 +14415,7 @@
               <a:t> + </a:t>
             </a:r>
             <a:r>
-              <a:rPr lang="mr-IN" sz="1400" dirty="0" err="1" smtClean="0">
+              <a:rPr lang="mr-IN" sz="1400" dirty="0" err="1">
                 <a:solidFill>
                   <a:srgbClr val="000000"/>
                 </a:solidFill>
@@ -14690,7 +14426,7 @@
               <a:t>req.user.username</a:t>
             </a:r>
             <a:r>
-              <a:rPr lang="mr-IN" sz="1400" dirty="0" smtClean="0">
+              <a:rPr lang="mr-IN" sz="1400" dirty="0">
                 <a:solidFill>
                   <a:srgbClr val="000000"/>
                 </a:solidFill>
@@ -14701,7 +14437,7 @@
               <a:t> + </a:t>
             </a:r>
             <a:r>
-              <a:rPr lang="mr-IN" sz="1400" dirty="0" smtClean="0">
+              <a:rPr lang="mr-IN" sz="1400" dirty="0">
                 <a:solidFill>
                   <a:srgbClr val="B42419"/>
                 </a:solidFill>
@@ -14712,7 +14448,7 @@
               <a:t>"</a:t>
             </a:r>
             <a:r>
-              <a:rPr lang="mr-IN" sz="1400" dirty="0" smtClean="0">
+              <a:rPr lang="mr-IN" sz="1400" dirty="0">
                 <a:solidFill>
                   <a:srgbClr val="C814C9"/>
                 </a:solidFill>
@@ -14723,7 +14459,7 @@
               <a:t>\</a:t>
             </a:r>
             <a:r>
-              <a:rPr lang="mr-IN" sz="1400" dirty="0" err="1" smtClean="0">
+              <a:rPr lang="mr-IN" sz="1400" dirty="0" err="1">
                 <a:solidFill>
                   <a:srgbClr val="C814C9"/>
                 </a:solidFill>
@@ -14734,7 +14470,7 @@
               <a:t>n</a:t>
             </a:r>
             <a:r>
-              <a:rPr lang="mr-IN" sz="1400" dirty="0" smtClean="0">
+              <a:rPr lang="mr-IN" sz="1400" dirty="0">
                 <a:solidFill>
                   <a:srgbClr val="B42419"/>
                 </a:solidFill>
@@ -14744,7 +14480,7 @@
               </a:rPr>
               <a:t>"</a:t>
             </a:r>
-            <a:endParaRPr lang="mr-IN" sz="1400" dirty="0" smtClean="0">
+            <a:endParaRPr lang="mr-IN" sz="1400" dirty="0">
               <a:solidFill>
                 <a:srgbClr val="000000"/>
               </a:solidFill>
@@ -14755,7 +14491,7 @@
           </a:p>
           <a:p>
             <a:r>
-              <a:rPr lang="mr-IN" sz="1400" dirty="0" smtClean="0">
+              <a:rPr lang="mr-IN" sz="1400" dirty="0">
                 <a:solidFill>
                   <a:srgbClr val="000000"/>
                 </a:solidFill>
@@ -14766,7 +14502,7 @@
               <a:t>            </a:t>
             </a:r>
             <a:r>
-              <a:rPr lang="mr-IN" sz="1400" dirty="0" err="1" smtClean="0">
+              <a:rPr lang="mr-IN" sz="1400" dirty="0" err="1">
                 <a:solidFill>
                   <a:srgbClr val="000000"/>
                 </a:solidFill>
@@ -14777,7 +14513,7 @@
               <a:t>resp</a:t>
             </a:r>
             <a:r>
-              <a:rPr lang="mr-IN" sz="1400" dirty="0" smtClean="0">
+              <a:rPr lang="mr-IN" sz="1400" dirty="0">
                 <a:solidFill>
                   <a:srgbClr val="000000"/>
                 </a:solidFill>
@@ -14788,7 +14524,7 @@
               <a:t> += </a:t>
             </a:r>
             <a:r>
-              <a:rPr lang="mr-IN" sz="1400" dirty="0" smtClean="0">
+              <a:rPr lang="mr-IN" sz="1400" dirty="0">
                 <a:solidFill>
                   <a:srgbClr val="B42419"/>
                 </a:solidFill>
@@ -14799,7 +14535,7 @@
               <a:t>"</a:t>
             </a:r>
             <a:r>
-              <a:rPr lang="mr-IN" sz="1400" dirty="0" err="1" smtClean="0">
+              <a:rPr lang="mr-IN" sz="1400" dirty="0" err="1">
                 <a:solidFill>
                   <a:srgbClr val="B42419"/>
                 </a:solidFill>
@@ -14810,7 +14546,7 @@
               <a:t>Email</a:t>
             </a:r>
             <a:r>
-              <a:rPr lang="mr-IN" sz="1400" dirty="0" smtClean="0">
+              <a:rPr lang="mr-IN" sz="1400" dirty="0">
                 <a:solidFill>
                   <a:srgbClr val="B42419"/>
                 </a:solidFill>
@@ -14821,7 +14557,7 @@
               <a:t>: "</a:t>
             </a:r>
             <a:r>
-              <a:rPr lang="mr-IN" sz="1400" dirty="0" smtClean="0">
+              <a:rPr lang="mr-IN" sz="1400" dirty="0">
                 <a:solidFill>
                   <a:srgbClr val="000000"/>
                 </a:solidFill>
@@ -14832,7 +14568,7 @@
               <a:t> + </a:t>
             </a:r>
             <a:r>
-              <a:rPr lang="mr-IN" sz="1400" dirty="0" err="1" smtClean="0">
+              <a:rPr lang="mr-IN" sz="1400" dirty="0" err="1">
                 <a:solidFill>
                   <a:srgbClr val="000000"/>
                 </a:solidFill>
@@ -14843,7 +14579,7 @@
               <a:t>req.user.email</a:t>
             </a:r>
             <a:r>
-              <a:rPr lang="mr-IN" sz="1400" dirty="0" smtClean="0">
+              <a:rPr lang="mr-IN" sz="1400" dirty="0">
                 <a:solidFill>
                   <a:srgbClr val="000000"/>
                 </a:solidFill>
@@ -14854,7 +14590,7 @@
               <a:t> + </a:t>
             </a:r>
             <a:r>
-              <a:rPr lang="mr-IN" sz="1400" dirty="0" smtClean="0">
+              <a:rPr lang="mr-IN" sz="1400" dirty="0">
                 <a:solidFill>
                   <a:srgbClr val="B42419"/>
                 </a:solidFill>
@@ -14865,7 +14601,7 @@
               <a:t>"</a:t>
             </a:r>
             <a:r>
-              <a:rPr lang="mr-IN" sz="1400" dirty="0" smtClean="0">
+              <a:rPr lang="mr-IN" sz="1400" dirty="0">
                 <a:solidFill>
                   <a:srgbClr val="C814C9"/>
                 </a:solidFill>
@@ -14876,7 +14612,7 @@
               <a:t>\</a:t>
             </a:r>
             <a:r>
-              <a:rPr lang="mr-IN" sz="1400" dirty="0" err="1" smtClean="0">
+              <a:rPr lang="mr-IN" sz="1400" dirty="0" err="1">
                 <a:solidFill>
                   <a:srgbClr val="C814C9"/>
                 </a:solidFill>
@@ -14887,7 +14623,7 @@
               <a:t>n</a:t>
             </a:r>
             <a:r>
-              <a:rPr lang="mr-IN" sz="1400" dirty="0" smtClean="0">
+              <a:rPr lang="mr-IN" sz="1400" dirty="0">
                 <a:solidFill>
                   <a:srgbClr val="B42419"/>
                 </a:solidFill>
@@ -14897,7 +14633,7 @@
               </a:rPr>
               <a:t>"</a:t>
             </a:r>
-            <a:endParaRPr lang="mr-IN" sz="1400" dirty="0" smtClean="0">
+            <a:endParaRPr lang="mr-IN" sz="1400" dirty="0">
               <a:solidFill>
                 <a:srgbClr val="000000"/>
               </a:solidFill>
@@ -14908,7 +14644,7 @@
           </a:p>
           <a:p>
             <a:r>
-              <a:rPr lang="mr-IN" sz="1400" dirty="0" smtClean="0">
+              <a:rPr lang="mr-IN" sz="1400" dirty="0">
                 <a:solidFill>
                   <a:srgbClr val="000000"/>
                 </a:solidFill>
@@ -14919,7 +14655,7 @@
               <a:t>        </a:t>
             </a:r>
             <a:r>
-              <a:rPr lang="mr-IN" sz="1400" dirty="0" err="1" smtClean="0">
+              <a:rPr lang="mr-IN" sz="1400" dirty="0" err="1">
                 <a:solidFill>
                   <a:srgbClr val="C1651C"/>
                 </a:solidFill>
@@ -14930,7 +14666,7 @@
               <a:t>else</a:t>
             </a:r>
             <a:r>
-              <a:rPr lang="mr-IN" sz="1400" dirty="0" smtClean="0">
+              <a:rPr lang="mr-IN" sz="1400" dirty="0">
                 <a:solidFill>
                   <a:srgbClr val="000000"/>
                 </a:solidFill>
@@ -14943,7 +14679,7 @@
           </a:p>
           <a:p>
             <a:r>
-              <a:rPr lang="mr-IN" sz="1400" dirty="0" smtClean="0">
+              <a:rPr lang="mr-IN" sz="1400" dirty="0">
                 <a:solidFill>
                   <a:srgbClr val="000000"/>
                 </a:solidFill>
@@ -14954,7 +14690,7 @@
               <a:t>            </a:t>
             </a:r>
             <a:r>
-              <a:rPr lang="mr-IN" sz="1400" dirty="0" err="1" smtClean="0">
+              <a:rPr lang="mr-IN" sz="1400" dirty="0" err="1">
                 <a:solidFill>
                   <a:srgbClr val="000000"/>
                 </a:solidFill>
@@ -14965,7 +14701,7 @@
               <a:t>resp</a:t>
             </a:r>
             <a:r>
-              <a:rPr lang="mr-IN" sz="1400" dirty="0" smtClean="0">
+              <a:rPr lang="mr-IN" sz="1400" dirty="0">
                 <a:solidFill>
                   <a:srgbClr val="000000"/>
                 </a:solidFill>
@@ -14976,7 +14712,7 @@
               <a:t> += </a:t>
             </a:r>
             <a:r>
-              <a:rPr lang="mr-IN" sz="1400" dirty="0" smtClean="0">
+              <a:rPr lang="mr-IN" sz="1400" dirty="0">
                 <a:solidFill>
                   <a:srgbClr val="B42419"/>
                 </a:solidFill>
@@ -14987,7 +14723,7 @@
               <a:t>"</a:t>
             </a:r>
             <a:r>
-              <a:rPr lang="mr-IN" sz="1400" dirty="0" err="1" smtClean="0">
+              <a:rPr lang="mr-IN" sz="1400" dirty="0" err="1">
                 <a:solidFill>
                   <a:srgbClr val="B42419"/>
                 </a:solidFill>
@@ -14998,7 +14734,7 @@
               <a:t>User</a:t>
             </a:r>
             <a:r>
-              <a:rPr lang="mr-IN" sz="1400" dirty="0" smtClean="0">
+              <a:rPr lang="mr-IN" sz="1400" dirty="0">
                 <a:solidFill>
                   <a:srgbClr val="B42419"/>
                 </a:solidFill>
@@ -15009,7 +14745,7 @@
               <a:t> </a:t>
             </a:r>
             <a:r>
-              <a:rPr lang="mr-IN" sz="1400" dirty="0" err="1" smtClean="0">
+              <a:rPr lang="mr-IN" sz="1400" dirty="0" err="1">
                 <a:solidFill>
                   <a:srgbClr val="B42419"/>
                 </a:solidFill>
@@ -15020,7 +14756,7 @@
               <a:t>is</a:t>
             </a:r>
             <a:r>
-              <a:rPr lang="mr-IN" sz="1400" dirty="0" smtClean="0">
+              <a:rPr lang="mr-IN" sz="1400" dirty="0">
                 <a:solidFill>
                   <a:srgbClr val="B42419"/>
                 </a:solidFill>
@@ -15031,7 +14767,7 @@
               <a:t> </a:t>
             </a:r>
             <a:r>
-              <a:rPr lang="mr-IN" sz="1400" dirty="0" err="1" smtClean="0">
+              <a:rPr lang="mr-IN" sz="1400" dirty="0" err="1">
                 <a:solidFill>
                   <a:srgbClr val="B42419"/>
                 </a:solidFill>
@@ -15042,7 +14778,7 @@
               <a:t>not</a:t>
             </a:r>
             <a:r>
-              <a:rPr lang="mr-IN" sz="1400" dirty="0" smtClean="0">
+              <a:rPr lang="mr-IN" sz="1400" dirty="0">
                 <a:solidFill>
                   <a:srgbClr val="B42419"/>
                 </a:solidFill>
@@ -15053,7 +14789,7 @@
               <a:t> </a:t>
             </a:r>
             <a:r>
-              <a:rPr lang="mr-IN" sz="1400" dirty="0" err="1" smtClean="0">
+              <a:rPr lang="mr-IN" sz="1400" dirty="0" err="1">
                 <a:solidFill>
                   <a:srgbClr val="B42419"/>
                 </a:solidFill>
@@ -15064,7 +14800,7 @@
               <a:t>logged</a:t>
             </a:r>
             <a:r>
-              <a:rPr lang="mr-IN" sz="1400" dirty="0" smtClean="0">
+              <a:rPr lang="mr-IN" sz="1400" dirty="0">
                 <a:solidFill>
                   <a:srgbClr val="B42419"/>
                 </a:solidFill>
@@ -15075,7 +14811,7 @@
               <a:t> </a:t>
             </a:r>
             <a:r>
-              <a:rPr lang="mr-IN" sz="1400" dirty="0" err="1" smtClean="0">
+              <a:rPr lang="mr-IN" sz="1400" dirty="0" err="1">
                 <a:solidFill>
                   <a:srgbClr val="B42419"/>
                 </a:solidFill>
@@ -15086,7 +14822,7 @@
               <a:t>in</a:t>
             </a:r>
             <a:r>
-              <a:rPr lang="mr-IN" sz="1400" dirty="0" smtClean="0">
+              <a:rPr lang="mr-IN" sz="1400" dirty="0">
                 <a:solidFill>
                   <a:srgbClr val="C814C9"/>
                 </a:solidFill>
@@ -15097,7 +14833,7 @@
               <a:t>\</a:t>
             </a:r>
             <a:r>
-              <a:rPr lang="mr-IN" sz="1400" dirty="0" err="1" smtClean="0">
+              <a:rPr lang="mr-IN" sz="1400" dirty="0" err="1">
                 <a:solidFill>
                   <a:srgbClr val="C814C9"/>
                 </a:solidFill>
@@ -15108,7 +14844,7 @@
               <a:t>n</a:t>
             </a:r>
             <a:r>
-              <a:rPr lang="mr-IN" sz="1400" dirty="0" smtClean="0">
+              <a:rPr lang="mr-IN" sz="1400" dirty="0">
                 <a:solidFill>
                   <a:srgbClr val="B42419"/>
                 </a:solidFill>
@@ -15118,7 +14854,7 @@
               </a:rPr>
               <a:t>"</a:t>
             </a:r>
-            <a:endParaRPr lang="mr-IN" sz="1400" dirty="0" smtClean="0">
+            <a:endParaRPr lang="mr-IN" sz="1400" dirty="0">
               <a:solidFill>
                 <a:srgbClr val="000000"/>
               </a:solidFill>
@@ -15128,7 +14864,7 @@
             </a:endParaRPr>
           </a:p>
           <a:p>
-            <a:endParaRPr lang="mr-IN" sz="1400" dirty="0" smtClean="0">
+            <a:endParaRPr lang="mr-IN" sz="1400" dirty="0">
               <a:solidFill>
                 <a:srgbClr val="000000"/>
               </a:solidFill>
@@ -15139,7 +14875,7 @@
           </a:p>
           <a:p>
             <a:r>
-              <a:rPr lang="mr-IN" sz="1400" dirty="0" smtClean="0">
+              <a:rPr lang="mr-IN" sz="1400" dirty="0">
                 <a:solidFill>
                   <a:srgbClr val="000000"/>
                 </a:solidFill>
@@ -15150,7 +14886,7 @@
               <a:t>        </a:t>
             </a:r>
             <a:r>
-              <a:rPr lang="mr-IN" sz="1400" dirty="0" err="1" smtClean="0">
+              <a:rPr lang="mr-IN" sz="1400" dirty="0" err="1">
                 <a:solidFill>
                   <a:srgbClr val="000000"/>
                 </a:solidFill>
@@ -15161,7 +14897,7 @@
               <a:t>resp</a:t>
             </a:r>
             <a:r>
-              <a:rPr lang="mr-IN" sz="1400" dirty="0" smtClean="0">
+              <a:rPr lang="mr-IN" sz="1400" dirty="0">
                 <a:solidFill>
                   <a:srgbClr val="000000"/>
                 </a:solidFill>
@@ -15172,7 +14908,7 @@
               <a:t> += </a:t>
             </a:r>
             <a:r>
-              <a:rPr lang="mr-IN" sz="1400" dirty="0" smtClean="0">
+              <a:rPr lang="mr-IN" sz="1400" dirty="0">
                 <a:solidFill>
                   <a:srgbClr val="B42419"/>
                 </a:solidFill>
@@ -15183,7 +14919,7 @@
               <a:t>"</a:t>
             </a:r>
             <a:r>
-              <a:rPr lang="mr-IN" sz="1400" dirty="0" smtClean="0">
+              <a:rPr lang="mr-IN" sz="1400" dirty="0">
                 <a:solidFill>
                   <a:srgbClr val="C814C9"/>
                 </a:solidFill>
@@ -15194,7 +14930,7 @@
               <a:t>\</a:t>
             </a:r>
             <a:r>
-              <a:rPr lang="mr-IN" sz="1400" dirty="0" err="1" smtClean="0">
+              <a:rPr lang="mr-IN" sz="1400" dirty="0" err="1">
                 <a:solidFill>
                   <a:srgbClr val="C814C9"/>
                 </a:solidFill>
@@ -15205,7 +14941,7 @@
               <a:t>n</a:t>
             </a:r>
             <a:r>
-              <a:rPr lang="mr-IN" sz="1400" dirty="0" smtClean="0">
+              <a:rPr lang="mr-IN" sz="1400" dirty="0">
                 <a:solidFill>
                   <a:srgbClr val="B42419"/>
                 </a:solidFill>
@@ -15215,7 +14951,7 @@
               </a:rPr>
               <a:t>"</a:t>
             </a:r>
-            <a:endParaRPr lang="mr-IN" sz="1400" dirty="0" smtClean="0">
+            <a:endParaRPr lang="mr-IN" sz="1400" dirty="0">
               <a:solidFill>
                 <a:srgbClr val="000000"/>
               </a:solidFill>
@@ -15226,7 +14962,7 @@
           </a:p>
           <a:p>
             <a:r>
-              <a:rPr lang="mr-IN" sz="1400" dirty="0" smtClean="0">
+              <a:rPr lang="mr-IN" sz="1400" dirty="0">
                 <a:solidFill>
                   <a:srgbClr val="000000"/>
                 </a:solidFill>
@@ -15237,7 +14973,7 @@
               <a:t>        </a:t>
             </a:r>
             <a:r>
-              <a:rPr lang="mr-IN" sz="1400" dirty="0" err="1" smtClean="0">
+              <a:rPr lang="mr-IN" sz="1400" dirty="0" err="1">
                 <a:solidFill>
                   <a:srgbClr val="000000"/>
                 </a:solidFill>
@@ -15248,7 +14984,7 @@
               <a:t>resp</a:t>
             </a:r>
             <a:r>
-              <a:rPr lang="mr-IN" sz="1400" dirty="0" smtClean="0">
+              <a:rPr lang="mr-IN" sz="1400" dirty="0">
                 <a:solidFill>
                   <a:srgbClr val="000000"/>
                 </a:solidFill>
@@ -15259,7 +14995,7 @@
               <a:t> += </a:t>
             </a:r>
             <a:r>
-              <a:rPr lang="mr-IN" sz="1400" dirty="0" smtClean="0">
+              <a:rPr lang="mr-IN" sz="1400" dirty="0">
                 <a:solidFill>
                   <a:srgbClr val="B42419"/>
                 </a:solidFill>
@@ -15270,7 +15006,7 @@
               <a:t>"&lt;/</a:t>
             </a:r>
             <a:r>
-              <a:rPr lang="mr-IN" sz="1400" dirty="0" err="1" smtClean="0">
+              <a:rPr lang="mr-IN" sz="1400" dirty="0" err="1">
                 <a:solidFill>
                   <a:srgbClr val="B42419"/>
                 </a:solidFill>
@@ -15281,7 +15017,7 @@
               <a:t>pre</a:t>
             </a:r>
             <a:r>
-              <a:rPr lang="mr-IN" sz="1400" dirty="0" smtClean="0">
+              <a:rPr lang="mr-IN" sz="1400" dirty="0">
                 <a:solidFill>
                   <a:srgbClr val="B42419"/>
                 </a:solidFill>
@@ -15292,7 +15028,7 @@
               <a:t>&gt;</a:t>
             </a:r>
             <a:r>
-              <a:rPr lang="mr-IN" sz="1400" dirty="0" smtClean="0">
+              <a:rPr lang="mr-IN" sz="1400" dirty="0">
                 <a:solidFill>
                   <a:srgbClr val="C814C9"/>
                 </a:solidFill>
@@ -15303,7 +15039,7 @@
               <a:t>\</a:t>
             </a:r>
             <a:r>
-              <a:rPr lang="mr-IN" sz="1400" dirty="0" err="1" smtClean="0">
+              <a:rPr lang="mr-IN" sz="1400" dirty="0" err="1">
                 <a:solidFill>
                   <a:srgbClr val="C814C9"/>
                 </a:solidFill>
@@ -15314,7 +15050,7 @@
               <a:t>n</a:t>
             </a:r>
             <a:r>
-              <a:rPr lang="mr-IN" sz="1400" dirty="0" smtClean="0">
+              <a:rPr lang="mr-IN" sz="1400" dirty="0">
                 <a:solidFill>
                   <a:srgbClr val="B42419"/>
                 </a:solidFill>
@@ -15324,7 +15060,7 @@
               </a:rPr>
               <a:t>"</a:t>
             </a:r>
-            <a:endParaRPr lang="mr-IN" sz="1400" dirty="0" smtClean="0">
+            <a:endParaRPr lang="mr-IN" sz="1400" dirty="0">
               <a:solidFill>
                 <a:srgbClr val="000000"/>
               </a:solidFill>
@@ -15335,7 +15071,7 @@
           </a:p>
           <a:p>
             <a:r>
-              <a:rPr lang="mr-IN" sz="1400" dirty="0" smtClean="0">
+              <a:rPr lang="mr-IN" sz="1400" dirty="0">
                 <a:solidFill>
                   <a:srgbClr val="000000"/>
                 </a:solidFill>
@@ -15346,7 +15082,7 @@
               <a:t>        </a:t>
             </a:r>
             <a:r>
-              <a:rPr lang="mr-IN" sz="1400" dirty="0" err="1" smtClean="0">
+              <a:rPr lang="mr-IN" sz="1400" dirty="0" err="1">
                 <a:solidFill>
                   <a:srgbClr val="000000"/>
                 </a:solidFill>
@@ -15357,7 +15093,7 @@
               <a:t>resp</a:t>
             </a:r>
             <a:r>
-              <a:rPr lang="mr-IN" sz="1400" dirty="0" smtClean="0">
+              <a:rPr lang="mr-IN" sz="1400" dirty="0">
                 <a:solidFill>
                   <a:srgbClr val="000000"/>
                 </a:solidFill>
@@ -15368,7 +15104,7 @@
               <a:t> += </a:t>
             </a:r>
             <a:r>
-              <a:rPr lang="mr-IN" sz="1400" dirty="0" smtClean="0">
+              <a:rPr lang="mr-IN" sz="1400" dirty="0">
                 <a:solidFill>
                   <a:srgbClr val="B42419"/>
                 </a:solidFill>
@@ -15379,7 +15115,7 @@
               <a:t>"""&lt;</a:t>
             </a:r>
             <a:r>
-              <a:rPr lang="mr-IN" sz="1400" dirty="0" err="1" smtClean="0">
+              <a:rPr lang="mr-IN" sz="1400" dirty="0" err="1">
                 <a:solidFill>
                   <a:srgbClr val="B42419"/>
                 </a:solidFill>
@@ -15390,7 +15126,7 @@
               <a:t>a</a:t>
             </a:r>
             <a:r>
-              <a:rPr lang="mr-IN" sz="1400" dirty="0" smtClean="0">
+              <a:rPr lang="mr-IN" sz="1400" dirty="0">
                 <a:solidFill>
                   <a:srgbClr val="B42419"/>
                 </a:solidFill>
@@ -15401,7 +15137,7 @@
               <a:t> </a:t>
             </a:r>
             <a:r>
-              <a:rPr lang="mr-IN" sz="1400" dirty="0" err="1" smtClean="0">
+              <a:rPr lang="mr-IN" sz="1400" dirty="0" err="1">
                 <a:solidFill>
                   <a:srgbClr val="B42419"/>
                 </a:solidFill>
@@ -15412,7 +15148,7 @@
               <a:t>href</a:t>
             </a:r>
             <a:r>
-              <a:rPr lang="mr-IN" sz="1400" dirty="0" smtClean="0">
+              <a:rPr lang="mr-IN" sz="1400" dirty="0">
                 <a:solidFill>
                   <a:srgbClr val="B42419"/>
                 </a:solidFill>
@@ -15423,7 +15159,7 @@
               <a:t>="/</a:t>
             </a:r>
             <a:r>
-              <a:rPr lang="mr-IN" sz="1400" dirty="0" err="1" smtClean="0">
+              <a:rPr lang="mr-IN" sz="1400" dirty="0" err="1">
                 <a:solidFill>
                   <a:srgbClr val="B42419"/>
                 </a:solidFill>
@@ -15434,7 +15170,7 @@
               <a:t>authz</a:t>
             </a:r>
             <a:r>
-              <a:rPr lang="mr-IN" sz="1400" dirty="0" smtClean="0">
+              <a:rPr lang="mr-IN" sz="1400" dirty="0">
                 <a:solidFill>
                   <a:srgbClr val="B42419"/>
                 </a:solidFill>
@@ -15445,7 +15181,7 @@
               <a:t>"&gt;</a:t>
             </a:r>
             <a:r>
-              <a:rPr lang="mr-IN" sz="1400" dirty="0" err="1" smtClean="0">
+              <a:rPr lang="mr-IN" sz="1400" dirty="0" err="1">
                 <a:solidFill>
                   <a:srgbClr val="B42419"/>
                 </a:solidFill>
@@ -15456,7 +15192,7 @@
               <a:t>Go</a:t>
             </a:r>
             <a:r>
-              <a:rPr lang="mr-IN" sz="1400" dirty="0" smtClean="0">
+              <a:rPr lang="mr-IN" sz="1400" dirty="0">
                 <a:solidFill>
                   <a:srgbClr val="B42419"/>
                 </a:solidFill>
@@ -15467,7 +15203,7 @@
               <a:t> </a:t>
             </a:r>
             <a:r>
-              <a:rPr lang="mr-IN" sz="1400" dirty="0" err="1" smtClean="0">
+              <a:rPr lang="mr-IN" sz="1400" dirty="0" err="1">
                 <a:solidFill>
                   <a:srgbClr val="B42419"/>
                 </a:solidFill>
@@ -15478,7 +15214,7 @@
               <a:t>back</a:t>
             </a:r>
             <a:r>
-              <a:rPr lang="mr-IN" sz="1400" dirty="0" smtClean="0">
+              <a:rPr lang="mr-IN" sz="1400" dirty="0">
                 <a:solidFill>
                   <a:srgbClr val="B42419"/>
                 </a:solidFill>
@@ -15489,7 +15225,7 @@
               <a:t>&lt;/</a:t>
             </a:r>
             <a:r>
-              <a:rPr lang="mr-IN" sz="1400" dirty="0" err="1" smtClean="0">
+              <a:rPr lang="mr-IN" sz="1400" dirty="0" err="1">
                 <a:solidFill>
                   <a:srgbClr val="B42419"/>
                 </a:solidFill>
@@ -15500,7 +15236,7 @@
               <a:t>a</a:t>
             </a:r>
             <a:r>
-              <a:rPr lang="mr-IN" sz="1400" dirty="0" smtClean="0">
+              <a:rPr lang="mr-IN" sz="1400" dirty="0">
                 <a:solidFill>
                   <a:srgbClr val="B42419"/>
                 </a:solidFill>
@@ -15510,7 +15246,7 @@
               </a:rPr>
               <a:t>&gt;"""</a:t>
             </a:r>
-            <a:endParaRPr lang="mr-IN" sz="1400" dirty="0" smtClean="0">
+            <a:endParaRPr lang="mr-IN" sz="1400" dirty="0">
               <a:solidFill>
                 <a:srgbClr val="000000"/>
               </a:solidFill>
@@ -15521,7 +15257,7 @@
           </a:p>
           <a:p>
             <a:r>
-              <a:rPr lang="en-US" sz="1400" dirty="0" smtClean="0">
+              <a:rPr lang="en-US" sz="1400" dirty="0">
                 <a:solidFill>
                   <a:srgbClr val="000000"/>
                 </a:solidFill>
@@ -15532,7 +15268,7 @@
               <a:t>        </a:t>
             </a:r>
             <a:r>
-              <a:rPr lang="en-US" sz="1400" dirty="0" smtClean="0">
+              <a:rPr lang="en-US" sz="1400" dirty="0">
                 <a:solidFill>
                   <a:srgbClr val="C1651C"/>
                 </a:solidFill>
@@ -15543,7 +15279,7 @@
               <a:t>return</a:t>
             </a:r>
             <a:r>
-              <a:rPr lang="en-US" sz="1400" dirty="0" smtClean="0">
+              <a:rPr lang="en-US" sz="1400" dirty="0">
                 <a:solidFill>
                   <a:srgbClr val="000000"/>
                 </a:solidFill>
@@ -15554,7 +15290,7 @@
               <a:t> </a:t>
             </a:r>
             <a:r>
-              <a:rPr lang="en-US" sz="1400" dirty="0" err="1" smtClean="0">
+              <a:rPr lang="en-US" sz="1400" dirty="0" err="1">
                 <a:solidFill>
                   <a:srgbClr val="000000"/>
                 </a:solidFill>
@@ -15565,7 +15301,7 @@
               <a:t>HttpResponse</a:t>
             </a:r>
             <a:r>
-              <a:rPr lang="en-US" sz="1400" dirty="0" smtClean="0">
+              <a:rPr lang="en-US" sz="1400" dirty="0">
                 <a:solidFill>
                   <a:srgbClr val="000000"/>
                 </a:solidFill>
@@ -15576,7 +15312,7 @@
               <a:t>(</a:t>
             </a:r>
             <a:r>
-              <a:rPr lang="en-US" sz="1400" dirty="0" err="1" smtClean="0">
+              <a:rPr lang="en-US" sz="1400" dirty="0" err="1">
                 <a:solidFill>
                   <a:srgbClr val="000000"/>
                 </a:solidFill>
@@ -15587,7 +15323,7 @@
               <a:t>resp</a:t>
             </a:r>
             <a:r>
-              <a:rPr lang="en-US" sz="1400" dirty="0" smtClean="0">
+              <a:rPr lang="en-US" sz="1400" dirty="0">
                 <a:solidFill>
                   <a:srgbClr val="000000"/>
                 </a:solidFill>
@@ -15632,7 +15368,7 @@
           <a:lstStyle/>
           <a:p>
             <a:r>
-              <a:rPr lang="en-US" dirty="0" smtClean="0">
+              <a:rPr lang="en-US" dirty="0">
                 <a:solidFill>
                   <a:schemeClr val="bg1"/>
                 </a:solidFill>
@@ -15642,7 +15378,7 @@
             </a:r>
           </a:p>
           <a:p>
-            <a:endParaRPr lang="en-US" dirty="0" smtClean="0">
+            <a:endParaRPr lang="en-US" dirty="0">
               <a:solidFill>
                 <a:schemeClr val="bg1"/>
               </a:solidFill>
@@ -15651,7 +15387,7 @@
           </a:p>
           <a:p>
             <a:r>
-              <a:rPr lang="en-US" dirty="0" smtClean="0">
+              <a:rPr lang="en-US" dirty="0">
                 <a:solidFill>
                   <a:schemeClr val="bg1"/>
                 </a:solidFill>
@@ -15660,7 +15396,7 @@
               <a:t>Login </a:t>
             </a:r>
             <a:r>
-              <a:rPr lang="en-US" dirty="0" err="1" smtClean="0">
+              <a:rPr lang="en-US" dirty="0" err="1">
                 <a:solidFill>
                   <a:schemeClr val="bg1"/>
                 </a:solidFill>
@@ -15669,7 +15405,7 @@
               <a:t>url</a:t>
             </a:r>
             <a:r>
-              <a:rPr lang="en-US" dirty="0" smtClean="0">
+              <a:rPr lang="en-US" dirty="0">
                 <a:solidFill>
                   <a:schemeClr val="bg1"/>
                 </a:solidFill>
@@ -15680,7 +15416,7 @@
           </a:p>
           <a:p>
             <a:r>
-              <a:rPr lang="en-US" dirty="0" smtClean="0">
+              <a:rPr lang="en-US" dirty="0">
                 <a:solidFill>
                   <a:schemeClr val="bg1"/>
                 </a:solidFill>
@@ -15689,7 +15425,7 @@
               <a:t>Logout </a:t>
             </a:r>
             <a:r>
-              <a:rPr lang="en-US" dirty="0" err="1" smtClean="0">
+              <a:rPr lang="en-US" dirty="0" err="1">
                 <a:solidFill>
                   <a:schemeClr val="bg1"/>
                 </a:solidFill>
@@ -15698,7 +15434,7 @@
               <a:t>url</a:t>
             </a:r>
             <a:r>
-              <a:rPr lang="en-US" dirty="0" smtClean="0">
+              <a:rPr lang="en-US" dirty="0">
                 <a:solidFill>
                   <a:schemeClr val="bg1"/>
                 </a:solidFill>
@@ -15708,7 +15444,7 @@
             </a:r>
           </a:p>
           <a:p>
-            <a:endParaRPr lang="en-US" dirty="0" smtClean="0">
+            <a:endParaRPr lang="en-US" dirty="0">
               <a:solidFill>
                 <a:schemeClr val="bg1"/>
               </a:solidFill>
@@ -15717,7 +15453,7 @@
           </a:p>
           <a:p>
             <a:r>
-              <a:rPr lang="en-US" dirty="0" smtClean="0">
+              <a:rPr lang="en-US" dirty="0">
                 <a:solidFill>
                   <a:schemeClr val="bg1"/>
                 </a:solidFill>
@@ -15728,7 +15464,7 @@
           </a:p>
           <a:p>
             <a:r>
-              <a:rPr lang="en-US" dirty="0" smtClean="0">
+              <a:rPr lang="en-US" dirty="0">
                 <a:solidFill>
                   <a:schemeClr val="bg1"/>
                 </a:solidFill>
@@ -15737,7 +15473,7 @@
               <a:t>Email: </a:t>
             </a:r>
             <a:r>
-              <a:rPr lang="en-US" dirty="0" err="1" smtClean="0">
+              <a:rPr lang="en-US" dirty="0" err="1">
                 <a:solidFill>
                   <a:schemeClr val="bg1"/>
                 </a:solidFill>
@@ -15776,7 +15512,7 @@
           <a:lstStyle/>
           <a:p>
             <a:r>
-              <a:rPr lang="en-US" dirty="0" smtClean="0">
+              <a:rPr lang="en-US" dirty="0">
                 <a:solidFill>
                   <a:srgbClr val="FFFF00"/>
                 </a:solidFill>
@@ -15787,7 +15523,7 @@
               <a:t>dj4e-samples/</a:t>
             </a:r>
             <a:r>
-              <a:rPr lang="en-US" dirty="0" err="1" smtClean="0">
+              <a:rPr lang="en-US" dirty="0" err="1">
                 <a:solidFill>
                   <a:srgbClr val="FFFF00"/>
                 </a:solidFill>
@@ -15798,7 +15534,7 @@
               <a:t>authz</a:t>
             </a:r>
             <a:r>
-              <a:rPr lang="en-US" dirty="0" smtClean="0">
+              <a:rPr lang="en-US" dirty="0">
                 <a:solidFill>
                   <a:srgbClr val="FFFF00"/>
                 </a:solidFill>
@@ -15809,7 +15545,7 @@
               <a:t>/</a:t>
             </a:r>
             <a:r>
-              <a:rPr lang="en-US" dirty="0" err="1" smtClean="0">
+              <a:rPr lang="en-US" dirty="0" err="1">
                 <a:solidFill>
                   <a:srgbClr val="FFFF00"/>
                 </a:solidFill>
@@ -15898,13 +15634,6 @@
   <p:clrMapOvr>
     <a:masterClrMapping/>
   </p:clrMapOvr>
-  <p:timing>
-    <p:tnLst>
-      <p:par>
-        <p:cTn id="1" dur="indefinite" restart="never" nodeType="tmRoot"/>
-      </p:par>
-    </p:tnLst>
-  </p:timing>
 </p:sld>
 </file>
 
@@ -15941,7 +15670,7 @@
           <a:lstStyle/>
           <a:p>
             <a:r>
-              <a:rPr lang="en-US" smtClean="0"/>
+              <a:rPr lang="en-US"/>
               <a:t>Views that require a logged in user</a:t>
             </a:r>
             <a:endParaRPr lang="en-US" dirty="0"/>
@@ -15964,11 +15693,11 @@
           <a:lstStyle/>
           <a:p>
             <a:r>
-              <a:rPr lang="en-US" dirty="0" smtClean="0"/>
+              <a:rPr lang="en-US" dirty="0"/>
               <a:t>Many of your views need to make sure that someone is logged in before performing some operation that depends on the </a:t>
             </a:r>
             <a:r>
-              <a:rPr lang="en-US" dirty="0" err="1" smtClean="0">
+              <a:rPr lang="en-US" dirty="0" err="1">
                 <a:solidFill>
                   <a:srgbClr val="FFFF00"/>
                 </a:solidFill>
@@ -15976,33 +15705,33 @@
               <a:t>request.user</a:t>
             </a:r>
             <a:r>
-              <a:rPr lang="en-US" dirty="0" smtClean="0"/>
+              <a:rPr lang="en-US" dirty="0"/>
               <a:t> data being set</a:t>
             </a:r>
           </a:p>
           <a:p>
             <a:pPr lvl="1"/>
             <a:r>
-              <a:rPr lang="en-US" dirty="0" err="1" smtClean="0"/>
+              <a:rPr lang="en-US" dirty="0" err="1"/>
               <a:t>request.user.id</a:t>
             </a:r>
-            <a:endParaRPr lang="en-US" dirty="0" smtClean="0"/>
+            <a:endParaRPr lang="en-US" dirty="0"/>
           </a:p>
           <a:p>
             <a:pPr lvl="1"/>
             <a:r>
-              <a:rPr lang="en-US" dirty="0" err="1" smtClean="0"/>
+              <a:rPr lang="en-US" dirty="0" err="1"/>
               <a:t>request.user.email</a:t>
             </a:r>
-            <a:endParaRPr lang="en-US" dirty="0" smtClean="0"/>
-          </a:p>
-          <a:p>
-            <a:r>
-              <a:rPr lang="en-US" dirty="0" smtClean="0"/>
+            <a:endParaRPr lang="en-US" dirty="0"/>
+          </a:p>
+          <a:p>
+            <a:r>
+              <a:rPr lang="en-US" dirty="0"/>
               <a:t>You could check </a:t>
             </a:r>
             <a:r>
-              <a:rPr lang="en-US" dirty="0" err="1" smtClean="0">
+              <a:rPr lang="en-US" dirty="0" err="1">
                 <a:solidFill>
                   <a:srgbClr val="FFFF00"/>
                 </a:solidFill>
@@ -16010,10 +15739,9 @@
               <a:t>user.is_authenticated</a:t>
             </a:r>
             <a:r>
-              <a:rPr lang="en-US" dirty="0" smtClean="0"/>
+              <a:rPr lang="en-US" dirty="0"/>
               <a:t> at the beginning of each view and if the user is not logged, redirect them to reverse('login') with the appropriate next= parameter </a:t>
             </a:r>
-            <a:endParaRPr lang="en-US" dirty="0"/>
           </a:p>
         </p:txBody>
       </p:sp>
@@ -16043,40 +15771,20 @@
               <a:t>https://</a:t>
             </a:r>
             <a:r>
-              <a:rPr lang="en-US" dirty="0" err="1" smtClean="0"/>
+              <a:rPr lang="en-US" dirty="0" err="1"/>
               <a:t>docs.djangoproject.com</a:t>
             </a:r>
             <a:r>
-              <a:rPr lang="en-US" dirty="0" smtClean="0"/>
+              <a:rPr lang="en-US" dirty="0"/>
               <a:t>/</a:t>
             </a:r>
             <a:r>
-              <a:rPr lang="en-US" dirty="0" err="1" smtClean="0"/>
+              <a:rPr lang="en-US" dirty="0" err="1"/>
               <a:t>en</a:t>
             </a:r>
             <a:r>
-              <a:rPr lang="en-US" dirty="0" smtClean="0"/>
-              <a:t>/</a:t>
-            </a:r>
-            <a:r>
-              <a:rPr lang="hr-HR" dirty="0" smtClean="0"/>
-              <a:t>3.0</a:t>
-            </a:r>
-            <a:r>
-              <a:rPr lang="en-US" dirty="0" smtClean="0"/>
-              <a:t>/topics/</a:t>
-            </a:r>
-            <a:r>
-              <a:rPr lang="en-US" dirty="0" err="1" smtClean="0"/>
-              <a:t>auth</a:t>
-            </a:r>
-            <a:r>
-              <a:rPr lang="en-US" dirty="0" smtClean="0"/>
-              <a:t>/default</a:t>
-            </a:r>
-            <a:r>
               <a:rPr lang="en-US" dirty="0"/>
-              <a:t>/#the-</a:t>
+              <a:t>/4.0/topics/auth/default/#the-</a:t>
             </a:r>
             <a:r>
               <a:rPr lang="en-US" dirty="0" err="1"/>
@@ -16104,13 +15812,6 @@
   <p:clrMapOvr>
     <a:masterClrMapping/>
   </p:clrMapOvr>
-  <p:timing>
-    <p:tnLst>
-      <p:par>
-        <p:cTn id="1" dur="indefinite" restart="never" nodeType="tmRoot"/>
-      </p:par>
-    </p:tnLst>
-  </p:timing>
 </p:sld>
 </file>
 
@@ -16242,7 +15943,7 @@
             </a:endParaRPr>
           </a:p>
           <a:p>
-            <a:endParaRPr lang="en-US" dirty="0" smtClean="0">
+            <a:endParaRPr lang="en-US" dirty="0">
               <a:solidFill>
                 <a:srgbClr val="C1651C"/>
               </a:solidFill>
@@ -16253,7 +15954,7 @@
           </a:p>
           <a:p>
             <a:r>
-              <a:rPr lang="en-US" dirty="0" smtClean="0">
+              <a:rPr lang="en-US" dirty="0">
                 <a:solidFill>
                   <a:srgbClr val="C1651C"/>
                 </a:solidFill>
@@ -16264,7 +15965,7 @@
               <a:t>class</a:t>
             </a:r>
             <a:r>
-              <a:rPr lang="en-US" dirty="0" smtClean="0">
+              <a:rPr lang="en-US" dirty="0">
                 <a:solidFill>
                   <a:srgbClr val="000000"/>
                 </a:solidFill>
@@ -16386,56 +16087,23 @@
                 <a:ea typeface="Courier" charset="0"/>
                 <a:cs typeface="Courier" charset="0"/>
               </a:rPr>
-              <a:t> </a:t>
-            </a:r>
-            <a:r>
-              <a:rPr lang="en-US" smtClean="0">
-                <a:solidFill>
-                  <a:srgbClr val="000000"/>
-                </a:solidFill>
-                <a:latin typeface="Courier" charset="0"/>
-                <a:ea typeface="Courier" charset="0"/>
-                <a:cs typeface="Courier" charset="0"/>
-              </a:rPr>
-              <a:t>not </a:t>
-            </a:r>
-            <a:r>
-              <a:rPr lang="en-US" smtClean="0">
-                <a:solidFill>
-                  <a:srgbClr val="000000"/>
-                </a:solidFill>
-                <a:latin typeface="Courier" charset="0"/>
-                <a:ea typeface="Courier" charset="0"/>
-                <a:cs typeface="Courier" charset="0"/>
-              </a:rPr>
-              <a:t>request.user.is_authenticated</a:t>
-            </a:r>
-            <a:r>
-              <a:rPr lang="en-US" dirty="0" smtClean="0">
-                <a:solidFill>
-                  <a:srgbClr val="000000"/>
-                </a:solidFill>
-                <a:latin typeface="Courier" charset="0"/>
-                <a:ea typeface="Courier" charset="0"/>
-                <a:cs typeface="Courier" charset="0"/>
-              </a:rPr>
-              <a:t> </a:t>
-            </a:r>
-            <a:r>
-              <a:rPr lang="en-US" dirty="0">
-                <a:solidFill>
-                  <a:srgbClr val="000000"/>
-                </a:solidFill>
-                <a:latin typeface="Courier" charset="0"/>
-                <a:ea typeface="Courier" charset="0"/>
-                <a:cs typeface="Courier" charset="0"/>
-              </a:rPr>
-              <a:t>:</a:t>
-            </a:r>
-          </a:p>
-          <a:p>
-            <a:r>
-              <a:rPr lang="en-US" dirty="0" smtClean="0">
+              <a:t> not request.user.is_authenticated</a:t>
+            </a:r>
+            <a:r>
+              <a:rPr lang="en-US" dirty="0">
+                <a:solidFill>
+                  <a:srgbClr val="000000"/>
+                </a:solidFill>
+                <a:latin typeface="Courier" charset="0"/>
+                <a:ea typeface="Courier" charset="0"/>
+                <a:cs typeface="Courier" charset="0"/>
+              </a:rPr>
+              <a:t> :</a:t>
+            </a:r>
+          </a:p>
+          <a:p>
+            <a:r>
+              <a:rPr lang="en-US" dirty="0">
                 <a:solidFill>
                   <a:srgbClr val="000000"/>
                 </a:solidFill>
@@ -16446,7 +16114,7 @@
               <a:t>            </a:t>
             </a:r>
             <a:r>
-              <a:rPr lang="en-US" dirty="0" err="1" smtClean="0">
+              <a:rPr lang="en-US" dirty="0" err="1">
                 <a:solidFill>
                   <a:srgbClr val="000000"/>
                 </a:solidFill>
@@ -16457,26 +16125,15 @@
               <a:t>loginurl</a:t>
             </a:r>
             <a:r>
-              <a:rPr lang="en-US" dirty="0" smtClean="0">
-                <a:solidFill>
-                  <a:srgbClr val="000000"/>
-                </a:solidFill>
-                <a:latin typeface="Courier" charset="0"/>
-                <a:ea typeface="Courier" charset="0"/>
-                <a:cs typeface="Courier" charset="0"/>
-              </a:rPr>
-              <a:t> </a:t>
-            </a:r>
-            <a:r>
-              <a:rPr lang="en-US" dirty="0">
-                <a:solidFill>
-                  <a:srgbClr val="000000"/>
-                </a:solidFill>
-                <a:latin typeface="Courier" charset="0"/>
-                <a:ea typeface="Courier" charset="0"/>
-                <a:cs typeface="Courier" charset="0"/>
-              </a:rPr>
-              <a:t>= reverse(</a:t>
+              <a:rPr lang="en-US" dirty="0">
+                <a:solidFill>
+                  <a:srgbClr val="000000"/>
+                </a:solidFill>
+                <a:latin typeface="Courier" charset="0"/>
+                <a:ea typeface="Courier" charset="0"/>
+                <a:cs typeface="Courier" charset="0"/>
+              </a:rPr>
+              <a:t> = reverse(</a:t>
             </a:r>
             <a:r>
               <a:rPr lang="en-US" dirty="0">
@@ -16599,21 +16256,10 @@
                 <a:ea typeface="Courier" charset="0"/>
                 <a:cs typeface="Courier" charset="0"/>
               </a:rPr>
-              <a:t>        </a:t>
-            </a:r>
-            <a:r>
-              <a:rPr lang="en-US" dirty="0" smtClean="0">
-                <a:solidFill>
-                  <a:srgbClr val="000000"/>
-                </a:solidFill>
-                <a:latin typeface="Courier" charset="0"/>
-                <a:ea typeface="Courier" charset="0"/>
-                <a:cs typeface="Courier" charset="0"/>
-              </a:rPr>
-              <a:t>    </a:t>
-            </a:r>
-            <a:r>
-              <a:rPr lang="en-US" dirty="0" smtClean="0">
+              <a:t>            </a:t>
+            </a:r>
+            <a:r>
+              <a:rPr lang="en-US" dirty="0">
                 <a:solidFill>
                   <a:srgbClr val="C1651C"/>
                 </a:solidFill>
@@ -16624,26 +16270,15 @@
               <a:t>return</a:t>
             </a:r>
             <a:r>
-              <a:rPr lang="en-US" dirty="0" smtClean="0">
-                <a:solidFill>
-                  <a:srgbClr val="000000"/>
-                </a:solidFill>
-                <a:latin typeface="Courier" charset="0"/>
-                <a:ea typeface="Courier" charset="0"/>
-                <a:cs typeface="Courier" charset="0"/>
-              </a:rPr>
-              <a:t> </a:t>
-            </a:r>
-            <a:r>
-              <a:rPr lang="en-US" dirty="0">
-                <a:solidFill>
-                  <a:srgbClr val="000000"/>
-                </a:solidFill>
-                <a:latin typeface="Courier" charset="0"/>
-                <a:ea typeface="Courier" charset="0"/>
-                <a:cs typeface="Courier" charset="0"/>
-              </a:rPr>
-              <a:t>redirect(</a:t>
+              <a:rPr lang="en-US" dirty="0">
+                <a:solidFill>
+                  <a:srgbClr val="000000"/>
+                </a:solidFill>
+                <a:latin typeface="Courier" charset="0"/>
+                <a:ea typeface="Courier" charset="0"/>
+                <a:cs typeface="Courier" charset="0"/>
+              </a:rPr>
+              <a:t> redirect(</a:t>
             </a:r>
             <a:r>
               <a:rPr lang="en-US" dirty="0" err="1">
@@ -16657,7 +16292,7 @@
               <a:t>loginurl</a:t>
             </a:r>
             <a:r>
-              <a:rPr lang="en-US" dirty="0" smtClean="0">
+              <a:rPr lang="en-US" dirty="0">
                 <a:solidFill>
                   <a:srgbClr val="000000"/>
                 </a:solidFill>
@@ -16678,40 +16313,18 @@
                 <a:ea typeface="Courier" charset="0"/>
                 <a:cs typeface="Courier" charset="0"/>
               </a:rPr>
-              <a:t> </a:t>
-            </a:r>
-            <a:r>
-              <a:rPr lang="en-US" dirty="0" smtClean="0">
-                <a:solidFill>
-                  <a:srgbClr val="C1651C"/>
-                </a:solidFill>
-                <a:latin typeface="Courier" charset="0"/>
-                <a:ea typeface="Courier" charset="0"/>
-                <a:cs typeface="Courier" charset="0"/>
-              </a:rPr>
-              <a:t>       return</a:t>
-            </a:r>
-            <a:r>
-              <a:rPr lang="en-US" dirty="0" smtClean="0">
-                <a:solidFill>
-                  <a:srgbClr val="000000"/>
-                </a:solidFill>
-                <a:latin typeface="Courier" charset="0"/>
-                <a:ea typeface="Courier" charset="0"/>
-                <a:cs typeface="Courier" charset="0"/>
-              </a:rPr>
-              <a:t> </a:t>
-            </a:r>
-            <a:r>
-              <a:rPr lang="en-US" dirty="0">
-                <a:solidFill>
-                  <a:srgbClr val="000000"/>
-                </a:solidFill>
-                <a:latin typeface="Courier" charset="0"/>
-                <a:ea typeface="Courier" charset="0"/>
-                <a:cs typeface="Courier" charset="0"/>
-              </a:rPr>
-              <a:t>render(request, </a:t>
+              <a:t>        return</a:t>
+            </a:r>
+            <a:r>
+              <a:rPr lang="en-US" dirty="0">
+                <a:solidFill>
+                  <a:srgbClr val="000000"/>
+                </a:solidFill>
+                <a:latin typeface="Courier" charset="0"/>
+                <a:ea typeface="Courier" charset="0"/>
+                <a:cs typeface="Courier" charset="0"/>
+              </a:rPr>
+              <a:t> render(request, </a:t>
             </a:r>
             <a:r>
               <a:rPr lang="en-US" dirty="0">
@@ -16779,16 +16392,6 @@
               </a:rPr>
               <a:t>)</a:t>
             </a:r>
-          </a:p>
-          <a:p>
-            <a:endParaRPr lang="en-US" dirty="0" smtClean="0">
-              <a:solidFill>
-                <a:srgbClr val="000000"/>
-              </a:solidFill>
-              <a:latin typeface="Courier" charset="0"/>
-              <a:ea typeface="Courier" charset="0"/>
-              <a:cs typeface="Courier" charset="0"/>
-            </a:endParaRPr>
           </a:p>
           <a:p>
             <a:endParaRPr lang="en-US" dirty="0">
@@ -16801,93 +16404,6 @@
             </a:endParaRPr>
           </a:p>
           <a:p>
-            <a:r>
-              <a:rPr lang="en-US" dirty="0">
-                <a:solidFill>
-                  <a:srgbClr val="C814C9"/>
-                </a:solidFill>
-                <a:latin typeface="Courier" charset="0"/>
-                <a:ea typeface="Courier" charset="0"/>
-                <a:cs typeface="Courier" charset="0"/>
-              </a:rPr>
-              <a:t>from</a:t>
-            </a:r>
-            <a:r>
-              <a:rPr lang="en-US" dirty="0">
-                <a:solidFill>
-                  <a:srgbClr val="000000"/>
-                </a:solidFill>
-                <a:latin typeface="Courier" charset="0"/>
-                <a:ea typeface="Courier" charset="0"/>
-                <a:cs typeface="Courier" charset="0"/>
-              </a:rPr>
-              <a:t> </a:t>
-            </a:r>
-            <a:r>
-              <a:rPr lang="en-US" dirty="0" err="1">
-                <a:solidFill>
-                  <a:srgbClr val="000000"/>
-                </a:solidFill>
-                <a:latin typeface="Courier" charset="0"/>
-                <a:ea typeface="Courier" charset="0"/>
-                <a:cs typeface="Courier" charset="0"/>
-              </a:rPr>
-              <a:t>django.contrib.auth.mixins</a:t>
-            </a:r>
-            <a:r>
-              <a:rPr lang="en-US" dirty="0">
-                <a:solidFill>
-                  <a:srgbClr val="000000"/>
-                </a:solidFill>
-                <a:latin typeface="Courier" charset="0"/>
-                <a:ea typeface="Courier" charset="0"/>
-                <a:cs typeface="Courier" charset="0"/>
-              </a:rPr>
-              <a:t> </a:t>
-            </a:r>
-            <a:r>
-              <a:rPr lang="en-US" dirty="0">
-                <a:solidFill>
-                  <a:srgbClr val="C814C9"/>
-                </a:solidFill>
-                <a:latin typeface="Courier" charset="0"/>
-                <a:ea typeface="Courier" charset="0"/>
-                <a:cs typeface="Courier" charset="0"/>
-              </a:rPr>
-              <a:t>import</a:t>
-            </a:r>
-            <a:r>
-              <a:rPr lang="en-US" dirty="0">
-                <a:solidFill>
-                  <a:srgbClr val="000000"/>
-                </a:solidFill>
-                <a:latin typeface="Courier" charset="0"/>
-                <a:ea typeface="Courier" charset="0"/>
-                <a:cs typeface="Courier" charset="0"/>
-              </a:rPr>
-              <a:t> </a:t>
-            </a:r>
-            <a:r>
-              <a:rPr lang="en-US" dirty="0" err="1" smtClean="0">
-                <a:solidFill>
-                  <a:srgbClr val="000000"/>
-                </a:solidFill>
-                <a:latin typeface="Courier" charset="0"/>
-                <a:ea typeface="Courier" charset="0"/>
-                <a:cs typeface="Courier" charset="0"/>
-              </a:rPr>
-              <a:t>LoginRequiredMixin</a:t>
-            </a:r>
-            <a:endParaRPr lang="en-US" dirty="0" smtClean="0">
-              <a:solidFill>
-                <a:srgbClr val="000000"/>
-              </a:solidFill>
-              <a:latin typeface="Courier" charset="0"/>
-              <a:ea typeface="Courier" charset="0"/>
-              <a:cs typeface="Courier" charset="0"/>
-            </a:endParaRPr>
-          </a:p>
-          <a:p>
             <a:endParaRPr lang="en-US" dirty="0">
               <a:solidFill>
                 <a:srgbClr val="000000"/>
@@ -16901,6 +16417,103 @@
             <a:r>
               <a:rPr lang="en-US" dirty="0">
                 <a:solidFill>
+                  <a:srgbClr val="C814C9"/>
+                </a:solidFill>
+                <a:latin typeface="Courier" charset="0"/>
+                <a:ea typeface="Courier" charset="0"/>
+                <a:cs typeface="Courier" charset="0"/>
+              </a:rPr>
+              <a:t>from</a:t>
+            </a:r>
+            <a:r>
+              <a:rPr lang="en-US" dirty="0">
+                <a:solidFill>
+                  <a:srgbClr val="000000"/>
+                </a:solidFill>
+                <a:latin typeface="Courier" charset="0"/>
+                <a:ea typeface="Courier" charset="0"/>
+                <a:cs typeface="Courier" charset="0"/>
+              </a:rPr>
+              <a:t> </a:t>
+            </a:r>
+            <a:r>
+              <a:rPr lang="en-US" dirty="0" err="1">
+                <a:solidFill>
+                  <a:srgbClr val="000000"/>
+                </a:solidFill>
+                <a:latin typeface="Courier" charset="0"/>
+                <a:ea typeface="Courier" charset="0"/>
+                <a:cs typeface="Courier" charset="0"/>
+              </a:rPr>
+              <a:t>django.contrib.auth.mixins</a:t>
+            </a:r>
+            <a:r>
+              <a:rPr lang="en-US" dirty="0">
+                <a:solidFill>
+                  <a:srgbClr val="000000"/>
+                </a:solidFill>
+                <a:latin typeface="Courier" charset="0"/>
+                <a:ea typeface="Courier" charset="0"/>
+                <a:cs typeface="Courier" charset="0"/>
+              </a:rPr>
+              <a:t> </a:t>
+            </a:r>
+            <a:r>
+              <a:rPr lang="en-US" dirty="0">
+                <a:solidFill>
+                  <a:srgbClr val="C814C9"/>
+                </a:solidFill>
+                <a:latin typeface="Courier" charset="0"/>
+                <a:ea typeface="Courier" charset="0"/>
+                <a:cs typeface="Courier" charset="0"/>
+              </a:rPr>
+              <a:t>import</a:t>
+            </a:r>
+            <a:r>
+              <a:rPr lang="en-US" dirty="0">
+                <a:solidFill>
+                  <a:srgbClr val="000000"/>
+                </a:solidFill>
+                <a:latin typeface="Courier" charset="0"/>
+                <a:ea typeface="Courier" charset="0"/>
+                <a:cs typeface="Courier" charset="0"/>
+              </a:rPr>
+              <a:t> </a:t>
+            </a:r>
+            <a:r>
+              <a:rPr lang="en-US" dirty="0" err="1">
+                <a:solidFill>
+                  <a:srgbClr val="000000"/>
+                </a:solidFill>
+                <a:latin typeface="Courier" charset="0"/>
+                <a:ea typeface="Courier" charset="0"/>
+                <a:cs typeface="Courier" charset="0"/>
+              </a:rPr>
+              <a:t>LoginRequiredMixin</a:t>
+            </a:r>
+            <a:endParaRPr lang="en-US" dirty="0">
+              <a:solidFill>
+                <a:srgbClr val="000000"/>
+              </a:solidFill>
+              <a:latin typeface="Courier" charset="0"/>
+              <a:ea typeface="Courier" charset="0"/>
+              <a:cs typeface="Courier" charset="0"/>
+            </a:endParaRPr>
+          </a:p>
+          <a:p>
+            <a:endParaRPr lang="en-US" dirty="0">
+              <a:solidFill>
+                <a:srgbClr val="000000"/>
+              </a:solidFill>
+              <a:latin typeface="Courier" charset="0"/>
+              <a:ea typeface="Courier" charset="0"/>
+              <a:cs typeface="Courier" charset="0"/>
+            </a:endParaRPr>
+          </a:p>
+          <a:p>
+            <a:r>
+              <a:rPr lang="en-US" dirty="0">
+                <a:solidFill>
                   <a:srgbClr val="C1651C"/>
                 </a:solidFill>
                 <a:latin typeface="Courier" charset="0"/>
@@ -17101,7 +16714,7 @@
               <a:t>main.html</a:t>
             </a:r>
             <a:r>
-              <a:rPr lang="en-US" dirty="0" smtClean="0">
+              <a:rPr lang="en-US" dirty="0">
                 <a:solidFill>
                   <a:srgbClr val="B42419"/>
                 </a:solidFill>
@@ -17147,7 +16760,7 @@
           <a:lstStyle/>
           <a:p>
             <a:r>
-              <a:rPr lang="en-US" dirty="0" smtClean="0">
+              <a:rPr lang="en-US" dirty="0">
                 <a:solidFill>
                   <a:srgbClr val="FFFF00"/>
                 </a:solidFill>
@@ -17158,7 +16771,7 @@
               <a:t>dj4e-samples/</a:t>
             </a:r>
             <a:r>
-              <a:rPr lang="en-US" dirty="0" err="1" smtClean="0">
+              <a:rPr lang="en-US" dirty="0" err="1">
                 <a:solidFill>
                   <a:srgbClr val="FFFF00"/>
                 </a:solidFill>
@@ -17169,7 +16782,7 @@
               <a:t>authz</a:t>
             </a:r>
             <a:r>
-              <a:rPr lang="en-US" dirty="0" smtClean="0">
+              <a:rPr lang="en-US" dirty="0">
                 <a:solidFill>
                   <a:srgbClr val="FFFF00"/>
                 </a:solidFill>
@@ -17180,7 +16793,7 @@
               <a:t>/</a:t>
             </a:r>
             <a:r>
-              <a:rPr lang="en-US" dirty="0" err="1" smtClean="0">
+              <a:rPr lang="en-US" dirty="0" err="1">
                 <a:solidFill>
                   <a:srgbClr val="FFFF00"/>
                 </a:solidFill>
@@ -17228,40 +16841,20 @@
               <a:t>https://</a:t>
             </a:r>
             <a:r>
-              <a:rPr lang="en-US" dirty="0" err="1" smtClean="0"/>
+              <a:rPr lang="en-US" dirty="0" err="1"/>
               <a:t>docs.djangoproject.com</a:t>
             </a:r>
             <a:r>
-              <a:rPr lang="en-US" dirty="0" smtClean="0"/>
+              <a:rPr lang="en-US" dirty="0"/>
               <a:t>/</a:t>
             </a:r>
             <a:r>
-              <a:rPr lang="en-US" dirty="0" err="1" smtClean="0"/>
+              <a:rPr lang="en-US" dirty="0" err="1"/>
               <a:t>en</a:t>
             </a:r>
             <a:r>
-              <a:rPr lang="en-US" dirty="0" smtClean="0"/>
-              <a:t>/</a:t>
-            </a:r>
-            <a:r>
-              <a:rPr lang="hr-HR" smtClean="0"/>
-              <a:t>3.0</a:t>
-            </a:r>
-            <a:r>
-              <a:rPr lang="en-US" smtClean="0"/>
-              <a:t>/topics/</a:t>
-            </a:r>
-            <a:r>
-              <a:rPr lang="en-US" dirty="0" err="1" smtClean="0"/>
-              <a:t>auth</a:t>
-            </a:r>
-            <a:r>
-              <a:rPr lang="en-US" dirty="0" smtClean="0"/>
-              <a:t>/default</a:t>
-            </a:r>
-            <a:r>
               <a:rPr lang="en-US" dirty="0"/>
-              <a:t>/#the-</a:t>
+              <a:t>/4.0/topics/auth/default/#the-</a:t>
             </a:r>
             <a:r>
               <a:rPr lang="en-US" dirty="0" err="1"/>
@@ -17289,13 +16882,6 @@
   <p:clrMapOvr>
     <a:masterClrMapping/>
   </p:clrMapOvr>
-  <p:timing>
-    <p:tnLst>
-      <p:par>
-        <p:cTn id="1" dur="indefinite" restart="never" nodeType="tmRoot"/>
-      </p:par>
-    </p:tnLst>
-  </p:timing>
 </p:sld>
 </file>
 
@@ -17952,7 +17538,7 @@
               <a:t>authz:open</a:t>
             </a:r>
             <a:r>
-              <a:rPr lang="en-US" dirty="0" smtClean="0">
+              <a:rPr lang="en-US" dirty="0">
                 <a:solidFill>
                   <a:srgbClr val="B42419"/>
                 </a:solidFill>
@@ -17963,7 +17549,7 @@
               <a:t>' %}"</a:t>
             </a:r>
             <a:r>
-              <a:rPr lang="en-US" dirty="0" smtClean="0">
+              <a:rPr lang="en-US" dirty="0">
                 <a:solidFill>
                   <a:srgbClr val="2EAEBB"/>
                 </a:solidFill>
@@ -18470,7 +18056,7 @@
           <a:lstStyle/>
           <a:p>
             <a:r>
-              <a:rPr lang="en-US" dirty="0" smtClean="0">
+              <a:rPr lang="en-US" dirty="0">
                 <a:solidFill>
                   <a:srgbClr val="FFFF00"/>
                 </a:solidFill>
@@ -18481,7 +18067,7 @@
               <a:t>dj4e-samples/</a:t>
             </a:r>
             <a:r>
-              <a:rPr lang="en-US" dirty="0" err="1" smtClean="0">
+              <a:rPr lang="en-US" dirty="0" err="1">
                 <a:solidFill>
                   <a:srgbClr val="FFFF00"/>
                 </a:solidFill>
@@ -18492,7 +18078,7 @@
               <a:t>authz</a:t>
             </a:r>
             <a:r>
-              <a:rPr lang="en-US" dirty="0" smtClean="0">
+              <a:rPr lang="en-US" dirty="0">
                 <a:solidFill>
                   <a:srgbClr val="FFFF00"/>
                 </a:solidFill>
@@ -18503,7 +18089,7 @@
               <a:t>/templates/</a:t>
             </a:r>
             <a:r>
-              <a:rPr lang="en-US" dirty="0" err="1" smtClean="0">
+              <a:rPr lang="en-US" dirty="0" err="1">
                 <a:solidFill>
                   <a:srgbClr val="FFFF00"/>
                 </a:solidFill>
@@ -18514,7 +18100,7 @@
               <a:t>authz</a:t>
             </a:r>
             <a:r>
-              <a:rPr lang="en-US" dirty="0" smtClean="0">
+              <a:rPr lang="en-US" dirty="0">
                 <a:solidFill>
                   <a:srgbClr val="FFFF00"/>
                 </a:solidFill>
@@ -18525,7 +18111,7 @@
               <a:t>/</a:t>
             </a:r>
             <a:r>
-              <a:rPr lang="en-US" dirty="0" err="1" smtClean="0">
+              <a:rPr lang="en-US" dirty="0" err="1">
                 <a:solidFill>
                   <a:srgbClr val="FFFF00"/>
                 </a:solidFill>
@@ -18557,13 +18143,6 @@
   <p:clrMapOvr>
     <a:masterClrMapping/>
   </p:clrMapOvr>
-  <p:timing>
-    <p:tnLst>
-      <p:par>
-        <p:cTn id="1" dur="indefinite" restart="never" nodeType="tmRoot"/>
-      </p:par>
-    </p:tnLst>
-  </p:timing>
 </p:sld>
 </file>
 
@@ -18600,10 +18179,9 @@
           <a:lstStyle/>
           <a:p>
             <a:r>
-              <a:rPr lang="en-US" dirty="0" smtClean="0"/>
+              <a:rPr lang="en-US" dirty="0"/>
               <a:t>Summary - Setting up login</a:t>
             </a:r>
-            <a:endParaRPr lang="en-US" dirty="0"/>
           </a:p>
         </p:txBody>
       </p:sp>
@@ -18627,7 +18205,7 @@
               <a:t>Add </a:t>
             </a:r>
             <a:r>
-              <a:rPr lang="en-US" dirty="0" err="1" smtClean="0">
+              <a:rPr lang="en-US" dirty="0" err="1">
                 <a:solidFill>
                   <a:srgbClr val="FFFF00"/>
                 </a:solidFill>
@@ -18635,11 +18213,11 @@
               <a:t>django.contrib.auth</a:t>
             </a:r>
             <a:r>
-              <a:rPr lang="en-US" dirty="0" smtClean="0"/>
+              <a:rPr lang="en-US" dirty="0"/>
               <a:t> entries to </a:t>
             </a:r>
             <a:r>
-              <a:rPr lang="en-US" dirty="0" smtClean="0">
+              <a:rPr lang="en-US" dirty="0">
                 <a:solidFill>
                   <a:srgbClr val="00FDFF"/>
                 </a:solidFill>
@@ -18647,18 +18225,18 @@
               <a:t>INSTALLED_APPS</a:t>
             </a:r>
             <a:r>
-              <a:rPr lang="en-US" dirty="0" smtClean="0"/>
+              <a:rPr lang="en-US" dirty="0"/>
               <a:t> and </a:t>
             </a:r>
             <a:r>
-              <a:rPr lang="en-US" dirty="0" err="1" smtClean="0">
+              <a:rPr lang="en-US" dirty="0" err="1">
                 <a:solidFill>
                   <a:srgbClr val="00FDFF"/>
                 </a:solidFill>
               </a:rPr>
               <a:t>urlpatterns</a:t>
             </a:r>
-            <a:endParaRPr lang="en-US" dirty="0" smtClean="0">
+            <a:endParaRPr lang="en-US" dirty="0">
               <a:solidFill>
                 <a:srgbClr val="00FDFF"/>
               </a:solidFill>
@@ -18666,11 +18244,11 @@
           </a:p>
           <a:p>
             <a:r>
-              <a:rPr lang="en-US" dirty="0" smtClean="0"/>
+              <a:rPr lang="en-US" dirty="0"/>
               <a:t>Create a template named '</a:t>
             </a:r>
             <a:r>
-              <a:rPr lang="en-US" dirty="0" smtClean="0">
+              <a:rPr lang="en-US" dirty="0">
                 <a:solidFill>
                   <a:srgbClr val="FFFF00"/>
                 </a:solidFill>
@@ -18678,7 +18256,7 @@
               <a:t>registration/</a:t>
             </a:r>
             <a:r>
-              <a:rPr lang="en-US" dirty="0" err="1" smtClean="0">
+              <a:rPr lang="en-US" dirty="0" err="1">
                 <a:solidFill>
                   <a:srgbClr val="FFFF00"/>
                 </a:solidFill>
@@ -18686,25 +18264,25 @@
               <a:t>login.html</a:t>
             </a:r>
             <a:r>
-              <a:rPr lang="en-US" dirty="0" smtClean="0"/>
+              <a:rPr lang="en-US" dirty="0"/>
               <a:t>'</a:t>
             </a:r>
           </a:p>
           <a:p>
             <a:r>
-              <a:rPr lang="en-US" dirty="0" smtClean="0"/>
+              <a:rPr lang="en-US" dirty="0"/>
               <a:t>Get </a:t>
             </a:r>
             <a:r>
-              <a:rPr lang="en-US" dirty="0" err="1" smtClean="0"/>
+              <a:rPr lang="en-US" dirty="0" err="1"/>
               <a:t>urls</a:t>
             </a:r>
             <a:r>
-              <a:rPr lang="en-US" dirty="0" smtClean="0"/>
+              <a:rPr lang="en-US" dirty="0"/>
               <a:t> for login and logout using </a:t>
             </a:r>
             <a:r>
-              <a:rPr lang="en-US" dirty="0" smtClean="0">
+              <a:rPr lang="en-US" dirty="0">
                 <a:solidFill>
                   <a:srgbClr val="FFFF00"/>
                 </a:solidFill>
@@ -18712,11 +18290,11 @@
               <a:t>reverse</a:t>
             </a:r>
             <a:r>
-              <a:rPr lang="en-US" dirty="0" smtClean="0"/>
+              <a:rPr lang="en-US" dirty="0"/>
               <a:t>, </a:t>
             </a:r>
             <a:r>
-              <a:rPr lang="en-US" dirty="0" err="1" smtClean="0">
+              <a:rPr lang="en-US" dirty="0" err="1">
                 <a:solidFill>
                   <a:srgbClr val="FFFF00"/>
                 </a:solidFill>
@@ -18724,11 +18302,11 @@
               <a:t>reverse_lazy</a:t>
             </a:r>
             <a:r>
-              <a:rPr lang="en-US" dirty="0" smtClean="0"/>
+              <a:rPr lang="en-US" dirty="0"/>
               <a:t>, or the </a:t>
             </a:r>
             <a:r>
-              <a:rPr lang="en-US" dirty="0" err="1" smtClean="0">
+              <a:rPr lang="en-US" dirty="0" err="1">
                 <a:solidFill>
                   <a:srgbClr val="FFFF00"/>
                 </a:solidFill>
@@ -18736,7 +18314,7 @@
               <a:t>url</a:t>
             </a:r>
             <a:r>
-              <a:rPr lang="en-US" dirty="0" smtClean="0">
+              <a:rPr lang="en-US" dirty="0">
                 <a:solidFill>
                   <a:srgbClr val="FFFF00"/>
                 </a:solidFill>
@@ -18746,11 +18324,11 @@
           </a:p>
           <a:p>
             <a:r>
-              <a:rPr lang="en-US" dirty="0" smtClean="0"/>
+              <a:rPr lang="en-US" dirty="0"/>
               <a:t>Add the "</a:t>
             </a:r>
             <a:r>
-              <a:rPr lang="en-US" dirty="0" smtClean="0">
+              <a:rPr lang="en-US" dirty="0">
                 <a:solidFill>
                   <a:srgbClr val="FF40FF"/>
                 </a:solidFill>
@@ -18758,17 +18336,17 @@
               <a:t>next=</a:t>
             </a:r>
             <a:r>
-              <a:rPr lang="en-US" dirty="0" smtClean="0"/>
+              <a:rPr lang="en-US" dirty="0"/>
               <a:t>" parameter to those URLs to bring the user back to a page after successful login or logout</a:t>
             </a:r>
           </a:p>
           <a:p>
             <a:r>
-              <a:rPr lang="en-US" dirty="0" smtClean="0"/>
+              <a:rPr lang="en-US" dirty="0"/>
               <a:t>Add </a:t>
             </a:r>
             <a:r>
-              <a:rPr lang="en-US" dirty="0" err="1" smtClean="0">
+              <a:rPr lang="en-US" dirty="0" err="1">
                 <a:solidFill>
                   <a:srgbClr val="00FDFF"/>
                 </a:solidFill>
@@ -18776,7 +18354,7 @@
               <a:t>LoginRequiredMixin</a:t>
             </a:r>
             <a:r>
-              <a:rPr lang="en-US" dirty="0" smtClean="0">
+              <a:rPr lang="en-US" dirty="0">
                 <a:solidFill>
                   <a:srgbClr val="00FDFF"/>
                 </a:solidFill>
@@ -18784,10 +18362,9 @@
               <a:t> </a:t>
             </a:r>
             <a:r>
-              <a:rPr lang="en-US" dirty="0" smtClean="0"/>
+              <a:rPr lang="en-US" dirty="0"/>
               <a:t>to views that can only be accessed  by a logged in user</a:t>
             </a:r>
-            <a:endParaRPr lang="en-US" dirty="0"/>
           </a:p>
         </p:txBody>
       </p:sp>
@@ -18801,13 +18378,6 @@
   <p:clrMapOvr>
     <a:masterClrMapping/>
   </p:clrMapOvr>
-  <p:timing>
-    <p:tnLst>
-      <p:par>
-        <p:cTn id="1" dur="indefinite" restart="never" nodeType="tmRoot"/>
-      </p:par>
-    </p:tnLst>
-  </p:timing>
 </p:sld>
 </file>
 
@@ -19556,13 +19126,6 @@
   <p:clrMapOvr>
     <a:masterClrMapping/>
   </p:clrMapOvr>
-  <p:timing>
-    <p:tnLst>
-      <p:par>
-        <p:cTn id="1" dur="indefinite" restart="never" nodeType="tmRoot"/>
-      </p:par>
-    </p:tnLst>
-  </p:timing>
 </p:sld>
 </file>
 
@@ -19599,10 +19162,9 @@
           <a:lstStyle/>
           <a:p>
             <a:r>
-              <a:rPr lang="en-US" dirty="0" smtClean="0"/>
+              <a:rPr lang="en-US" dirty="0"/>
               <a:t>Making the super user</a:t>
             </a:r>
-            <a:endParaRPr lang="en-US" dirty="0"/>
           </a:p>
         </p:txBody>
       </p:sp>
@@ -19627,11 +19189,11 @@
           <a:lstStyle/>
           <a:p>
             <a:r>
-              <a:rPr lang="en-US" dirty="0" smtClean="0"/>
+              <a:rPr lang="en-US" dirty="0"/>
               <a:t>We need to "bootstrap" our system and make a user that can log into the admin </a:t>
             </a:r>
             <a:r>
-              <a:rPr lang="en-US" smtClean="0"/>
+              <a:rPr lang="en-US"/>
               <a:t>page and make more users</a:t>
             </a:r>
           </a:p>
@@ -19739,7 +19301,7 @@
           <a:lstStyle/>
           <a:p>
             <a:r>
-              <a:rPr lang="en-US" dirty="0" smtClean="0">
+              <a:rPr lang="en-US" dirty="0">
                 <a:solidFill>
                   <a:srgbClr val="00FDFF"/>
                 </a:solidFill>
@@ -19804,7 +19366,7 @@
           </a:p>
           <a:p>
             <a:r>
-              <a:rPr lang="en-US" dirty="0" smtClean="0">
+              <a:rPr lang="en-US" dirty="0">
                 <a:latin typeface="Courier" charset="0"/>
                 <a:ea typeface="Courier" charset="0"/>
                 <a:cs typeface="Courier" charset="0"/>
@@ -19812,7 +19374,7 @@
               <a:t>Username: </a:t>
             </a:r>
             <a:r>
-              <a:rPr lang="en-US" dirty="0" smtClean="0">
+              <a:rPr lang="en-US" dirty="0">
                 <a:solidFill>
                   <a:srgbClr val="FFFF00"/>
                 </a:solidFill>
@@ -19821,6 +19383,27 @@
                 <a:cs typeface="Courier" charset="0"/>
               </a:rPr>
               <a:t>dj4e-samples</a:t>
+            </a:r>
+          </a:p>
+          <a:p>
+            <a:r>
+              <a:rPr lang="en-US" dirty="0">
+                <a:latin typeface="Courier" charset="0"/>
+                <a:ea typeface="Courier" charset="0"/>
+                <a:cs typeface="Courier" charset="0"/>
+              </a:rPr>
+              <a:t>Email address: </a:t>
+            </a:r>
+            <a:r>
+              <a:rPr lang="en-US" dirty="0" err="1">
+                <a:solidFill>
+                  <a:srgbClr val="FFFF00"/>
+                </a:solidFill>
+                <a:latin typeface="Courier" charset="0"/>
+                <a:ea typeface="Courier" charset="0"/>
+                <a:cs typeface="Courier" charset="0"/>
+              </a:rPr>
+              <a:t>csev@umich.edu</a:t>
             </a:r>
             <a:endParaRPr lang="en-US" dirty="0">
               <a:solidFill>
@@ -19838,44 +19421,7 @@
                 <a:ea typeface="Courier" charset="0"/>
                 <a:cs typeface="Courier" charset="0"/>
               </a:rPr>
-              <a:t>Email address: </a:t>
-            </a:r>
-            <a:r>
-              <a:rPr lang="en-US" dirty="0" err="1">
-                <a:solidFill>
-                  <a:srgbClr val="FFFF00"/>
-                </a:solidFill>
-                <a:latin typeface="Courier" charset="0"/>
-                <a:ea typeface="Courier" charset="0"/>
-                <a:cs typeface="Courier" charset="0"/>
-              </a:rPr>
-              <a:t>csev@umich.edu</a:t>
-            </a:r>
-            <a:endParaRPr lang="en-US" dirty="0">
-              <a:solidFill>
-                <a:srgbClr val="FFFF00"/>
-              </a:solidFill>
-              <a:latin typeface="Courier" charset="0"/>
-              <a:ea typeface="Courier" charset="0"/>
-              <a:cs typeface="Courier" charset="0"/>
-            </a:endParaRPr>
-          </a:p>
-          <a:p>
-            <a:r>
-              <a:rPr lang="en-US" dirty="0" smtClean="0">
-                <a:latin typeface="Courier" charset="0"/>
-                <a:ea typeface="Courier" charset="0"/>
-                <a:cs typeface="Courier" charset="0"/>
-              </a:rPr>
-              <a:t>Password</a:t>
-            </a:r>
-            <a:r>
-              <a:rPr lang="en-US" dirty="0">
-                <a:latin typeface="Courier" charset="0"/>
-                <a:ea typeface="Courier" charset="0"/>
-                <a:cs typeface="Courier" charset="0"/>
-              </a:rPr>
-              <a:t>: </a:t>
+              <a:t>Password: </a:t>
             </a:r>
           </a:p>
           <a:p>
@@ -19918,13 +19464,6 @@
   <p:clrMapOvr>
     <a:masterClrMapping/>
   </p:clrMapOvr>
-  <p:timing>
-    <p:tnLst>
-      <p:par>
-        <p:cTn id="1" dur="indefinite" restart="never" nodeType="tmRoot"/>
-      </p:par>
-    </p:tnLst>
-  </p:timing>
 </p:sld>
 </file>
 
@@ -19961,10 +19500,9 @@
           <a:lstStyle/>
           <a:p>
             <a:r>
-              <a:rPr lang="en-US" dirty="0" smtClean="0"/>
+              <a:rPr lang="en-US" dirty="0"/>
               <a:t>Wiping out your database</a:t>
             </a:r>
-            <a:endParaRPr lang="en-US" dirty="0"/>
           </a:p>
         </p:txBody>
       </p:sp>
@@ -19989,16 +19527,15 @@
           <a:lstStyle/>
           <a:p>
             <a:r>
-              <a:rPr lang="en-US" dirty="0" smtClean="0"/>
+              <a:rPr lang="en-US" dirty="0"/>
               <a:t>Sometimes you want to clear out and re-initialize your db.sqlite3 file</a:t>
             </a:r>
           </a:p>
           <a:p>
             <a:r>
-              <a:rPr lang="en-US" dirty="0" smtClean="0"/>
+              <a:rPr lang="en-US" dirty="0"/>
               <a:t>The super users and users are stored in the database so when you remove it, you need to re-create the super users.</a:t>
             </a:r>
-            <a:endParaRPr lang="en-US" dirty="0"/>
           </a:p>
         </p:txBody>
       </p:sp>
@@ -20036,7 +19573,7 @@
               <a:t>dj4e-samples$ </a:t>
             </a:r>
             <a:r>
-              <a:rPr lang="en-US" dirty="0" err="1" smtClean="0">
+              <a:rPr lang="en-US" dirty="0" err="1">
                 <a:solidFill>
                   <a:srgbClr val="FFFF00"/>
                 </a:solidFill>
@@ -20047,7 +19584,7 @@
               <a:t>rm</a:t>
             </a:r>
             <a:r>
-              <a:rPr lang="en-US" dirty="0" smtClean="0">
+              <a:rPr lang="en-US" dirty="0">
                 <a:solidFill>
                   <a:srgbClr val="FFFF00"/>
                 </a:solidFill>
@@ -20056,6 +19593,117 @@
                 <a:cs typeface="Courier" charset="0"/>
               </a:rPr>
               <a:t> db.sqlite3</a:t>
+            </a:r>
+          </a:p>
+          <a:p>
+            <a:r>
+              <a:rPr lang="en-US" dirty="0">
+                <a:solidFill>
+                  <a:srgbClr val="00FDFF"/>
+                </a:solidFill>
+                <a:latin typeface="Courier" charset="0"/>
+                <a:ea typeface="Courier" charset="0"/>
+                <a:cs typeface="Courier" charset="0"/>
+              </a:rPr>
+              <a:t>dj4e-samples$ </a:t>
+            </a:r>
+            <a:r>
+              <a:rPr lang="en-US" dirty="0">
+                <a:solidFill>
+                  <a:srgbClr val="FFFF00"/>
+                </a:solidFill>
+                <a:latin typeface="Courier" charset="0"/>
+                <a:ea typeface="Courier" charset="0"/>
+                <a:cs typeface="Courier" charset="0"/>
+              </a:rPr>
+              <a:t>python3 </a:t>
+            </a:r>
+            <a:r>
+              <a:rPr lang="en-US" dirty="0" err="1">
+                <a:solidFill>
+                  <a:srgbClr val="FFFF00"/>
+                </a:solidFill>
+                <a:latin typeface="Courier" charset="0"/>
+                <a:ea typeface="Courier" charset="0"/>
+                <a:cs typeface="Courier" charset="0"/>
+              </a:rPr>
+              <a:t>manage.py</a:t>
+            </a:r>
+            <a:r>
+              <a:rPr lang="en-US" dirty="0">
+                <a:solidFill>
+                  <a:srgbClr val="FFFF00"/>
+                </a:solidFill>
+                <a:latin typeface="Courier" charset="0"/>
+                <a:ea typeface="Courier" charset="0"/>
+                <a:cs typeface="Courier" charset="0"/>
+              </a:rPr>
+              <a:t> migrate</a:t>
+            </a:r>
+            <a:endParaRPr lang="en-US" dirty="0">
+              <a:solidFill>
+                <a:srgbClr val="00FDFF"/>
+              </a:solidFill>
+              <a:latin typeface="Courier" charset="0"/>
+              <a:ea typeface="Courier" charset="0"/>
+              <a:cs typeface="Courier" charset="0"/>
+            </a:endParaRPr>
+          </a:p>
+          <a:p>
+            <a:r>
+              <a:rPr lang="en-US" dirty="0">
+                <a:solidFill>
+                  <a:srgbClr val="00FDFF"/>
+                </a:solidFill>
+                <a:latin typeface="Courier" charset="0"/>
+                <a:ea typeface="Courier" charset="0"/>
+                <a:cs typeface="Courier" charset="0"/>
+              </a:rPr>
+              <a:t>dj4e-samples$ </a:t>
+            </a:r>
+            <a:r>
+              <a:rPr lang="en-US" dirty="0">
+                <a:solidFill>
+                  <a:srgbClr val="FFFF00"/>
+                </a:solidFill>
+                <a:latin typeface="Courier" charset="0"/>
+                <a:ea typeface="Courier" charset="0"/>
+                <a:cs typeface="Courier" charset="0"/>
+              </a:rPr>
+              <a:t>python3 </a:t>
+            </a:r>
+            <a:r>
+              <a:rPr lang="en-US" dirty="0" err="1">
+                <a:solidFill>
+                  <a:srgbClr val="FFFF00"/>
+                </a:solidFill>
+                <a:latin typeface="Courier" charset="0"/>
+                <a:ea typeface="Courier" charset="0"/>
+                <a:cs typeface="Courier" charset="0"/>
+              </a:rPr>
+              <a:t>manage.py</a:t>
+            </a:r>
+            <a:r>
+              <a:rPr lang="en-US" dirty="0">
+                <a:solidFill>
+                  <a:srgbClr val="FFFF00"/>
+                </a:solidFill>
+                <a:latin typeface="Courier" charset="0"/>
+                <a:ea typeface="Courier" charset="0"/>
+                <a:cs typeface="Courier" charset="0"/>
+              </a:rPr>
+              <a:t> </a:t>
+            </a:r>
+            <a:r>
+              <a:rPr lang="en-US" dirty="0" err="1">
+                <a:solidFill>
+                  <a:srgbClr val="FFFF00"/>
+                </a:solidFill>
+                <a:latin typeface="Courier" charset="0"/>
+                <a:ea typeface="Courier" charset="0"/>
+                <a:cs typeface="Courier" charset="0"/>
+              </a:rPr>
+              <a:t>createsuperuser</a:t>
             </a:r>
             <a:endParaRPr lang="en-US" dirty="0">
               <a:solidFill>
@@ -20069,14 +19717,11 @@
           <a:p>
             <a:r>
               <a:rPr lang="en-US" dirty="0">
-                <a:solidFill>
-                  <a:srgbClr val="00FDFF"/>
-                </a:solidFill>
-                <a:latin typeface="Courier" charset="0"/>
-                <a:ea typeface="Courier" charset="0"/>
-                <a:cs typeface="Courier" charset="0"/>
-              </a:rPr>
-              <a:t>dj4e-samples$ </a:t>
+                <a:latin typeface="Courier" charset="0"/>
+                <a:ea typeface="Courier" charset="0"/>
+                <a:cs typeface="Courier" charset="0"/>
+              </a:rPr>
+              <a:t>Username: </a:t>
             </a:r>
             <a:r>
               <a:rPr lang="en-US" dirty="0">
@@ -20087,7 +19732,17 @@
                 <a:ea typeface="Courier" charset="0"/>
                 <a:cs typeface="Courier" charset="0"/>
               </a:rPr>
-              <a:t>python3 </a:t>
+              <a:t>dj4e-samples</a:t>
+            </a:r>
+          </a:p>
+          <a:p>
+            <a:r>
+              <a:rPr lang="en-US" dirty="0">
+                <a:latin typeface="Courier" charset="0"/>
+                <a:ea typeface="Courier" charset="0"/>
+                <a:cs typeface="Courier" charset="0"/>
+              </a:rPr>
+              <a:t>Email address: </a:t>
             </a:r>
             <a:r>
               <a:rPr lang="en-US" dirty="0" err="1">
@@ -20098,94 +19753,7 @@
                 <a:ea typeface="Courier" charset="0"/>
                 <a:cs typeface="Courier" charset="0"/>
               </a:rPr>
-              <a:t>manage.py</a:t>
-            </a:r>
-            <a:r>
-              <a:rPr lang="en-US" dirty="0">
-                <a:solidFill>
-                  <a:srgbClr val="FFFF00"/>
-                </a:solidFill>
-                <a:latin typeface="Courier" charset="0"/>
-                <a:ea typeface="Courier" charset="0"/>
-                <a:cs typeface="Courier" charset="0"/>
-              </a:rPr>
-              <a:t> </a:t>
-            </a:r>
-            <a:r>
-              <a:rPr lang="en-US" dirty="0" smtClean="0">
-                <a:solidFill>
-                  <a:srgbClr val="FFFF00"/>
-                </a:solidFill>
-                <a:latin typeface="Courier" charset="0"/>
-                <a:ea typeface="Courier" charset="0"/>
-                <a:cs typeface="Courier" charset="0"/>
-              </a:rPr>
-              <a:t>migrate</a:t>
-            </a:r>
-            <a:endParaRPr lang="en-US" dirty="0" smtClean="0">
-              <a:solidFill>
-                <a:srgbClr val="00FDFF"/>
-              </a:solidFill>
-              <a:latin typeface="Courier" charset="0"/>
-              <a:ea typeface="Courier" charset="0"/>
-              <a:cs typeface="Courier" charset="0"/>
-            </a:endParaRPr>
-          </a:p>
-          <a:p>
-            <a:r>
-              <a:rPr lang="en-US" dirty="0" smtClean="0">
-                <a:solidFill>
-                  <a:srgbClr val="00FDFF"/>
-                </a:solidFill>
-                <a:latin typeface="Courier" charset="0"/>
-                <a:ea typeface="Courier" charset="0"/>
-                <a:cs typeface="Courier" charset="0"/>
-              </a:rPr>
-              <a:t>dj4e-samples$ </a:t>
-            </a:r>
-            <a:r>
-              <a:rPr lang="en-US" dirty="0">
-                <a:solidFill>
-                  <a:srgbClr val="FFFF00"/>
-                </a:solidFill>
-                <a:latin typeface="Courier" charset="0"/>
-                <a:ea typeface="Courier" charset="0"/>
-                <a:cs typeface="Courier" charset="0"/>
-              </a:rPr>
-              <a:t>python3 </a:t>
-            </a:r>
-            <a:r>
-              <a:rPr lang="en-US" dirty="0" err="1">
-                <a:solidFill>
-                  <a:srgbClr val="FFFF00"/>
-                </a:solidFill>
-                <a:latin typeface="Courier" charset="0"/>
-                <a:ea typeface="Courier" charset="0"/>
-                <a:cs typeface="Courier" charset="0"/>
-              </a:rPr>
-              <a:t>manage.py</a:t>
-            </a:r>
-            <a:r>
-              <a:rPr lang="en-US" dirty="0">
-                <a:solidFill>
-                  <a:srgbClr val="FFFF00"/>
-                </a:solidFill>
-                <a:latin typeface="Courier" charset="0"/>
-                <a:ea typeface="Courier" charset="0"/>
-                <a:cs typeface="Courier" charset="0"/>
-              </a:rPr>
-              <a:t> </a:t>
-            </a:r>
-            <a:r>
-              <a:rPr lang="en-US" dirty="0" err="1">
-                <a:solidFill>
-                  <a:srgbClr val="FFFF00"/>
-                </a:solidFill>
-                <a:latin typeface="Courier" charset="0"/>
-                <a:ea typeface="Courier" charset="0"/>
-                <a:cs typeface="Courier" charset="0"/>
-              </a:rPr>
-              <a:t>createsuperuser</a:t>
+              <a:t>csev@umich.edu</a:t>
             </a:r>
             <a:endParaRPr lang="en-US" dirty="0">
               <a:solidFill>
@@ -20198,78 +19766,12 @@
           </a:p>
           <a:p>
             <a:r>
-              <a:rPr lang="en-US" dirty="0" smtClean="0">
-                <a:latin typeface="Courier" charset="0"/>
-                <a:ea typeface="Courier" charset="0"/>
-                <a:cs typeface="Courier" charset="0"/>
-              </a:rPr>
-              <a:t>Username: </a:t>
-            </a:r>
-            <a:r>
-              <a:rPr lang="en-US" dirty="0" smtClean="0">
-                <a:solidFill>
-                  <a:srgbClr val="FFFF00"/>
-                </a:solidFill>
-                <a:latin typeface="Courier" charset="0"/>
-                <a:ea typeface="Courier" charset="0"/>
-                <a:cs typeface="Courier" charset="0"/>
-              </a:rPr>
-              <a:t>dj4e-samples</a:t>
-            </a:r>
-            <a:endParaRPr lang="en-US" dirty="0">
-              <a:solidFill>
-                <a:srgbClr val="FFFF00"/>
-              </a:solidFill>
-              <a:latin typeface="Courier" charset="0"/>
-              <a:ea typeface="Courier" charset="0"/>
-              <a:cs typeface="Courier" charset="0"/>
-            </a:endParaRPr>
-          </a:p>
-          <a:p>
-            <a:r>
-              <a:rPr lang="en-US" dirty="0">
-                <a:latin typeface="Courier" charset="0"/>
-                <a:ea typeface="Courier" charset="0"/>
-                <a:cs typeface="Courier" charset="0"/>
-              </a:rPr>
-              <a:t>Email address: </a:t>
-            </a:r>
-            <a:r>
-              <a:rPr lang="en-US" dirty="0" err="1">
-                <a:solidFill>
-                  <a:srgbClr val="FFFF00"/>
-                </a:solidFill>
-                <a:latin typeface="Courier" charset="0"/>
-                <a:ea typeface="Courier" charset="0"/>
-                <a:cs typeface="Courier" charset="0"/>
-              </a:rPr>
-              <a:t>csev@umich.edu</a:t>
-            </a:r>
-            <a:endParaRPr lang="en-US" dirty="0">
-              <a:solidFill>
-                <a:srgbClr val="FFFF00"/>
-              </a:solidFill>
-              <a:latin typeface="Courier" charset="0"/>
-              <a:ea typeface="Courier" charset="0"/>
-              <a:cs typeface="Courier" charset="0"/>
-            </a:endParaRPr>
-          </a:p>
-          <a:p>
-            <a:r>
-              <a:rPr lang="en-US" dirty="0" smtClean="0">
-                <a:latin typeface="Courier" charset="0"/>
-                <a:ea typeface="Courier" charset="0"/>
-                <a:cs typeface="Courier" charset="0"/>
-              </a:rPr>
-              <a:t>Password</a:t>
-            </a:r>
-            <a:r>
-              <a:rPr lang="en-US" dirty="0">
-                <a:latin typeface="Courier" charset="0"/>
-                <a:ea typeface="Courier" charset="0"/>
-                <a:cs typeface="Courier" charset="0"/>
-              </a:rPr>
-              <a:t>: </a:t>
+              <a:rPr lang="en-US" dirty="0">
+                <a:latin typeface="Courier" charset="0"/>
+                <a:ea typeface="Courier" charset="0"/>
+                <a:cs typeface="Courier" charset="0"/>
+              </a:rPr>
+              <a:t>Password: </a:t>
             </a:r>
           </a:p>
           <a:p>
@@ -20312,13 +19814,6 @@
   <p:clrMapOvr>
     <a:masterClrMapping/>
   </p:clrMapOvr>
-  <p:timing>
-    <p:tnLst>
-      <p:par>
-        <p:cTn id="1" dur="indefinite" restart="never" nodeType="tmRoot"/>
-      </p:par>
-    </p:tnLst>
-  </p:timing>
 </p:sld>
 </file>
 
@@ -20355,10 +19850,9 @@
           <a:lstStyle/>
           <a:p>
             <a:r>
-              <a:rPr lang="en-US" dirty="0" smtClean="0"/>
+              <a:rPr lang="en-US" dirty="0"/>
               <a:t>Additional Users and Permissions</a:t>
             </a:r>
-            <a:endParaRPr lang="en-US" dirty="0"/>
           </a:p>
         </p:txBody>
       </p:sp>
@@ -20383,11 +19877,11 @@
           <a:lstStyle/>
           <a:p>
             <a:r>
-              <a:rPr lang="en-US" dirty="0" smtClean="0"/>
+              <a:rPr lang="en-US" dirty="0"/>
               <a:t>Once you have a super user you can log into your application and create additional new users, associate them with groups, and give them permissions in the </a:t>
             </a:r>
             <a:r>
-              <a:rPr lang="en-US" dirty="0" smtClean="0">
+              <a:rPr lang="en-US" dirty="0">
                 <a:solidFill>
                   <a:srgbClr val="FFFF00"/>
                 </a:solidFill>
@@ -20395,24 +19889,23 @@
               <a:t>"/admin</a:t>
             </a:r>
             <a:r>
-              <a:rPr lang="en-US" dirty="0" smtClean="0"/>
+              <a:rPr lang="en-US" dirty="0"/>
               <a:t>" user interface</a:t>
             </a:r>
           </a:p>
           <a:p>
             <a:r>
-              <a:rPr lang="en-US" dirty="0" smtClean="0"/>
+              <a:rPr lang="en-US" dirty="0"/>
               <a:t>Many applications don</a:t>
             </a:r>
             <a:r>
-              <a:rPr lang="mr-IN" dirty="0" smtClean="0"/>
+              <a:rPr lang="mr-IN" dirty="0"/>
               <a:t>’</a:t>
             </a:r>
             <a:r>
-              <a:rPr lang="en-US" dirty="0" smtClean="0"/>
+              <a:rPr lang="en-US" dirty="0"/>
               <a:t>t need to use the groups or permissions features of Django</a:t>
             </a:r>
-            <a:endParaRPr lang="en-US" dirty="0"/>
           </a:p>
         </p:txBody>
       </p:sp>
@@ -20459,13 +19952,6 @@
   <p:clrMapOvr>
     <a:masterClrMapping/>
   </p:clrMapOvr>
-  <p:timing>
-    <p:tnLst>
-      <p:par>
-        <p:cTn id="1" dur="indefinite" restart="never" nodeType="tmRoot"/>
-      </p:par>
-    </p:tnLst>
-  </p:timing>
 </p:sld>
 </file>
 
@@ -20502,10 +19988,9 @@
           <a:lstStyle/>
           <a:p>
             <a:r>
-              <a:rPr lang="en-US" dirty="0" smtClean="0"/>
+              <a:rPr lang="en-US" dirty="0"/>
               <a:t>Logging Users into Our Application</a:t>
             </a:r>
-            <a:endParaRPr lang="en-US" dirty="0"/>
           </a:p>
         </p:txBody>
       </p:sp>
@@ -20538,13 +20023,6 @@
   <p:clrMapOvr>
     <a:masterClrMapping/>
   </p:clrMapOvr>
-  <p:timing>
-    <p:tnLst>
-      <p:par>
-        <p:cTn id="1" dur="indefinite" restart="never" nodeType="tmRoot"/>
-      </p:par>
-    </p:tnLst>
-  </p:timing>
 </p:sld>
 </file>
 
@@ -20581,10 +20059,9 @@
           <a:lstStyle/>
           <a:p>
             <a:r>
-              <a:rPr lang="en-US" dirty="0" smtClean="0"/>
+              <a:rPr lang="en-US" dirty="0"/>
               <a:t>Sessions are not "logging in"</a:t>
             </a:r>
-            <a:endParaRPr lang="en-US" dirty="0"/>
           </a:p>
         </p:txBody>
       </p:sp>
@@ -20604,33 +20081,33 @@
           <a:lstStyle/>
           <a:p>
             <a:r>
-              <a:rPr lang="en-US" dirty="0" smtClean="0"/>
+              <a:rPr lang="en-US" dirty="0"/>
               <a:t>A session is a way of marking a browser  and storing data on the server which can be stored and retrieved across multiple request-response-cycles</a:t>
             </a:r>
           </a:p>
           <a:p>
             <a:r>
-              <a:rPr lang="en-US" dirty="0" smtClean="0"/>
+              <a:rPr lang="en-US" dirty="0"/>
               <a:t>Sessions exist irrespective of whether or not the user is logged in</a:t>
             </a:r>
           </a:p>
           <a:p>
             <a:r>
-              <a:rPr lang="en-US" dirty="0" smtClean="0"/>
+              <a:rPr lang="en-US" dirty="0"/>
               <a:t>When the user passes the login check, the server </a:t>
             </a:r>
             <a:r>
-              <a:rPr lang="en-US" smtClean="0"/>
+              <a:rPr lang="en-US"/>
               <a:t>adds data to </a:t>
             </a:r>
             <a:r>
-              <a:rPr lang="en-US" dirty="0" smtClean="0"/>
+              <a:rPr lang="en-US" dirty="0"/>
               <a:t>the session identifying the user</a:t>
             </a:r>
           </a:p>
           <a:p>
             <a:r>
-              <a:rPr lang="en-US" dirty="0" smtClean="0"/>
+              <a:rPr lang="en-US" dirty="0"/>
               <a:t>When the user logs out, that information in the session is removed</a:t>
             </a:r>
           </a:p>
@@ -20639,10 +20116,9 @@
           </a:p>
           <a:p>
             <a:r>
-              <a:rPr lang="en-US" dirty="0" smtClean="0"/>
+              <a:rPr lang="en-US" dirty="0"/>
               <a:t>Sessions are required to implement login</a:t>
             </a:r>
-            <a:endParaRPr lang="en-US" dirty="0"/>
           </a:p>
         </p:txBody>
       </p:sp>
@@ -20656,13 +20132,6 @@
   <p:clrMapOvr>
     <a:masterClrMapping/>
   </p:clrMapOvr>
-  <p:timing>
-    <p:tnLst>
-      <p:par>
-        <p:cTn id="1" dur="indefinite" restart="never" nodeType="tmRoot"/>
-      </p:par>
-    </p:tnLst>
-  </p:timing>
 </p:sld>
 </file>
 
@@ -20699,10 +20168,9 @@
           <a:lstStyle/>
           <a:p>
             <a:r>
-              <a:rPr lang="en-US" dirty="0" smtClean="0"/>
+              <a:rPr lang="en-US" dirty="0"/>
               <a:t>Sessions, Users, Login, and Django</a:t>
             </a:r>
-            <a:endParaRPr lang="en-US" dirty="0"/>
           </a:p>
         </p:txBody>
       </p:sp>
@@ -20727,18 +20195,17 @@
           <a:lstStyle/>
           <a:p>
             <a:r>
-              <a:rPr lang="en-US" dirty="0" smtClean="0"/>
+              <a:rPr lang="en-US" dirty="0"/>
               <a:t>Login functionality is built into Django and included in your </a:t>
             </a:r>
             <a:r>
-              <a:rPr lang="en-US" b="1" dirty="0" err="1" smtClean="0"/>
+              <a:rPr lang="en-US" b="1" dirty="0" err="1"/>
               <a:t>settings.py</a:t>
             </a:r>
             <a:r>
-              <a:rPr lang="en-US" dirty="0" smtClean="0"/>
+              <a:rPr lang="en-US" dirty="0"/>
               <a:t> by default</a:t>
             </a:r>
-            <a:endParaRPr lang="en-US" dirty="0"/>
           </a:p>
         </p:txBody>
       </p:sp>
@@ -20768,38 +20235,21 @@
               <a:t>https://</a:t>
             </a:r>
             <a:r>
-              <a:rPr lang="en-US" dirty="0" err="1" smtClean="0"/>
+              <a:rPr lang="en-US" dirty="0" err="1"/>
               <a:t>docs.djangoproject.com</a:t>
             </a:r>
             <a:r>
-              <a:rPr lang="en-US" dirty="0" smtClean="0"/>
+              <a:rPr lang="en-US" dirty="0"/>
               <a:t>/</a:t>
             </a:r>
             <a:r>
-              <a:rPr lang="en-US" dirty="0" err="1" smtClean="0"/>
+              <a:rPr lang="en-US" dirty="0" err="1"/>
               <a:t>en</a:t>
             </a:r>
             <a:r>
-              <a:rPr lang="en-US" dirty="0" smtClean="0"/>
-              <a:t>/</a:t>
-            </a:r>
-            <a:r>
-              <a:rPr lang="hr-HR" dirty="0" smtClean="0"/>
-              <a:t>3.0</a:t>
-            </a:r>
-            <a:r>
-              <a:rPr lang="en-US" dirty="0" smtClean="0"/>
-              <a:t>/topics/</a:t>
-            </a:r>
-            <a:r>
-              <a:rPr lang="en-US" dirty="0" err="1" smtClean="0"/>
-              <a:t>auth</a:t>
-            </a:r>
-            <a:r>
-              <a:rPr lang="en-US" dirty="0" smtClean="0"/>
-              <a:t>/default</a:t>
-            </a:r>
-            <a:endParaRPr lang="en-US" dirty="0"/>
+              <a:rPr lang="en-US" dirty="0"/>
+              <a:t>/4.0/topics/auth/default</a:t>
+            </a:r>
           </a:p>
         </p:txBody>
       </p:sp>
@@ -20912,7 +20362,7 @@
               <a:t>django.contrib.contenttypes</a:t>
             </a:r>
             <a:r>
-              <a:rPr lang="en-US" dirty="0" smtClean="0">
+              <a:rPr lang="en-US" dirty="0">
                 <a:latin typeface="Courier" charset="0"/>
                 <a:ea typeface="Courier" charset="0"/>
                 <a:cs typeface="Courier" charset="0"/>
@@ -20922,18 +20372,13 @@
           </a:p>
           <a:p>
             <a:r>
-              <a:rPr lang="en-US" dirty="0" smtClean="0">
+              <a:rPr lang="en-US" dirty="0">
                 <a:latin typeface="Courier" charset="0"/>
                 <a:ea typeface="Courier" charset="0"/>
                 <a:cs typeface="Courier" charset="0"/>
               </a:rPr>
               <a:t>...</a:t>
             </a:r>
-            <a:endParaRPr lang="en-US" dirty="0">
-              <a:latin typeface="Courier" charset="0"/>
-              <a:ea typeface="Courier" charset="0"/>
-              <a:cs typeface="Courier" charset="0"/>
-            </a:endParaRPr>
           </a:p>
         </p:txBody>
       </p:sp>
@@ -20960,7 +20405,7 @@
           <a:lstStyle/>
           <a:p>
             <a:r>
-              <a:rPr lang="en-US" dirty="0" smtClean="0">
+              <a:rPr lang="en-US" dirty="0">
                 <a:solidFill>
                   <a:srgbClr val="FFFF00"/>
                 </a:solidFill>
@@ -20968,7 +20413,7 @@
               <a:t>dj4e-samples/dj4e-samples/</a:t>
             </a:r>
             <a:r>
-              <a:rPr lang="en-US" dirty="0" err="1" smtClean="0">
+              <a:rPr lang="en-US" dirty="0" err="1">
                 <a:solidFill>
                   <a:srgbClr val="FFFF00"/>
                 </a:solidFill>
@@ -20993,13 +20438,6 @@
   <p:clrMapOvr>
     <a:masterClrMapping/>
   </p:clrMapOvr>
-  <p:timing>
-    <p:tnLst>
-      <p:par>
-        <p:cTn id="1" dur="indefinite" restart="never" nodeType="tmRoot"/>
-      </p:par>
-    </p:tnLst>
-  </p:timing>
 </p:sld>
 </file>
 
@@ -21036,10 +20474,9 @@
           <a:lstStyle/>
           <a:p>
             <a:r>
-              <a:rPr lang="en-US" dirty="0" smtClean="0"/>
+              <a:rPr lang="en-US" dirty="0"/>
               <a:t>Sessions, Users, Login, and Django</a:t>
             </a:r>
-            <a:endParaRPr lang="en-US" dirty="0"/>
           </a:p>
         </p:txBody>
       </p:sp>
@@ -21066,29 +20503,28 @@
           <a:lstStyle/>
           <a:p>
             <a:r>
-              <a:rPr lang="en-US" dirty="0" smtClean="0"/>
+              <a:rPr lang="en-US" dirty="0"/>
               <a:t>We need to add a path to the code that gives us login and logout </a:t>
             </a:r>
             <a:r>
-              <a:rPr lang="en-US" dirty="0" err="1" smtClean="0"/>
+              <a:rPr lang="en-US" dirty="0" err="1"/>
               <a:t>urls</a:t>
             </a:r>
-            <a:endParaRPr lang="en-US" dirty="0" smtClean="0"/>
-          </a:p>
-          <a:p>
-            <a:r>
-              <a:rPr lang="en-US" dirty="0" smtClean="0"/>
+            <a:endParaRPr lang="en-US" dirty="0"/>
+          </a:p>
+          <a:p>
+            <a:r>
+              <a:rPr lang="en-US" dirty="0"/>
               <a:t>We can reverse lookup these </a:t>
             </a:r>
             <a:r>
-              <a:rPr lang="en-US" dirty="0" err="1" smtClean="0"/>
+              <a:rPr lang="en-US" dirty="0" err="1"/>
               <a:t>urls</a:t>
             </a:r>
             <a:r>
-              <a:rPr lang="en-US" dirty="0" smtClean="0"/>
+              <a:rPr lang="en-US" dirty="0"/>
               <a:t> using the 'login' and 'logout' view names</a:t>
             </a:r>
-            <a:endParaRPr lang="en-US" dirty="0"/>
           </a:p>
         </p:txBody>
       </p:sp>
@@ -21118,38 +20554,21 @@
               <a:t>https://</a:t>
             </a:r>
             <a:r>
-              <a:rPr lang="en-US" dirty="0" err="1" smtClean="0"/>
+              <a:rPr lang="en-US" dirty="0" err="1"/>
               <a:t>docs.djangoproject.com</a:t>
             </a:r>
             <a:r>
-              <a:rPr lang="en-US" dirty="0" smtClean="0"/>
+              <a:rPr lang="en-US" dirty="0"/>
               <a:t>/</a:t>
             </a:r>
             <a:r>
-              <a:rPr lang="en-US" dirty="0" err="1" smtClean="0"/>
+              <a:rPr lang="en-US" dirty="0" err="1"/>
               <a:t>en</a:t>
             </a:r>
             <a:r>
-              <a:rPr lang="en-US" dirty="0" smtClean="0"/>
-              <a:t>/</a:t>
-            </a:r>
-            <a:r>
-              <a:rPr lang="hr-HR" dirty="0" smtClean="0"/>
-              <a:t>3.0</a:t>
-            </a:r>
-            <a:r>
-              <a:rPr lang="en-US" dirty="0" smtClean="0"/>
-              <a:t>/topics/</a:t>
-            </a:r>
-            <a:r>
-              <a:rPr lang="en-US" dirty="0" err="1" smtClean="0"/>
-              <a:t>auth</a:t>
-            </a:r>
-            <a:r>
-              <a:rPr lang="en-US" dirty="0" smtClean="0"/>
-              <a:t>/default</a:t>
-            </a:r>
-            <a:endParaRPr lang="en-US" dirty="0"/>
+              <a:rPr lang="en-US" dirty="0"/>
+              <a:t>/4.0/topics/auth/default</a:t>
+            </a:r>
           </a:p>
         </p:txBody>
       </p:sp>
@@ -21209,13 +20628,76 @@
               <a:t>home.urls</a:t>
             </a:r>
             <a:r>
-              <a:rPr lang="en-US" dirty="0" smtClean="0">
+              <a:rPr lang="en-US" dirty="0">
                 <a:latin typeface="Courier" charset="0"/>
                 <a:ea typeface="Courier" charset="0"/>
                 <a:cs typeface="Courier" charset="0"/>
               </a:rPr>
               <a:t>')),</a:t>
             </a:r>
+          </a:p>
+          <a:p>
+            <a:r>
+              <a:rPr lang="en-US" dirty="0">
+                <a:latin typeface="Courier" charset="0"/>
+                <a:ea typeface="Courier" charset="0"/>
+                <a:cs typeface="Courier" charset="0"/>
+              </a:rPr>
+              <a:t>    path('admin/', </a:t>
+            </a:r>
+            <a:r>
+              <a:rPr lang="en-US" dirty="0" err="1">
+                <a:latin typeface="Courier" charset="0"/>
+                <a:ea typeface="Courier" charset="0"/>
+                <a:cs typeface="Courier" charset="0"/>
+              </a:rPr>
+              <a:t>admin.site.urls</a:t>
+            </a:r>
+            <a:r>
+              <a:rPr lang="en-US" dirty="0">
+                <a:latin typeface="Courier" charset="0"/>
+                <a:ea typeface="Courier" charset="0"/>
+                <a:cs typeface="Courier" charset="0"/>
+              </a:rPr>
+              <a:t>),</a:t>
+            </a:r>
+          </a:p>
+          <a:p>
+            <a:r>
+              <a:rPr lang="en-US" dirty="0">
+                <a:solidFill>
+                  <a:srgbClr val="FFFF00"/>
+                </a:solidFill>
+                <a:latin typeface="Courier" charset="0"/>
+                <a:ea typeface="Courier" charset="0"/>
+                <a:cs typeface="Courier" charset="0"/>
+              </a:rPr>
+              <a:t>    path('accounts/', include('</a:t>
+            </a:r>
+            <a:r>
+              <a:rPr lang="en-US" dirty="0" err="1">
+                <a:solidFill>
+                  <a:srgbClr val="FFFF00"/>
+                </a:solidFill>
+                <a:latin typeface="Courier" charset="0"/>
+                <a:ea typeface="Courier" charset="0"/>
+                <a:cs typeface="Courier" charset="0"/>
+              </a:rPr>
+              <a:t>django.contrib.auth.urls</a:t>
+            </a:r>
+            <a:r>
+              <a:rPr lang="en-US" dirty="0">
+                <a:solidFill>
+                  <a:srgbClr val="FFFF00"/>
+                </a:solidFill>
+                <a:latin typeface="Courier" charset="0"/>
+                <a:ea typeface="Courier" charset="0"/>
+                <a:cs typeface="Courier" charset="0"/>
+              </a:rPr>
+              <a:t>')),</a:t>
+            </a:r>
+          </a:p>
+          <a:p>
             <a:endParaRPr lang="en-US" dirty="0">
               <a:latin typeface="Courier" charset="0"/>
               <a:ea typeface="Courier" charset="0"/>
@@ -21229,103 +20711,8 @@
                 <a:ea typeface="Courier" charset="0"/>
                 <a:cs typeface="Courier" charset="0"/>
               </a:rPr>
-              <a:t>    path('admin/', </a:t>
-            </a:r>
-            <a:r>
-              <a:rPr lang="en-US" dirty="0" err="1">
-                <a:latin typeface="Courier" charset="0"/>
-                <a:ea typeface="Courier" charset="0"/>
-                <a:cs typeface="Courier" charset="0"/>
-              </a:rPr>
-              <a:t>admin.site.urls</a:t>
-            </a:r>
-            <a:r>
-              <a:rPr lang="en-US" dirty="0" smtClean="0">
-                <a:latin typeface="Courier" charset="0"/>
-                <a:ea typeface="Courier" charset="0"/>
-                <a:cs typeface="Courier" charset="0"/>
-              </a:rPr>
-              <a:t>),</a:t>
-            </a:r>
-          </a:p>
-          <a:p>
-            <a:r>
-              <a:rPr lang="en-US" dirty="0">
-                <a:solidFill>
-                  <a:srgbClr val="FFFF00"/>
-                </a:solidFill>
-                <a:latin typeface="Courier" charset="0"/>
-                <a:ea typeface="Courier" charset="0"/>
-                <a:cs typeface="Courier" charset="0"/>
-              </a:rPr>
-              <a:t> </a:t>
-            </a:r>
-            <a:r>
-              <a:rPr lang="en-US" dirty="0" smtClean="0">
-                <a:solidFill>
-                  <a:srgbClr val="FFFF00"/>
-                </a:solidFill>
-                <a:latin typeface="Courier" charset="0"/>
-                <a:ea typeface="Courier" charset="0"/>
-                <a:cs typeface="Courier" charset="0"/>
-              </a:rPr>
-              <a:t>   path</a:t>
-            </a:r>
-            <a:r>
-              <a:rPr lang="en-US" dirty="0">
-                <a:solidFill>
-                  <a:srgbClr val="FFFF00"/>
-                </a:solidFill>
-                <a:latin typeface="Courier" charset="0"/>
-                <a:ea typeface="Courier" charset="0"/>
-                <a:cs typeface="Courier" charset="0"/>
-              </a:rPr>
-              <a:t>('accounts/', include('</a:t>
-            </a:r>
-            <a:r>
-              <a:rPr lang="en-US" dirty="0" err="1">
-                <a:solidFill>
-                  <a:srgbClr val="FFFF00"/>
-                </a:solidFill>
-                <a:latin typeface="Courier" charset="0"/>
-                <a:ea typeface="Courier" charset="0"/>
-                <a:cs typeface="Courier" charset="0"/>
-              </a:rPr>
-              <a:t>django.contrib.auth.urls</a:t>
-            </a:r>
-            <a:r>
-              <a:rPr lang="en-US" dirty="0" smtClean="0">
-                <a:solidFill>
-                  <a:srgbClr val="FFFF00"/>
-                </a:solidFill>
-                <a:latin typeface="Courier" charset="0"/>
-                <a:ea typeface="Courier" charset="0"/>
-                <a:cs typeface="Courier" charset="0"/>
-              </a:rPr>
-              <a:t>')),</a:t>
-            </a:r>
-          </a:p>
-          <a:p>
-            <a:endParaRPr lang="en-US" dirty="0">
-              <a:latin typeface="Courier" charset="0"/>
-              <a:ea typeface="Courier" charset="0"/>
-              <a:cs typeface="Courier" charset="0"/>
-            </a:endParaRPr>
-          </a:p>
-          <a:p>
-            <a:r>
-              <a:rPr lang="en-US" dirty="0" smtClean="0">
-                <a:latin typeface="Courier" charset="0"/>
-                <a:ea typeface="Courier" charset="0"/>
-                <a:cs typeface="Courier" charset="0"/>
-              </a:rPr>
               <a:t>...</a:t>
             </a:r>
-            <a:endParaRPr lang="en-US" dirty="0">
-              <a:latin typeface="Courier" charset="0"/>
-              <a:ea typeface="Courier" charset="0"/>
-              <a:cs typeface="Courier" charset="0"/>
-            </a:endParaRPr>
           </a:p>
         </p:txBody>
       </p:sp>
@@ -21352,7 +20739,7 @@
           <a:lstStyle/>
           <a:p>
             <a:r>
-              <a:rPr lang="en-US" dirty="0" smtClean="0">
+              <a:rPr lang="en-US" dirty="0">
                 <a:solidFill>
                   <a:srgbClr val="FFFF00"/>
                 </a:solidFill>
@@ -21360,7 +20747,7 @@
               <a:t>dj4e-samples/dj4e-samples/</a:t>
             </a:r>
             <a:r>
-              <a:rPr lang="en-US" dirty="0" err="1" smtClean="0">
+              <a:rPr lang="en-US" dirty="0" err="1">
                 <a:solidFill>
                   <a:srgbClr val="FFFF00"/>
                 </a:solidFill>
@@ -21385,13 +20772,6 @@
   <p:clrMapOvr>
     <a:masterClrMapping/>
   </p:clrMapOvr>
-  <p:timing>
-    <p:tnLst>
-      <p:par>
-        <p:cTn id="1" dur="indefinite" restart="never" nodeType="tmRoot"/>
-      </p:par>
-    </p:tnLst>
-  </p:timing>
 </p:sld>
 </file>
 

--- a/lectures/DJ-10-Login.pptx
+++ b/lectures/DJ-10-Login.pptx
@@ -222,7 +222,7 @@
           <a:p>
             <a:fld id="{C97B56FC-7D2E-F343-9D09-0D14B00AA564}" type="datetimeFigureOut">
               <a:rPr lang="en-US" smtClean="0"/>
-              <a:t>9/16/22</a:t>
+              <a:t>7/8/23</a:t>
             </a:fld>
             <a:endParaRPr lang="en-US"/>
           </a:p>
@@ -619,7 +619,7 @@
           <a:p>
             <a:fld id="{EEE7C04C-7AF8-1445-A186-502B631B934F}" type="datetimeFigureOut">
               <a:rPr lang="en-US" smtClean="0"/>
-              <a:t>9/16/22</a:t>
+              <a:t>7/8/23</a:t>
             </a:fld>
             <a:endParaRPr lang="en-US"/>
           </a:p>
@@ -784,7 +784,7 @@
           <a:p>
             <a:fld id="{EEE7C04C-7AF8-1445-A186-502B631B934F}" type="datetimeFigureOut">
               <a:rPr lang="en-US" smtClean="0"/>
-              <a:t>9/16/22</a:t>
+              <a:t>7/8/23</a:t>
             </a:fld>
             <a:endParaRPr lang="en-US"/>
           </a:p>
@@ -959,7 +959,7 @@
           <a:p>
             <a:fld id="{EEE7C04C-7AF8-1445-A186-502B631B934F}" type="datetimeFigureOut">
               <a:rPr lang="en-US" smtClean="0"/>
-              <a:t>9/16/22</a:t>
+              <a:t>7/8/23</a:t>
             </a:fld>
             <a:endParaRPr lang="en-US"/>
           </a:p>
@@ -1124,7 +1124,7 @@
           <a:p>
             <a:fld id="{EEE7C04C-7AF8-1445-A186-502B631B934F}" type="datetimeFigureOut">
               <a:rPr lang="en-US" smtClean="0"/>
-              <a:t>9/16/22</a:t>
+              <a:t>7/8/23</a:t>
             </a:fld>
             <a:endParaRPr lang="en-US"/>
           </a:p>
@@ -1365,7 +1365,7 @@
           <a:p>
             <a:fld id="{EEE7C04C-7AF8-1445-A186-502B631B934F}" type="datetimeFigureOut">
               <a:rPr lang="en-US" smtClean="0"/>
-              <a:t>9/16/22</a:t>
+              <a:t>7/8/23</a:t>
             </a:fld>
             <a:endParaRPr lang="en-US"/>
           </a:p>
@@ -1592,7 +1592,7 @@
           <a:p>
             <a:fld id="{EEE7C04C-7AF8-1445-A186-502B631B934F}" type="datetimeFigureOut">
               <a:rPr lang="en-US" smtClean="0"/>
-              <a:t>9/16/22</a:t>
+              <a:t>7/8/23</a:t>
             </a:fld>
             <a:endParaRPr lang="en-US"/>
           </a:p>
@@ -1954,7 +1954,7 @@
           <a:p>
             <a:fld id="{EEE7C04C-7AF8-1445-A186-502B631B934F}" type="datetimeFigureOut">
               <a:rPr lang="en-US" smtClean="0"/>
-              <a:t>9/16/22</a:t>
+              <a:t>7/8/23</a:t>
             </a:fld>
             <a:endParaRPr lang="en-US"/>
           </a:p>
@@ -2067,7 +2067,7 @@
           <a:p>
             <a:fld id="{EEE7C04C-7AF8-1445-A186-502B631B934F}" type="datetimeFigureOut">
               <a:rPr lang="en-US" smtClean="0"/>
-              <a:t>9/16/22</a:t>
+              <a:t>7/8/23</a:t>
             </a:fld>
             <a:endParaRPr lang="en-US"/>
           </a:p>
@@ -2157,7 +2157,7 @@
           <a:p>
             <a:fld id="{EEE7C04C-7AF8-1445-A186-502B631B934F}" type="datetimeFigureOut">
               <a:rPr lang="en-US" smtClean="0"/>
-              <a:t>9/16/22</a:t>
+              <a:t>7/8/23</a:t>
             </a:fld>
             <a:endParaRPr lang="en-US"/>
           </a:p>
@@ -2429,7 +2429,7 @@
           <a:p>
             <a:fld id="{EEE7C04C-7AF8-1445-A186-502B631B934F}" type="datetimeFigureOut">
               <a:rPr lang="en-US" smtClean="0"/>
-              <a:t>9/16/22</a:t>
+              <a:t>7/8/23</a:t>
             </a:fld>
             <a:endParaRPr lang="en-US"/>
           </a:p>
@@ -2681,7 +2681,7 @@
           <a:p>
             <a:fld id="{EEE7C04C-7AF8-1445-A186-502B631B934F}" type="datetimeFigureOut">
               <a:rPr lang="en-US" smtClean="0"/>
-              <a:t>9/16/22</a:t>
+              <a:t>7/8/23</a:t>
             </a:fld>
             <a:endParaRPr lang="en-US"/>
           </a:p>
@@ -2888,7 +2888,7 @@
           <a:p>
             <a:fld id="{EEE7C04C-7AF8-1445-A186-502B631B934F}" type="datetimeFigureOut">
               <a:rPr lang="en-US" smtClean="0"/>
-              <a:t>9/16/22</a:t>
+              <a:t>7/8/23</a:t>
             </a:fld>
             <a:endParaRPr lang="en-US"/>
           </a:p>
@@ -10909,7 +10909,7 @@
             </a:r>
             <a:r>
               <a:rPr lang="en-US" dirty="0"/>
-              <a:t>/4.0/topics/auth/default/#</a:t>
+              <a:t>/4.2/topics/auth/default/#</a:t>
             </a:r>
             <a:r>
               <a:rPr lang="en-US" dirty="0" err="1"/>
@@ -12389,7 +12389,7 @@
             </a:r>
             <a:r>
               <a:rPr lang="en-US" dirty="0"/>
-              <a:t>/4.0/topics/auth/</a:t>
+              <a:t>/4.2/topics/auth/</a:t>
             </a:r>
           </a:p>
         </p:txBody>
@@ -15784,7 +15784,7 @@
             </a:r>
             <a:r>
               <a:rPr lang="en-US" dirty="0"/>
-              <a:t>/4.0/topics/auth/default/#the-</a:t>
+              <a:t>/4.2/topics/auth/default/#the-</a:t>
             </a:r>
             <a:r>
               <a:rPr lang="en-US" dirty="0" err="1"/>
@@ -16854,7 +16854,7 @@
             </a:r>
             <a:r>
               <a:rPr lang="en-US" dirty="0"/>
-              <a:t>/4.0/topics/auth/default/#the-</a:t>
+              <a:t>/4.2/topics/auth/default/#the-</a:t>
             </a:r>
             <a:r>
               <a:rPr lang="en-US" dirty="0" err="1"/>
@@ -20248,7 +20248,7 @@
             </a:r>
             <a:r>
               <a:rPr lang="en-US" dirty="0"/>
-              <a:t>/4.0/topics/auth/default</a:t>
+              <a:t>/4.2/topics/auth/default</a:t>
             </a:r>
           </a:p>
         </p:txBody>
@@ -20567,7 +20567,7 @@
             </a:r>
             <a:r>
               <a:rPr lang="en-US" dirty="0"/>
-              <a:t>/4.0/topics/auth/default</a:t>
+              <a:t>/4.2/topics/auth/default</a:t>
             </a:r>
           </a:p>
         </p:txBody>
